--- a/slides/504 find k nearest final.pptx
+++ b/slides/504 find k nearest final.pptx
@@ -1,41 +1,42 @@
 
 <file path=ppt/presentation.xml><?xml version="1.0" encoding="utf-8"?>
-<p:presentation xmlns:a="http://schemas.openxmlformats.org/drawingml/2006/main" xmlns:r="http://schemas.openxmlformats.org/officeDocument/2006/relationships" xmlns:mc="http://schemas.openxmlformats.org/markup-compatibility/2006" xmlns:mv="urn:schemas-microsoft-com:mac:vml" xmlns:p="http://schemas.openxmlformats.org/presentationml/2006/main" xmlns:c="http://schemas.openxmlformats.org/drawingml/2006/chart" xmlns:dgm="http://schemas.openxmlformats.org/drawingml/2006/diagram" xmlns:o="urn:schemas-microsoft-com:office:office" xmlns:v="urn:schemas-microsoft-com:vml" xmlns:pvml="urn:schemas-microsoft-com:office:powerpoint" xmlns:com="http://schemas.openxmlformats.org/drawingml/2006/compatibility" xmlns:p14="http://schemas.microsoft.com/office/powerpoint/2010/main" xmlns:p15="http://schemas.microsoft.com/office/powerpoint/2012/main" xmlns:ahyp="http://schemas.microsoft.com/office/drawing/2018/hyperlinkcolor" autoCompressPictures="0" embedTrueTypeFonts="1" strictFirstAndLastChars="0" saveSubsetFonts="1">
+<p:presentation xmlns:a="http://schemas.openxmlformats.org/drawingml/2006/main" xmlns:r="http://schemas.openxmlformats.org/officeDocument/2006/relationships" xmlns:p="http://schemas.openxmlformats.org/presentationml/2006/main" strictFirstAndLastChars="0" embedTrueTypeFonts="1" autoCompressPictures="0">
   <p:sldMasterIdLst>
-    <p:sldMasterId id="2147483659" r:id="rId4"/>
+    <p:sldMasterId id="2147483659" r:id="rId1"/>
   </p:sldMasterIdLst>
   <p:notesMasterIdLst>
-    <p:notesMasterId r:id="rId5"/>
+    <p:notesMasterId r:id="rId10"/>
   </p:notesMasterIdLst>
   <p:sldIdLst>
-    <p:sldId id="256" r:id="rId6"/>
-    <p:sldId id="257" r:id="rId7"/>
-    <p:sldId id="258" r:id="rId8"/>
-    <p:sldId id="259" r:id="rId9"/>
-    <p:sldId id="260" r:id="rId10"/>
-    <p:sldId id="261" r:id="rId11"/>
-    <p:sldId id="262" r:id="rId12"/>
+    <p:sldId id="256" r:id="rId2"/>
+    <p:sldId id="257" r:id="rId3"/>
+    <p:sldId id="258" r:id="rId4"/>
+    <p:sldId id="259" r:id="rId5"/>
+    <p:sldId id="260" r:id="rId6"/>
+    <p:sldId id="261" r:id="rId7"/>
+    <p:sldId id="262" r:id="rId8"/>
+    <p:sldId id="263" r:id="rId9"/>
   </p:sldIdLst>
-  <p:sldSz cy="5143500" cx="9144000"/>
+  <p:sldSz cx="9144000" cy="5143500" type="screen16x9"/>
   <p:notesSz cx="6858000" cy="9144000"/>
   <p:embeddedFontLst>
     <p:embeddedFont>
-      <p:font typeface="Raleway"/>
-      <p:regular r:id="rId13"/>
-      <p:bold r:id="rId14"/>
-      <p:italic r:id="rId15"/>
-      <p:boldItalic r:id="rId16"/>
+      <p:font typeface="Lato" panose="020F0502020204030203" pitchFamily="34" charset="77"/>
+      <p:regular r:id="rId11"/>
+      <p:bold r:id="rId12"/>
+      <p:italic r:id="rId13"/>
+      <p:boldItalic r:id="rId14"/>
     </p:embeddedFont>
     <p:embeddedFont>
-      <p:font typeface="Lato"/>
-      <p:regular r:id="rId17"/>
-      <p:bold r:id="rId18"/>
-      <p:italic r:id="rId19"/>
-      <p:boldItalic r:id="rId20"/>
+      <p:font typeface="Raleway" pitchFamily="2" charset="77"/>
+      <p:regular r:id="rId15"/>
+      <p:bold r:id="rId16"/>
+      <p:italic r:id="rId17"/>
+      <p:boldItalic r:id="rId18"/>
     </p:embeddedFont>
   </p:embeddedFontLst>
   <p:defaultTextStyle>
-    <a:defPPr lvl="0" marR="0" rtl="0" algn="l">
+    <a:defPPr marR="0" lvl="0" algn="l" rtl="0">
       <a:lnSpc>
         <a:spcPct val="100000"/>
       </a:lnSpc>
@@ -46,7 +47,7 @@
         <a:spcPts val="0"/>
       </a:spcAft>
     </a:defPPr>
-    <a:lvl1pPr lvl="0" marR="0" rtl="0" algn="l">
+    <a:lvl1pPr marR="0" lvl="0" algn="l" rtl="0">
       <a:lnSpc>
         <a:spcPct val="100000"/>
       </a:lnSpc>
@@ -60,7 +61,7 @@
         <a:srgbClr val="000000"/>
       </a:buClr>
       <a:buFont typeface="Arial"/>
-      <a:defRPr b="0" i="0" sz="1400" u="none" cap="none" strike="noStrike">
+      <a:defRPr sz="1400" b="0" i="0" u="none" strike="noStrike" cap="none">
         <a:solidFill>
           <a:srgbClr val="000000"/>
         </a:solidFill>
@@ -70,7 +71,7 @@
         <a:sym typeface="Arial"/>
       </a:defRPr>
     </a:lvl1pPr>
-    <a:lvl2pPr lvl="1" marR="0" rtl="0" algn="l">
+    <a:lvl2pPr marR="0" lvl="1" algn="l" rtl="0">
       <a:lnSpc>
         <a:spcPct val="100000"/>
       </a:lnSpc>
@@ -84,7 +85,7 @@
         <a:srgbClr val="000000"/>
       </a:buClr>
       <a:buFont typeface="Arial"/>
-      <a:defRPr b="0" i="0" sz="1400" u="none" cap="none" strike="noStrike">
+      <a:defRPr sz="1400" b="0" i="0" u="none" strike="noStrike" cap="none">
         <a:solidFill>
           <a:srgbClr val="000000"/>
         </a:solidFill>
@@ -94,7 +95,7 @@
         <a:sym typeface="Arial"/>
       </a:defRPr>
     </a:lvl2pPr>
-    <a:lvl3pPr lvl="2" marR="0" rtl="0" algn="l">
+    <a:lvl3pPr marR="0" lvl="2" algn="l" rtl="0">
       <a:lnSpc>
         <a:spcPct val="100000"/>
       </a:lnSpc>
@@ -108,7 +109,7 @@
         <a:srgbClr val="000000"/>
       </a:buClr>
       <a:buFont typeface="Arial"/>
-      <a:defRPr b="0" i="0" sz="1400" u="none" cap="none" strike="noStrike">
+      <a:defRPr sz="1400" b="0" i="0" u="none" strike="noStrike" cap="none">
         <a:solidFill>
           <a:srgbClr val="000000"/>
         </a:solidFill>
@@ -118,7 +119,7 @@
         <a:sym typeface="Arial"/>
       </a:defRPr>
     </a:lvl3pPr>
-    <a:lvl4pPr lvl="3" marR="0" rtl="0" algn="l">
+    <a:lvl4pPr marR="0" lvl="3" algn="l" rtl="0">
       <a:lnSpc>
         <a:spcPct val="100000"/>
       </a:lnSpc>
@@ -132,7 +133,7 @@
         <a:srgbClr val="000000"/>
       </a:buClr>
       <a:buFont typeface="Arial"/>
-      <a:defRPr b="0" i="0" sz="1400" u="none" cap="none" strike="noStrike">
+      <a:defRPr sz="1400" b="0" i="0" u="none" strike="noStrike" cap="none">
         <a:solidFill>
           <a:srgbClr val="000000"/>
         </a:solidFill>
@@ -142,7 +143,7 @@
         <a:sym typeface="Arial"/>
       </a:defRPr>
     </a:lvl4pPr>
-    <a:lvl5pPr lvl="4" marR="0" rtl="0" algn="l">
+    <a:lvl5pPr marR="0" lvl="4" algn="l" rtl="0">
       <a:lnSpc>
         <a:spcPct val="100000"/>
       </a:lnSpc>
@@ -156,7 +157,7 @@
         <a:srgbClr val="000000"/>
       </a:buClr>
       <a:buFont typeface="Arial"/>
-      <a:defRPr b="0" i="0" sz="1400" u="none" cap="none" strike="noStrike">
+      <a:defRPr sz="1400" b="0" i="0" u="none" strike="noStrike" cap="none">
         <a:solidFill>
           <a:srgbClr val="000000"/>
         </a:solidFill>
@@ -166,7 +167,7 @@
         <a:sym typeface="Arial"/>
       </a:defRPr>
     </a:lvl5pPr>
-    <a:lvl6pPr lvl="5" marR="0" rtl="0" algn="l">
+    <a:lvl6pPr marR="0" lvl="5" algn="l" rtl="0">
       <a:lnSpc>
         <a:spcPct val="100000"/>
       </a:lnSpc>
@@ -180,7 +181,7 @@
         <a:srgbClr val="000000"/>
       </a:buClr>
       <a:buFont typeface="Arial"/>
-      <a:defRPr b="0" i="0" sz="1400" u="none" cap="none" strike="noStrike">
+      <a:defRPr sz="1400" b="0" i="0" u="none" strike="noStrike" cap="none">
         <a:solidFill>
           <a:srgbClr val="000000"/>
         </a:solidFill>
@@ -190,7 +191,7 @@
         <a:sym typeface="Arial"/>
       </a:defRPr>
     </a:lvl6pPr>
-    <a:lvl7pPr lvl="6" marR="0" rtl="0" algn="l">
+    <a:lvl7pPr marR="0" lvl="6" algn="l" rtl="0">
       <a:lnSpc>
         <a:spcPct val="100000"/>
       </a:lnSpc>
@@ -204,7 +205,7 @@
         <a:srgbClr val="000000"/>
       </a:buClr>
       <a:buFont typeface="Arial"/>
-      <a:defRPr b="0" i="0" sz="1400" u="none" cap="none" strike="noStrike">
+      <a:defRPr sz="1400" b="0" i="0" u="none" strike="noStrike" cap="none">
         <a:solidFill>
           <a:srgbClr val="000000"/>
         </a:solidFill>
@@ -214,7 +215,7 @@
         <a:sym typeface="Arial"/>
       </a:defRPr>
     </a:lvl7pPr>
-    <a:lvl8pPr lvl="7" marR="0" rtl="0" algn="l">
+    <a:lvl8pPr marR="0" lvl="7" algn="l" rtl="0">
       <a:lnSpc>
         <a:spcPct val="100000"/>
       </a:lnSpc>
@@ -228,7 +229,7 @@
         <a:srgbClr val="000000"/>
       </a:buClr>
       <a:buFont typeface="Arial"/>
-      <a:defRPr b="0" i="0" sz="1400" u="none" cap="none" strike="noStrike">
+      <a:defRPr sz="1400" b="0" i="0" u="none" strike="noStrike" cap="none">
         <a:solidFill>
           <a:srgbClr val="000000"/>
         </a:solidFill>
@@ -238,7 +239,7 @@
         <a:sym typeface="Arial"/>
       </a:defRPr>
     </a:lvl8pPr>
-    <a:lvl9pPr lvl="8" marR="0" rtl="0" algn="l">
+    <a:lvl9pPr marR="0" lvl="8" algn="l" rtl="0">
       <a:lnSpc>
         <a:spcPct val="100000"/>
       </a:lnSpc>
@@ -252,7 +253,7 @@
         <a:srgbClr val="000000"/>
       </a:buClr>
       <a:buFont typeface="Arial"/>
-      <a:defRPr b="0" i="0" sz="1400" u="none" cap="none" strike="noStrike">
+      <a:defRPr sz="1400" b="0" i="0" u="none" strike="noStrike" cap="none">
         <a:solidFill>
           <a:srgbClr val="000000"/>
         </a:solidFill>
@@ -265,7 +266,7 @@
   </p:defaultTextStyle>
   <p:extLst>
     <p:ext uri="{EFAFB233-063F-42B5-8137-9DF3F51BA10A}">
-      <p15:sldGuideLst>
+      <p15:sldGuideLst xmlns:p15="http://schemas.microsoft.com/office/powerpoint/2012/main">
         <p15:guide id="1" orient="horz" pos="1620">
           <p15:clr>
             <a:srgbClr val="A4A3A4"/>
@@ -283,11 +284,16 @@
 </file>
 
 <file path=ppt/notesMasters/notesMaster1.xml><?xml version="1.0" encoding="utf-8"?>
-<p:notesMaster xmlns:a="http://schemas.openxmlformats.org/drawingml/2006/main" xmlns:r="http://schemas.openxmlformats.org/officeDocument/2006/relationships" xmlns:mc="http://schemas.openxmlformats.org/markup-compatibility/2006" xmlns:mv="urn:schemas-microsoft-com:mac:vml" xmlns:p="http://schemas.openxmlformats.org/presentationml/2006/main" xmlns:c="http://schemas.openxmlformats.org/drawingml/2006/chart" xmlns:dgm="http://schemas.openxmlformats.org/drawingml/2006/diagram" xmlns:o="urn:schemas-microsoft-com:office:office" xmlns:v="urn:schemas-microsoft-com:vml" xmlns:pvml="urn:schemas-microsoft-com:office:powerpoint" xmlns:com="http://schemas.openxmlformats.org/drawingml/2006/compatibility" xmlns:p14="http://schemas.microsoft.com/office/powerpoint/2010/main" xmlns:p15="http://schemas.microsoft.com/office/powerpoint/2012/main" xmlns:ahyp="http://schemas.microsoft.com/office/drawing/2018/hyperlinkcolor">
+<p:notesMaster xmlns:a="http://schemas.openxmlformats.org/drawingml/2006/main" xmlns:r="http://schemas.openxmlformats.org/officeDocument/2006/relationships" xmlns:p="http://schemas.openxmlformats.org/presentationml/2006/main">
   <p:cSld>
+    <p:bg>
+      <p:bgRef idx="1001">
+        <a:schemeClr val="bg1"/>
+      </p:bgRef>
+    </p:bg>
     <p:spTree>
       <p:nvGrpSpPr>
-        <p:cNvPr id="2" name="Shape 2"/>
+        <p:cNvPr id="1" name="Shape 2"/>
         <p:cNvGrpSpPr/>
         <p:nvPr/>
       </p:nvGrpSpPr>
@@ -302,9 +308,11 @@
       <p:sp>
         <p:nvSpPr>
           <p:cNvPr id="3" name="Google Shape;3;n"/>
-          <p:cNvSpPr/>
+          <p:cNvSpPr>
+            <a:spLocks noGrp="1" noRot="1" noChangeAspect="1"/>
+          </p:cNvSpPr>
           <p:nvPr>
-            <p:ph idx="2" type="sldImg"/>
+            <p:ph type="sldImg" idx="2"/>
           </p:nvPr>
         </p:nvSpPr>
         <p:spPr>
@@ -313,9 +321,13 @@
             <a:ext cx="6096075" cy="3429000"/>
           </a:xfrm>
           <a:custGeom>
-            <a:rect b="b" l="l" r="r" t="t"/>
+            <a:avLst/>
+            <a:gdLst/>
+            <a:ahLst/>
+            <a:cxnLst/>
+            <a:rect l="l" t="t" r="r" b="b"/>
             <a:pathLst>
-              <a:path extrusionOk="0" h="120000" w="120000">
+              <a:path w="120000" h="120000" extrusionOk="0">
                 <a:moveTo>
                   <a:pt x="0" y="0"/>
                 </a:moveTo>
@@ -333,23 +345,25 @@
             </a:pathLst>
           </a:custGeom>
           <a:noFill/>
-          <a:ln cap="flat" cmpd="sng" w="9525">
+          <a:ln w="9525" cap="flat" cmpd="sng">
             <a:solidFill>
               <a:srgbClr val="000000"/>
             </a:solidFill>
             <a:prstDash val="solid"/>
             <a:round/>
-            <a:headEnd len="sm" w="sm" type="none"/>
-            <a:tailEnd len="sm" w="sm" type="none"/>
+            <a:headEnd type="none" w="sm" len="sm"/>
+            <a:tailEnd type="none" w="sm" len="sm"/>
           </a:ln>
         </p:spPr>
       </p:sp>
       <p:sp>
         <p:nvSpPr>
           <p:cNvPr id="4" name="Google Shape;4;n"/>
-          <p:cNvSpPr txBox="1"/>
+          <p:cNvSpPr txBox="1">
+            <a:spLocks noGrp="1"/>
+          </p:cNvSpPr>
           <p:nvPr>
-            <p:ph idx="1" type="body"/>
+            <p:ph type="body" idx="1"/>
           </p:nvPr>
         </p:nvSpPr>
         <p:spPr>
@@ -366,11 +380,11 @@
           </a:ln>
         </p:spPr>
         <p:txBody>
-          <a:bodyPr anchorCtr="0" anchor="t" bIns="91425" lIns="91425" spcFirstLastPara="1" rIns="91425" wrap="square" tIns="91425">
+          <a:bodyPr spcFirstLastPara="1" wrap="square" lIns="91425" tIns="91425" rIns="91425" bIns="91425" anchor="t" anchorCtr="0">
             <a:noAutofit/>
           </a:bodyPr>
           <a:lstStyle>
-            <a:lvl1pPr indent="-298450" lvl="0" marL="457200">
+            <a:lvl1pPr marL="457200" lvl="0" indent="-298450">
               <a:spcBef>
                 <a:spcPts val="0"/>
               </a:spcBef>
@@ -381,7 +395,7 @@
               <a:buChar char="●"/>
               <a:defRPr sz="1100"/>
             </a:lvl1pPr>
-            <a:lvl2pPr indent="-298450" lvl="1" marL="914400">
+            <a:lvl2pPr marL="914400" lvl="1" indent="-298450">
               <a:spcBef>
                 <a:spcPts val="0"/>
               </a:spcBef>
@@ -392,7 +406,7 @@
               <a:buChar char="○"/>
               <a:defRPr sz="1100"/>
             </a:lvl2pPr>
-            <a:lvl3pPr indent="-298450" lvl="2" marL="1371600">
+            <a:lvl3pPr marL="1371600" lvl="2" indent="-298450">
               <a:spcBef>
                 <a:spcPts val="0"/>
               </a:spcBef>
@@ -403,7 +417,7 @@
               <a:buChar char="■"/>
               <a:defRPr sz="1100"/>
             </a:lvl3pPr>
-            <a:lvl4pPr indent="-298450" lvl="3" marL="1828800">
+            <a:lvl4pPr marL="1828800" lvl="3" indent="-298450">
               <a:spcBef>
                 <a:spcPts val="0"/>
               </a:spcBef>
@@ -414,7 +428,7 @@
               <a:buChar char="●"/>
               <a:defRPr sz="1100"/>
             </a:lvl4pPr>
-            <a:lvl5pPr indent="-298450" lvl="4" marL="2286000">
+            <a:lvl5pPr marL="2286000" lvl="4" indent="-298450">
               <a:spcBef>
                 <a:spcPts val="0"/>
               </a:spcBef>
@@ -425,7 +439,7 @@
               <a:buChar char="○"/>
               <a:defRPr sz="1100"/>
             </a:lvl5pPr>
-            <a:lvl6pPr indent="-298450" lvl="5" marL="2743200">
+            <a:lvl6pPr marL="2743200" lvl="5" indent="-298450">
               <a:spcBef>
                 <a:spcPts val="0"/>
               </a:spcBef>
@@ -436,7 +450,7 @@
               <a:buChar char="■"/>
               <a:defRPr sz="1100"/>
             </a:lvl6pPr>
-            <a:lvl7pPr indent="-298450" lvl="6" marL="3200400">
+            <a:lvl7pPr marL="3200400" lvl="6" indent="-298450">
               <a:spcBef>
                 <a:spcPts val="0"/>
               </a:spcBef>
@@ -447,7 +461,7 @@
               <a:buChar char="●"/>
               <a:defRPr sz="1100"/>
             </a:lvl7pPr>
-            <a:lvl8pPr indent="-298450" lvl="7" marL="3657600">
+            <a:lvl8pPr marL="3657600" lvl="7" indent="-298450">
               <a:spcBef>
                 <a:spcPts val="0"/>
               </a:spcBef>
@@ -458,7 +472,7 @@
               <a:buChar char="○"/>
               <a:defRPr sz="1100"/>
             </a:lvl8pPr>
-            <a:lvl9pPr indent="-298450" lvl="8" marL="4114800">
+            <a:lvl9pPr marL="4114800" lvl="8" indent="-298450">
               <a:spcBef>
                 <a:spcPts val="0"/>
               </a:spcBef>
@@ -470,14 +484,16 @@
               <a:defRPr sz="1100"/>
             </a:lvl9pPr>
           </a:lstStyle>
-          <a:p/>
+          <a:p>
+            <a:endParaRPr/>
+          </a:p>
         </p:txBody>
       </p:sp>
     </p:spTree>
   </p:cSld>
-  <p:clrMap accent1="accent1" accent2="accent2" accent3="accent3" accent4="accent4" accent5="accent5" accent6="accent6" bg1="lt1" bg2="dk2" tx1="dk1" tx2="lt2" folHlink="folHlink" hlink="hlink"/>
+  <p:clrMap bg1="lt1" tx1="dk1" bg2="dk2" tx2="lt2" accent1="accent1" accent2="accent2" accent3="accent3" accent4="accent4" accent5="accent5" accent6="accent6" hlink="hlink" folHlink="folHlink"/>
   <p:notesStyle>
-    <a:defPPr lvl="0" marR="0" rtl="0" algn="l">
+    <a:defPPr marR="0" lvl="0" algn="l" rtl="0">
       <a:lnSpc>
         <a:spcPct val="100000"/>
       </a:lnSpc>
@@ -488,7 +504,7 @@
         <a:spcPts val="0"/>
       </a:spcAft>
     </a:defPPr>
-    <a:lvl1pPr lvl="0" marR="0" rtl="0" algn="l">
+    <a:lvl1pPr marR="0" lvl="0" algn="l" rtl="0">
       <a:lnSpc>
         <a:spcPct val="100000"/>
       </a:lnSpc>
@@ -502,7 +518,7 @@
         <a:srgbClr val="000000"/>
       </a:buClr>
       <a:buFont typeface="Arial"/>
-      <a:defRPr b="0" i="0" sz="1400" u="none" cap="none" strike="noStrike">
+      <a:defRPr sz="1400" b="0" i="0" u="none" strike="noStrike" cap="none">
         <a:solidFill>
           <a:srgbClr val="000000"/>
         </a:solidFill>
@@ -512,7 +528,7 @@
         <a:sym typeface="Arial"/>
       </a:defRPr>
     </a:lvl1pPr>
-    <a:lvl2pPr lvl="1" marR="0" rtl="0" algn="l">
+    <a:lvl2pPr marR="0" lvl="1" algn="l" rtl="0">
       <a:lnSpc>
         <a:spcPct val="100000"/>
       </a:lnSpc>
@@ -526,7 +542,7 @@
         <a:srgbClr val="000000"/>
       </a:buClr>
       <a:buFont typeface="Arial"/>
-      <a:defRPr b="0" i="0" sz="1400" u="none" cap="none" strike="noStrike">
+      <a:defRPr sz="1400" b="0" i="0" u="none" strike="noStrike" cap="none">
         <a:solidFill>
           <a:srgbClr val="000000"/>
         </a:solidFill>
@@ -536,7 +552,7 @@
         <a:sym typeface="Arial"/>
       </a:defRPr>
     </a:lvl2pPr>
-    <a:lvl3pPr lvl="2" marR="0" rtl="0" algn="l">
+    <a:lvl3pPr marR="0" lvl="2" algn="l" rtl="0">
       <a:lnSpc>
         <a:spcPct val="100000"/>
       </a:lnSpc>
@@ -550,7 +566,7 @@
         <a:srgbClr val="000000"/>
       </a:buClr>
       <a:buFont typeface="Arial"/>
-      <a:defRPr b="0" i="0" sz="1400" u="none" cap="none" strike="noStrike">
+      <a:defRPr sz="1400" b="0" i="0" u="none" strike="noStrike" cap="none">
         <a:solidFill>
           <a:srgbClr val="000000"/>
         </a:solidFill>
@@ -560,7 +576,7 @@
         <a:sym typeface="Arial"/>
       </a:defRPr>
     </a:lvl3pPr>
-    <a:lvl4pPr lvl="3" marR="0" rtl="0" algn="l">
+    <a:lvl4pPr marR="0" lvl="3" algn="l" rtl="0">
       <a:lnSpc>
         <a:spcPct val="100000"/>
       </a:lnSpc>
@@ -574,7 +590,7 @@
         <a:srgbClr val="000000"/>
       </a:buClr>
       <a:buFont typeface="Arial"/>
-      <a:defRPr b="0" i="0" sz="1400" u="none" cap="none" strike="noStrike">
+      <a:defRPr sz="1400" b="0" i="0" u="none" strike="noStrike" cap="none">
         <a:solidFill>
           <a:srgbClr val="000000"/>
         </a:solidFill>
@@ -584,7 +600,7 @@
         <a:sym typeface="Arial"/>
       </a:defRPr>
     </a:lvl4pPr>
-    <a:lvl5pPr lvl="4" marR="0" rtl="0" algn="l">
+    <a:lvl5pPr marR="0" lvl="4" algn="l" rtl="0">
       <a:lnSpc>
         <a:spcPct val="100000"/>
       </a:lnSpc>
@@ -598,7 +614,7 @@
         <a:srgbClr val="000000"/>
       </a:buClr>
       <a:buFont typeface="Arial"/>
-      <a:defRPr b="0" i="0" sz="1400" u="none" cap="none" strike="noStrike">
+      <a:defRPr sz="1400" b="0" i="0" u="none" strike="noStrike" cap="none">
         <a:solidFill>
           <a:srgbClr val="000000"/>
         </a:solidFill>
@@ -608,7 +624,7 @@
         <a:sym typeface="Arial"/>
       </a:defRPr>
     </a:lvl5pPr>
-    <a:lvl6pPr lvl="5" marR="0" rtl="0" algn="l">
+    <a:lvl6pPr marR="0" lvl="5" algn="l" rtl="0">
       <a:lnSpc>
         <a:spcPct val="100000"/>
       </a:lnSpc>
@@ -622,7 +638,7 @@
         <a:srgbClr val="000000"/>
       </a:buClr>
       <a:buFont typeface="Arial"/>
-      <a:defRPr b="0" i="0" sz="1400" u="none" cap="none" strike="noStrike">
+      <a:defRPr sz="1400" b="0" i="0" u="none" strike="noStrike" cap="none">
         <a:solidFill>
           <a:srgbClr val="000000"/>
         </a:solidFill>
@@ -632,7 +648,7 @@
         <a:sym typeface="Arial"/>
       </a:defRPr>
     </a:lvl6pPr>
-    <a:lvl7pPr lvl="6" marR="0" rtl="0" algn="l">
+    <a:lvl7pPr marR="0" lvl="6" algn="l" rtl="0">
       <a:lnSpc>
         <a:spcPct val="100000"/>
       </a:lnSpc>
@@ -646,7 +662,7 @@
         <a:srgbClr val="000000"/>
       </a:buClr>
       <a:buFont typeface="Arial"/>
-      <a:defRPr b="0" i="0" sz="1400" u="none" cap="none" strike="noStrike">
+      <a:defRPr sz="1400" b="0" i="0" u="none" strike="noStrike" cap="none">
         <a:solidFill>
           <a:srgbClr val="000000"/>
         </a:solidFill>
@@ -656,7 +672,7 @@
         <a:sym typeface="Arial"/>
       </a:defRPr>
     </a:lvl7pPr>
-    <a:lvl8pPr lvl="7" marR="0" rtl="0" algn="l">
+    <a:lvl8pPr marR="0" lvl="7" algn="l" rtl="0">
       <a:lnSpc>
         <a:spcPct val="100000"/>
       </a:lnSpc>
@@ -670,7 +686,7 @@
         <a:srgbClr val="000000"/>
       </a:buClr>
       <a:buFont typeface="Arial"/>
-      <a:defRPr b="0" i="0" sz="1400" u="none" cap="none" strike="noStrike">
+      <a:defRPr sz="1400" b="0" i="0" u="none" strike="noStrike" cap="none">
         <a:solidFill>
           <a:srgbClr val="000000"/>
         </a:solidFill>
@@ -680,7 +696,7 @@
         <a:sym typeface="Arial"/>
       </a:defRPr>
     </a:lvl8pPr>
-    <a:lvl9pPr lvl="8" marR="0" rtl="0" algn="l">
+    <a:lvl9pPr marR="0" lvl="8" algn="l" rtl="0">
       <a:lnSpc>
         <a:spcPct val="100000"/>
       </a:lnSpc>
@@ -694,7 +710,7 @@
         <a:srgbClr val="000000"/>
       </a:buClr>
       <a:buFont typeface="Arial"/>
-      <a:defRPr b="0" i="0" sz="1400" u="none" cap="none" strike="noStrike">
+      <a:defRPr sz="1400" b="0" i="0" u="none" strike="noStrike" cap="none">
         <a:solidFill>
           <a:srgbClr val="000000"/>
         </a:solidFill>
@@ -709,11 +725,11 @@
 </file>
 
 <file path=ppt/notesSlides/notesSlide1.xml><?xml version="1.0" encoding="utf-8"?>
-<p:notes xmlns:a="http://schemas.openxmlformats.org/drawingml/2006/main" xmlns:r="http://schemas.openxmlformats.org/officeDocument/2006/relationships" xmlns:mc="http://schemas.openxmlformats.org/markup-compatibility/2006" xmlns:mv="urn:schemas-microsoft-com:mac:vml" xmlns:p="http://schemas.openxmlformats.org/presentationml/2006/main" xmlns:c="http://schemas.openxmlformats.org/drawingml/2006/chart" xmlns:dgm="http://schemas.openxmlformats.org/drawingml/2006/diagram" xmlns:o="urn:schemas-microsoft-com:office:office" xmlns:v="urn:schemas-microsoft-com:vml" xmlns:pvml="urn:schemas-microsoft-com:office:powerpoint" xmlns:com="http://schemas.openxmlformats.org/drawingml/2006/compatibility" xmlns:p14="http://schemas.microsoft.com/office/powerpoint/2010/main" xmlns:p15="http://schemas.microsoft.com/office/powerpoint/2012/main" xmlns:ahyp="http://schemas.microsoft.com/office/drawing/2018/hyperlinkcolor" showMasterPhAnim="0" showMasterSp="0">
+<p:notes xmlns:a="http://schemas.openxmlformats.org/drawingml/2006/main" xmlns:r="http://schemas.openxmlformats.org/officeDocument/2006/relationships" xmlns:p="http://schemas.openxmlformats.org/presentationml/2006/main" showMasterSp="0" showMasterPhAnim="0">
   <p:cSld>
     <p:spTree>
       <p:nvGrpSpPr>
-        <p:cNvPr id="82" name="Shape 82"/>
+        <p:cNvPr id="1" name="Shape 82"/>
         <p:cNvGrpSpPr/>
         <p:nvPr/>
       </p:nvGrpSpPr>
@@ -728,9 +744,11 @@
       <p:sp>
         <p:nvSpPr>
           <p:cNvPr id="83" name="Google Shape;83;p:notes"/>
-          <p:cNvSpPr/>
+          <p:cNvSpPr>
+            <a:spLocks noGrp="1" noRot="1" noChangeAspect="1"/>
+          </p:cNvSpPr>
           <p:nvPr>
-            <p:ph idx="2" type="sldImg"/>
+            <p:ph type="sldImg" idx="2"/>
           </p:nvPr>
         </p:nvSpPr>
         <p:spPr>
@@ -739,9 +757,13 @@
             <a:ext cx="6096075" cy="3429000"/>
           </a:xfrm>
           <a:custGeom>
-            <a:rect b="b" l="l" r="r" t="t"/>
+            <a:avLst/>
+            <a:gdLst/>
+            <a:ahLst/>
+            <a:cxnLst/>
+            <a:rect l="l" t="t" r="r" b="b"/>
             <a:pathLst>
-              <a:path extrusionOk="0" h="120000" w="120000">
+              <a:path w="120000" h="120000" extrusionOk="0">
                 <a:moveTo>
                   <a:pt x="0" y="0"/>
                 </a:moveTo>
@@ -763,9 +785,11 @@
       <p:sp>
         <p:nvSpPr>
           <p:cNvPr id="84" name="Google Shape;84;p:notes"/>
-          <p:cNvSpPr txBox="1"/>
+          <p:cNvSpPr txBox="1">
+            <a:spLocks noGrp="1"/>
+          </p:cNvSpPr>
           <p:nvPr>
-            <p:ph idx="1" type="body"/>
+            <p:ph type="body" idx="1"/>
           </p:nvPr>
         </p:nvSpPr>
         <p:spPr>
@@ -778,12 +802,12 @@
           </a:prstGeom>
         </p:spPr>
         <p:txBody>
-          <a:bodyPr anchorCtr="0" anchor="t" bIns="91425" lIns="91425" spcFirstLastPara="1" rIns="91425" wrap="square" tIns="91425">
+          <a:bodyPr spcFirstLastPara="1" wrap="square" lIns="91425" tIns="91425" rIns="91425" bIns="91425" anchor="t" anchorCtr="0">
             <a:noAutofit/>
           </a:bodyPr>
           <a:lstStyle/>
           <a:p>
-            <a:pPr indent="0" lvl="0" marL="0" rtl="0" algn="l">
+            <a:pPr marL="0" lvl="0" indent="0" algn="l" rtl="0">
               <a:spcBef>
                 <a:spcPts val="0"/>
               </a:spcBef>
@@ -792,9 +816,6 @@
               </a:spcAft>
               <a:buNone/>
             </a:pPr>
-            <a:r>
-              <a:t/>
-            </a:r>
             <a:endParaRPr/>
           </a:p>
         </p:txBody>
@@ -808,11 +829,11 @@
 </file>
 
 <file path=ppt/notesSlides/notesSlide2.xml><?xml version="1.0" encoding="utf-8"?>
-<p:notes xmlns:a="http://schemas.openxmlformats.org/drawingml/2006/main" xmlns:r="http://schemas.openxmlformats.org/officeDocument/2006/relationships" xmlns:mc="http://schemas.openxmlformats.org/markup-compatibility/2006" xmlns:mv="urn:schemas-microsoft-com:mac:vml" xmlns:p="http://schemas.openxmlformats.org/presentationml/2006/main" xmlns:c="http://schemas.openxmlformats.org/drawingml/2006/chart" xmlns:dgm="http://schemas.openxmlformats.org/drawingml/2006/diagram" xmlns:o="urn:schemas-microsoft-com:office:office" xmlns:v="urn:schemas-microsoft-com:vml" xmlns:pvml="urn:schemas-microsoft-com:office:powerpoint" xmlns:com="http://schemas.openxmlformats.org/drawingml/2006/compatibility" xmlns:p14="http://schemas.microsoft.com/office/powerpoint/2010/main" xmlns:p15="http://schemas.microsoft.com/office/powerpoint/2012/main" xmlns:ahyp="http://schemas.microsoft.com/office/drawing/2018/hyperlinkcolor" showMasterPhAnim="0" showMasterSp="0">
+<p:notes xmlns:a="http://schemas.openxmlformats.org/drawingml/2006/main" xmlns:r="http://schemas.openxmlformats.org/officeDocument/2006/relationships" xmlns:p="http://schemas.openxmlformats.org/presentationml/2006/main" showMasterSp="0" showMasterPhAnim="0">
   <p:cSld>
     <p:spTree>
       <p:nvGrpSpPr>
-        <p:cNvPr id="88" name="Shape 88"/>
+        <p:cNvPr id="1" name="Shape 88"/>
         <p:cNvGrpSpPr/>
         <p:nvPr/>
       </p:nvGrpSpPr>
@@ -827,9 +848,11 @@
       <p:sp>
         <p:nvSpPr>
           <p:cNvPr id="89" name="Google Shape;89;g10269a6da16_1_213:notes"/>
-          <p:cNvSpPr/>
+          <p:cNvSpPr>
+            <a:spLocks noGrp="1" noRot="1" noChangeAspect="1"/>
+          </p:cNvSpPr>
           <p:nvPr>
-            <p:ph idx="2" type="sldImg"/>
+            <p:ph type="sldImg" idx="2"/>
           </p:nvPr>
         </p:nvSpPr>
         <p:spPr>
@@ -838,9 +861,13 @@
             <a:ext cx="6096000" cy="3429000"/>
           </a:xfrm>
           <a:custGeom>
-            <a:rect b="b" l="l" r="r" t="t"/>
+            <a:avLst/>
+            <a:gdLst/>
+            <a:ahLst/>
+            <a:cxnLst/>
+            <a:rect l="l" t="t" r="r" b="b"/>
             <a:pathLst>
-              <a:path extrusionOk="0" h="120000" w="120000">
+              <a:path w="120000" h="120000" extrusionOk="0">
                 <a:moveTo>
                   <a:pt x="0" y="0"/>
                 </a:moveTo>
@@ -862,9 +889,11 @@
       <p:sp>
         <p:nvSpPr>
           <p:cNvPr id="90" name="Google Shape;90;g10269a6da16_1_213:notes"/>
-          <p:cNvSpPr txBox="1"/>
+          <p:cNvSpPr txBox="1">
+            <a:spLocks noGrp="1"/>
+          </p:cNvSpPr>
           <p:nvPr>
-            <p:ph idx="1" type="body"/>
+            <p:ph type="body" idx="1"/>
           </p:nvPr>
         </p:nvSpPr>
         <p:spPr>
@@ -877,12 +906,12 @@
           </a:prstGeom>
         </p:spPr>
         <p:txBody>
-          <a:bodyPr anchorCtr="0" anchor="t" bIns="91425" lIns="91425" spcFirstLastPara="1" rIns="91425" wrap="square" tIns="91425">
+          <a:bodyPr spcFirstLastPara="1" wrap="square" lIns="91425" tIns="91425" rIns="91425" bIns="91425" anchor="t" anchorCtr="0">
             <a:noAutofit/>
           </a:bodyPr>
           <a:lstStyle/>
           <a:p>
-            <a:pPr indent="0" lvl="0" marL="0" rtl="0" algn="l">
+            <a:pPr marL="0" lvl="0" indent="0" algn="l" rtl="0">
               <a:spcBef>
                 <a:spcPts val="0"/>
               </a:spcBef>
@@ -891,9 +920,6 @@
               </a:spcAft>
               <a:buNone/>
             </a:pPr>
-            <a:r>
-              <a:t/>
-            </a:r>
             <a:endParaRPr/>
           </a:p>
         </p:txBody>
@@ -907,11 +933,11 @@
 </file>
 
 <file path=ppt/notesSlides/notesSlide3.xml><?xml version="1.0" encoding="utf-8"?>
-<p:notes xmlns:a="http://schemas.openxmlformats.org/drawingml/2006/main" xmlns:r="http://schemas.openxmlformats.org/officeDocument/2006/relationships" xmlns:mc="http://schemas.openxmlformats.org/markup-compatibility/2006" xmlns:mv="urn:schemas-microsoft-com:mac:vml" xmlns:p="http://schemas.openxmlformats.org/presentationml/2006/main" xmlns:c="http://schemas.openxmlformats.org/drawingml/2006/chart" xmlns:dgm="http://schemas.openxmlformats.org/drawingml/2006/diagram" xmlns:o="urn:schemas-microsoft-com:office:office" xmlns:v="urn:schemas-microsoft-com:vml" xmlns:pvml="urn:schemas-microsoft-com:office:powerpoint" xmlns:com="http://schemas.openxmlformats.org/drawingml/2006/compatibility" xmlns:p14="http://schemas.microsoft.com/office/powerpoint/2010/main" xmlns:p15="http://schemas.microsoft.com/office/powerpoint/2012/main" xmlns:ahyp="http://schemas.microsoft.com/office/drawing/2018/hyperlinkcolor" showMasterPhAnim="0" showMasterSp="0">
+<p:notes xmlns:a="http://schemas.openxmlformats.org/drawingml/2006/main" xmlns:r="http://schemas.openxmlformats.org/officeDocument/2006/relationships" xmlns:p="http://schemas.openxmlformats.org/presentationml/2006/main" showMasterSp="0" showMasterPhAnim="0">
   <p:cSld>
     <p:spTree>
       <p:nvGrpSpPr>
-        <p:cNvPr id="95" name="Shape 95"/>
+        <p:cNvPr id="1" name="Shape 95"/>
         <p:cNvGrpSpPr/>
         <p:nvPr/>
       </p:nvGrpSpPr>
@@ -926,9 +952,11 @@
       <p:sp>
         <p:nvSpPr>
           <p:cNvPr id="96" name="Google Shape;96;g10269a6da16_1_5:notes"/>
-          <p:cNvSpPr/>
+          <p:cNvSpPr>
+            <a:spLocks noGrp="1" noRot="1" noChangeAspect="1"/>
+          </p:cNvSpPr>
           <p:nvPr>
-            <p:ph idx="2" type="sldImg"/>
+            <p:ph type="sldImg" idx="2"/>
           </p:nvPr>
         </p:nvSpPr>
         <p:spPr>
@@ -937,9 +965,13 @@
             <a:ext cx="6096000" cy="3429000"/>
           </a:xfrm>
           <a:custGeom>
-            <a:rect b="b" l="l" r="r" t="t"/>
+            <a:avLst/>
+            <a:gdLst/>
+            <a:ahLst/>
+            <a:cxnLst/>
+            <a:rect l="l" t="t" r="r" b="b"/>
             <a:pathLst>
-              <a:path extrusionOk="0" h="120000" w="120000">
+              <a:path w="120000" h="120000" extrusionOk="0">
                 <a:moveTo>
                   <a:pt x="0" y="0"/>
                 </a:moveTo>
@@ -961,9 +993,11 @@
       <p:sp>
         <p:nvSpPr>
           <p:cNvPr id="97" name="Google Shape;97;g10269a6da16_1_5:notes"/>
-          <p:cNvSpPr txBox="1"/>
+          <p:cNvSpPr txBox="1">
+            <a:spLocks noGrp="1"/>
+          </p:cNvSpPr>
           <p:nvPr>
-            <p:ph idx="1" type="body"/>
+            <p:ph type="body" idx="1"/>
           </p:nvPr>
         </p:nvSpPr>
         <p:spPr>
@@ -976,12 +1010,12 @@
           </a:prstGeom>
         </p:spPr>
         <p:txBody>
-          <a:bodyPr anchorCtr="0" anchor="t" bIns="91425" lIns="91425" spcFirstLastPara="1" rIns="91425" wrap="square" tIns="91425">
+          <a:bodyPr spcFirstLastPara="1" wrap="square" lIns="91425" tIns="91425" rIns="91425" bIns="91425" anchor="t" anchorCtr="0">
             <a:noAutofit/>
           </a:bodyPr>
           <a:lstStyle/>
           <a:p>
-            <a:pPr indent="0" lvl="0" marL="0" rtl="0" algn="l">
+            <a:pPr marL="0" lvl="0" indent="0" algn="l" rtl="0">
               <a:spcBef>
                 <a:spcPts val="0"/>
               </a:spcBef>
@@ -990,9 +1024,6 @@
               </a:spcAft>
               <a:buNone/>
             </a:pPr>
-            <a:r>
-              <a:t/>
-            </a:r>
             <a:endParaRPr/>
           </a:p>
         </p:txBody>
@@ -1006,11 +1037,11 @@
 </file>
 
 <file path=ppt/notesSlides/notesSlide4.xml><?xml version="1.0" encoding="utf-8"?>
-<p:notes xmlns:a="http://schemas.openxmlformats.org/drawingml/2006/main" xmlns:r="http://schemas.openxmlformats.org/officeDocument/2006/relationships" xmlns:mc="http://schemas.openxmlformats.org/markup-compatibility/2006" xmlns:mv="urn:schemas-microsoft-com:mac:vml" xmlns:p="http://schemas.openxmlformats.org/presentationml/2006/main" xmlns:c="http://schemas.openxmlformats.org/drawingml/2006/chart" xmlns:dgm="http://schemas.openxmlformats.org/drawingml/2006/diagram" xmlns:o="urn:schemas-microsoft-com:office:office" xmlns:v="urn:schemas-microsoft-com:vml" xmlns:pvml="urn:schemas-microsoft-com:office:powerpoint" xmlns:com="http://schemas.openxmlformats.org/drawingml/2006/compatibility" xmlns:p14="http://schemas.microsoft.com/office/powerpoint/2010/main" xmlns:p15="http://schemas.microsoft.com/office/powerpoint/2012/main" xmlns:ahyp="http://schemas.microsoft.com/office/drawing/2018/hyperlinkcolor" showMasterPhAnim="0" showMasterSp="0">
+<p:notes xmlns:a="http://schemas.openxmlformats.org/drawingml/2006/main" xmlns:r="http://schemas.openxmlformats.org/officeDocument/2006/relationships" xmlns:p="http://schemas.openxmlformats.org/presentationml/2006/main" showMasterSp="0" showMasterPhAnim="0">
   <p:cSld>
     <p:spTree>
       <p:nvGrpSpPr>
-        <p:cNvPr id="102" name="Shape 102"/>
+        <p:cNvPr id="1" name="Shape 102"/>
         <p:cNvGrpSpPr/>
         <p:nvPr/>
       </p:nvGrpSpPr>
@@ -1025,20 +1056,26 @@
       <p:sp>
         <p:nvSpPr>
           <p:cNvPr id="103" name="Google Shape;103;g1057ef90ed0_0_17:notes"/>
-          <p:cNvSpPr/>
+          <p:cNvSpPr>
+            <a:spLocks noGrp="1" noRot="1" noChangeAspect="1"/>
+          </p:cNvSpPr>
           <p:nvPr>
-            <p:ph idx="2" type="sldImg"/>
+            <p:ph type="sldImg" idx="2"/>
           </p:nvPr>
         </p:nvSpPr>
         <p:spPr>
           <a:xfrm>
-            <a:off x="381300" y="685800"/>
+            <a:off x="381000" y="685800"/>
             <a:ext cx="6096000" cy="3429000"/>
           </a:xfrm>
           <a:custGeom>
-            <a:rect b="b" l="l" r="r" t="t"/>
+            <a:avLst/>
+            <a:gdLst/>
+            <a:ahLst/>
+            <a:cxnLst/>
+            <a:rect l="l" t="t" r="r" b="b"/>
             <a:pathLst>
-              <a:path extrusionOk="0" h="120000" w="120000">
+              <a:path w="120000" h="120000" extrusionOk="0">
                 <a:moveTo>
                   <a:pt x="0" y="0"/>
                 </a:moveTo>
@@ -1060,9 +1097,11 @@
       <p:sp>
         <p:nvSpPr>
           <p:cNvPr id="104" name="Google Shape;104;g1057ef90ed0_0_17:notes"/>
-          <p:cNvSpPr txBox="1"/>
+          <p:cNvSpPr txBox="1">
+            <a:spLocks noGrp="1"/>
+          </p:cNvSpPr>
           <p:nvPr>
-            <p:ph idx="1" type="body"/>
+            <p:ph type="body" idx="1"/>
           </p:nvPr>
         </p:nvSpPr>
         <p:spPr>
@@ -1075,12 +1114,12 @@
           </a:prstGeom>
         </p:spPr>
         <p:txBody>
-          <a:bodyPr anchorCtr="0" anchor="t" bIns="91425" lIns="91425" spcFirstLastPara="1" rIns="91425" wrap="square" tIns="91425">
+          <a:bodyPr spcFirstLastPara="1" wrap="square" lIns="91425" tIns="91425" rIns="91425" bIns="91425" anchor="t" anchorCtr="0">
             <a:noAutofit/>
           </a:bodyPr>
           <a:lstStyle/>
           <a:p>
-            <a:pPr indent="0" lvl="0" marL="0" rtl="0" algn="l">
+            <a:pPr marL="0" lvl="0" indent="0" algn="l" rtl="0">
               <a:spcBef>
                 <a:spcPts val="0"/>
               </a:spcBef>
@@ -1089,9 +1128,6 @@
               </a:spcAft>
               <a:buNone/>
             </a:pPr>
-            <a:r>
-              <a:t/>
-            </a:r>
             <a:endParaRPr/>
           </a:p>
         </p:txBody>
@@ -1105,11 +1141,11 @@
 </file>
 
 <file path=ppt/notesSlides/notesSlide5.xml><?xml version="1.0" encoding="utf-8"?>
-<p:notes xmlns:a="http://schemas.openxmlformats.org/drawingml/2006/main" xmlns:r="http://schemas.openxmlformats.org/officeDocument/2006/relationships" xmlns:mc="http://schemas.openxmlformats.org/markup-compatibility/2006" xmlns:mv="urn:schemas-microsoft-com:mac:vml" xmlns:p="http://schemas.openxmlformats.org/presentationml/2006/main" xmlns:c="http://schemas.openxmlformats.org/drawingml/2006/chart" xmlns:dgm="http://schemas.openxmlformats.org/drawingml/2006/diagram" xmlns:o="urn:schemas-microsoft-com:office:office" xmlns:v="urn:schemas-microsoft-com:vml" xmlns:pvml="urn:schemas-microsoft-com:office:powerpoint" xmlns:com="http://schemas.openxmlformats.org/drawingml/2006/compatibility" xmlns:p14="http://schemas.microsoft.com/office/powerpoint/2010/main" xmlns:p15="http://schemas.microsoft.com/office/powerpoint/2012/main" xmlns:ahyp="http://schemas.microsoft.com/office/drawing/2018/hyperlinkcolor" showMasterPhAnim="0" showMasterSp="0">
+<p:notes xmlns:a="http://schemas.openxmlformats.org/drawingml/2006/main" xmlns:r="http://schemas.openxmlformats.org/officeDocument/2006/relationships" xmlns:p="http://schemas.openxmlformats.org/presentationml/2006/main" showMasterSp="0" showMasterPhAnim="0">
   <p:cSld>
     <p:spTree>
       <p:nvGrpSpPr>
-        <p:cNvPr id="109" name="Shape 109"/>
+        <p:cNvPr id="1" name="Shape 109"/>
         <p:cNvGrpSpPr/>
         <p:nvPr/>
       </p:nvGrpSpPr>
@@ -1124,9 +1160,11 @@
       <p:sp>
         <p:nvSpPr>
           <p:cNvPr id="110" name="Google Shape;110;g1057ef90ed0_0_1:notes"/>
-          <p:cNvSpPr/>
+          <p:cNvSpPr>
+            <a:spLocks noGrp="1" noRot="1" noChangeAspect="1"/>
+          </p:cNvSpPr>
           <p:nvPr>
-            <p:ph idx="2" type="sldImg"/>
+            <p:ph type="sldImg" idx="2"/>
           </p:nvPr>
         </p:nvSpPr>
         <p:spPr>
@@ -1135,9 +1173,13 @@
             <a:ext cx="6096000" cy="3429000"/>
           </a:xfrm>
           <a:custGeom>
-            <a:rect b="b" l="l" r="r" t="t"/>
+            <a:avLst/>
+            <a:gdLst/>
+            <a:ahLst/>
+            <a:cxnLst/>
+            <a:rect l="l" t="t" r="r" b="b"/>
             <a:pathLst>
-              <a:path extrusionOk="0" h="120000" w="120000">
+              <a:path w="120000" h="120000" extrusionOk="0">
                 <a:moveTo>
                   <a:pt x="0" y="0"/>
                 </a:moveTo>
@@ -1159,9 +1201,11 @@
       <p:sp>
         <p:nvSpPr>
           <p:cNvPr id="111" name="Google Shape;111;g1057ef90ed0_0_1:notes"/>
-          <p:cNvSpPr txBox="1"/>
+          <p:cNvSpPr txBox="1">
+            <a:spLocks noGrp="1"/>
+          </p:cNvSpPr>
           <p:nvPr>
-            <p:ph idx="1" type="body"/>
+            <p:ph type="body" idx="1"/>
           </p:nvPr>
         </p:nvSpPr>
         <p:spPr>
@@ -1174,12 +1218,12 @@
           </a:prstGeom>
         </p:spPr>
         <p:txBody>
-          <a:bodyPr anchorCtr="0" anchor="t" bIns="91425" lIns="91425" spcFirstLastPara="1" rIns="91425" wrap="square" tIns="91425">
+          <a:bodyPr spcFirstLastPara="1" wrap="square" lIns="91425" tIns="91425" rIns="91425" bIns="91425" anchor="t" anchorCtr="0">
             <a:noAutofit/>
           </a:bodyPr>
           <a:lstStyle/>
           <a:p>
-            <a:pPr indent="0" lvl="0" marL="0" rtl="0" algn="l">
+            <a:pPr marL="0" lvl="0" indent="0" algn="l" rtl="0">
               <a:spcBef>
                 <a:spcPts val="0"/>
               </a:spcBef>
@@ -1188,9 +1232,6 @@
               </a:spcAft>
               <a:buNone/>
             </a:pPr>
-            <a:r>
-              <a:t/>
-            </a:r>
             <a:endParaRPr/>
           </a:p>
         </p:txBody>
@@ -1204,11 +1245,11 @@
 </file>
 
 <file path=ppt/notesSlides/notesSlide6.xml><?xml version="1.0" encoding="utf-8"?>
-<p:notes xmlns:a="http://schemas.openxmlformats.org/drawingml/2006/main" xmlns:r="http://schemas.openxmlformats.org/officeDocument/2006/relationships" xmlns:mc="http://schemas.openxmlformats.org/markup-compatibility/2006" xmlns:mv="urn:schemas-microsoft-com:mac:vml" xmlns:p="http://schemas.openxmlformats.org/presentationml/2006/main" xmlns:c="http://schemas.openxmlformats.org/drawingml/2006/chart" xmlns:dgm="http://schemas.openxmlformats.org/drawingml/2006/diagram" xmlns:o="urn:schemas-microsoft-com:office:office" xmlns:v="urn:schemas-microsoft-com:vml" xmlns:pvml="urn:schemas-microsoft-com:office:powerpoint" xmlns:com="http://schemas.openxmlformats.org/drawingml/2006/compatibility" xmlns:p14="http://schemas.microsoft.com/office/powerpoint/2010/main" xmlns:p15="http://schemas.microsoft.com/office/powerpoint/2012/main" xmlns:ahyp="http://schemas.microsoft.com/office/drawing/2018/hyperlinkcolor" showMasterPhAnim="0" showMasterSp="0">
+<p:notes xmlns:a="http://schemas.openxmlformats.org/drawingml/2006/main" xmlns:r="http://schemas.openxmlformats.org/officeDocument/2006/relationships" xmlns:p="http://schemas.openxmlformats.org/presentationml/2006/main" showMasterSp="0" showMasterPhAnim="0">
   <p:cSld>
     <p:spTree>
       <p:nvGrpSpPr>
-        <p:cNvPr id="115" name="Shape 115"/>
+        <p:cNvPr id="1" name="Shape 115"/>
         <p:cNvGrpSpPr/>
         <p:nvPr/>
       </p:nvGrpSpPr>
@@ -1223,9 +1264,11 @@
       <p:sp>
         <p:nvSpPr>
           <p:cNvPr id="116" name="Google Shape;116;g106c7c8f577_0_0:notes"/>
-          <p:cNvSpPr/>
+          <p:cNvSpPr>
+            <a:spLocks noGrp="1" noRot="1" noChangeAspect="1"/>
+          </p:cNvSpPr>
           <p:nvPr>
-            <p:ph idx="2" type="sldImg"/>
+            <p:ph type="sldImg" idx="2"/>
           </p:nvPr>
         </p:nvSpPr>
         <p:spPr>
@@ -1234,9 +1277,13 @@
             <a:ext cx="6096000" cy="3429000"/>
           </a:xfrm>
           <a:custGeom>
-            <a:rect b="b" l="l" r="r" t="t"/>
+            <a:avLst/>
+            <a:gdLst/>
+            <a:ahLst/>
+            <a:cxnLst/>
+            <a:rect l="l" t="t" r="r" b="b"/>
             <a:pathLst>
-              <a:path extrusionOk="0" h="120000" w="120000">
+              <a:path w="120000" h="120000" extrusionOk="0">
                 <a:moveTo>
                   <a:pt x="0" y="0"/>
                 </a:moveTo>
@@ -1258,9 +1305,11 @@
       <p:sp>
         <p:nvSpPr>
           <p:cNvPr id="117" name="Google Shape;117;g106c7c8f577_0_0:notes"/>
-          <p:cNvSpPr txBox="1"/>
+          <p:cNvSpPr txBox="1">
+            <a:spLocks noGrp="1"/>
+          </p:cNvSpPr>
           <p:nvPr>
-            <p:ph idx="1" type="body"/>
+            <p:ph type="body" idx="1"/>
           </p:nvPr>
         </p:nvSpPr>
         <p:spPr>
@@ -1273,12 +1322,12 @@
           </a:prstGeom>
         </p:spPr>
         <p:txBody>
-          <a:bodyPr anchorCtr="0" anchor="t" bIns="91425" lIns="91425" spcFirstLastPara="1" rIns="91425" wrap="square" tIns="91425">
+          <a:bodyPr spcFirstLastPara="1" wrap="square" lIns="91425" tIns="91425" rIns="91425" bIns="91425" anchor="t" anchorCtr="0">
             <a:noAutofit/>
           </a:bodyPr>
           <a:lstStyle/>
           <a:p>
-            <a:pPr indent="0" lvl="0" marL="0" rtl="0" algn="l">
+            <a:pPr marL="0" lvl="0" indent="0" algn="l" rtl="0">
               <a:spcBef>
                 <a:spcPts val="0"/>
               </a:spcBef>
@@ -1287,9 +1336,6 @@
               </a:spcAft>
               <a:buNone/>
             </a:pPr>
-            <a:r>
-              <a:t/>
-            </a:r>
             <a:endParaRPr/>
           </a:p>
         </p:txBody>
@@ -1303,11 +1349,11 @@
 </file>
 
 <file path=ppt/notesSlides/notesSlide7.xml><?xml version="1.0" encoding="utf-8"?>
-<p:notes xmlns:a="http://schemas.openxmlformats.org/drawingml/2006/main" xmlns:r="http://schemas.openxmlformats.org/officeDocument/2006/relationships" xmlns:mc="http://schemas.openxmlformats.org/markup-compatibility/2006" xmlns:mv="urn:schemas-microsoft-com:mac:vml" xmlns:p="http://schemas.openxmlformats.org/presentationml/2006/main" xmlns:c="http://schemas.openxmlformats.org/drawingml/2006/chart" xmlns:dgm="http://schemas.openxmlformats.org/drawingml/2006/diagram" xmlns:o="urn:schemas-microsoft-com:office:office" xmlns:v="urn:schemas-microsoft-com:vml" xmlns:pvml="urn:schemas-microsoft-com:office:powerpoint" xmlns:com="http://schemas.openxmlformats.org/drawingml/2006/compatibility" xmlns:p14="http://schemas.microsoft.com/office/powerpoint/2010/main" xmlns:p15="http://schemas.microsoft.com/office/powerpoint/2012/main" xmlns:ahyp="http://schemas.microsoft.com/office/drawing/2018/hyperlinkcolor" showMasterPhAnim="0" showMasterSp="0">
+<p:notes xmlns:a="http://schemas.openxmlformats.org/drawingml/2006/main" xmlns:r="http://schemas.openxmlformats.org/officeDocument/2006/relationships" xmlns:p="http://schemas.openxmlformats.org/presentationml/2006/main" showMasterSp="0" showMasterPhAnim="0">
   <p:cSld>
     <p:spTree>
       <p:nvGrpSpPr>
-        <p:cNvPr id="121" name="Shape 121"/>
+        <p:cNvPr id="1" name="Shape 121"/>
         <p:cNvGrpSpPr/>
         <p:nvPr/>
       </p:nvGrpSpPr>
@@ -1322,9 +1368,11 @@
       <p:sp>
         <p:nvSpPr>
           <p:cNvPr id="122" name="Google Shape;122;g1057ef90ed0_0_7:notes"/>
-          <p:cNvSpPr/>
+          <p:cNvSpPr>
+            <a:spLocks noGrp="1" noRot="1" noChangeAspect="1"/>
+          </p:cNvSpPr>
           <p:nvPr>
-            <p:ph idx="2" type="sldImg"/>
+            <p:ph type="sldImg" idx="2"/>
           </p:nvPr>
         </p:nvSpPr>
         <p:spPr>
@@ -1333,9 +1381,13 @@
             <a:ext cx="6096000" cy="3429000"/>
           </a:xfrm>
           <a:custGeom>
-            <a:rect b="b" l="l" r="r" t="t"/>
+            <a:avLst/>
+            <a:gdLst/>
+            <a:ahLst/>
+            <a:cxnLst/>
+            <a:rect l="l" t="t" r="r" b="b"/>
             <a:pathLst>
-              <a:path extrusionOk="0" h="120000" w="120000">
+              <a:path w="120000" h="120000" extrusionOk="0">
                 <a:moveTo>
                   <a:pt x="0" y="0"/>
                 </a:moveTo>
@@ -1357,9 +1409,11 @@
       <p:sp>
         <p:nvSpPr>
           <p:cNvPr id="123" name="Google Shape;123;g1057ef90ed0_0_7:notes"/>
-          <p:cNvSpPr txBox="1"/>
+          <p:cNvSpPr txBox="1">
+            <a:spLocks noGrp="1"/>
+          </p:cNvSpPr>
           <p:nvPr>
-            <p:ph idx="1" type="body"/>
+            <p:ph type="body" idx="1"/>
           </p:nvPr>
         </p:nvSpPr>
         <p:spPr>
@@ -1372,12 +1426,12 @@
           </a:prstGeom>
         </p:spPr>
         <p:txBody>
-          <a:bodyPr anchorCtr="0" anchor="t" bIns="91425" lIns="91425" spcFirstLastPara="1" rIns="91425" wrap="square" tIns="91425">
+          <a:bodyPr spcFirstLastPara="1" wrap="square" lIns="91425" tIns="91425" rIns="91425" bIns="91425" anchor="t" anchorCtr="0">
             <a:noAutofit/>
           </a:bodyPr>
           <a:lstStyle/>
           <a:p>
-            <a:pPr indent="0" lvl="0" marL="0" rtl="0" algn="l">
+            <a:pPr marL="0" lvl="0" indent="0" algn="l" rtl="0">
               <a:spcBef>
                 <a:spcPts val="0"/>
               </a:spcBef>
@@ -1386,9 +1440,6 @@
               </a:spcAft>
               <a:buNone/>
             </a:pPr>
-            <a:r>
-              <a:t/>
-            </a:r>
             <a:endParaRPr/>
           </a:p>
         </p:txBody>
@@ -1402,18 +1453,19 @@
 </file>
 
 <file path=ppt/slideLayouts/slideLayout1.xml><?xml version="1.0" encoding="utf-8"?>
-<p:sldLayout xmlns:a="http://schemas.openxmlformats.org/drawingml/2006/main" xmlns:r="http://schemas.openxmlformats.org/officeDocument/2006/relationships" xmlns:mc="http://schemas.openxmlformats.org/markup-compatibility/2006" xmlns:mv="urn:schemas-microsoft-com:mac:vml" xmlns:p="http://schemas.openxmlformats.org/presentationml/2006/main" xmlns:c="http://schemas.openxmlformats.org/drawingml/2006/chart" xmlns:dgm="http://schemas.openxmlformats.org/drawingml/2006/diagram" xmlns:o="urn:schemas-microsoft-com:office:office" xmlns:v="urn:schemas-microsoft-com:vml" xmlns:pvml="urn:schemas-microsoft-com:office:powerpoint" xmlns:com="http://schemas.openxmlformats.org/drawingml/2006/compatibility" xmlns:p14="http://schemas.microsoft.com/office/powerpoint/2010/main" xmlns:p15="http://schemas.microsoft.com/office/powerpoint/2012/main" xmlns:ahyp="http://schemas.microsoft.com/office/drawing/2018/hyperlinkcolor" matchingName="Title slide" type="title">
+<p:sldLayout xmlns:a="http://schemas.openxmlformats.org/drawingml/2006/main" xmlns:r="http://schemas.openxmlformats.org/officeDocument/2006/relationships" xmlns:p="http://schemas.openxmlformats.org/presentationml/2006/main" matchingName="Title slide" type="title">
   <p:cSld name="TITLE">
     <p:bg>
       <p:bgPr>
         <a:solidFill>
           <a:schemeClr val="lt2"/>
         </a:solidFill>
+        <a:effectLst/>
       </p:bgPr>
     </p:bg>
     <p:spTree>
       <p:nvGrpSpPr>
-        <p:cNvPr id="9" name="Shape 9"/>
+        <p:cNvPr id="1" name="Shape 9"/>
         <p:cNvGrpSpPr/>
         <p:nvPr/>
       </p:nvGrpSpPr>
@@ -1447,12 +1499,12 @@
           </a:ln>
         </p:spPr>
         <p:txBody>
-          <a:bodyPr anchorCtr="0" anchor="ctr" bIns="91425" lIns="91425" spcFirstLastPara="1" rIns="91425" wrap="square" tIns="91425">
+          <a:bodyPr spcFirstLastPara="1" wrap="square" lIns="91425" tIns="91425" rIns="91425" bIns="91425" anchor="ctr" anchorCtr="0">
             <a:noAutofit/>
           </a:bodyPr>
           <a:lstStyle/>
           <a:p>
-            <a:pPr indent="0" lvl="0" marL="0" rtl="0" algn="l">
+            <a:pPr marL="0" lvl="0" indent="0" algn="l" rtl="0">
               <a:spcBef>
                 <a:spcPts val="0"/>
               </a:spcBef>
@@ -1461,9 +1513,6 @@
               </a:spcAft>
               <a:buNone/>
             </a:pPr>
-            <a:r>
-              <a:t/>
-            </a:r>
             <a:endParaRPr/>
           </a:p>
         </p:txBody>
@@ -1504,12 +1553,12 @@
             </a:ln>
           </p:spPr>
           <p:txBody>
-            <a:bodyPr anchorCtr="0" anchor="ctr" bIns="91425" lIns="91425" spcFirstLastPara="1" rIns="91425" wrap="square" tIns="91425">
+            <a:bodyPr spcFirstLastPara="1" wrap="square" lIns="91425" tIns="91425" rIns="91425" bIns="91425" anchor="ctr" anchorCtr="0">
               <a:noAutofit/>
             </a:bodyPr>
             <a:lstStyle/>
             <a:p>
-              <a:pPr indent="0" lvl="0" marL="0" rtl="0" algn="l">
+              <a:pPr marL="0" lvl="0" indent="0" algn="l" rtl="0">
                 <a:spcBef>
                   <a:spcPts val="0"/>
                 </a:spcBef>
@@ -1518,9 +1567,6 @@
                 </a:spcAft>
                 <a:buNone/>
               </a:pPr>
-              <a:r>
-                <a:t/>
-              </a:r>
               <a:endParaRPr/>
             </a:p>
           </p:txBody>
@@ -1547,12 +1593,12 @@
             </a:ln>
           </p:spPr>
           <p:txBody>
-            <a:bodyPr anchorCtr="0" anchor="ctr" bIns="91425" lIns="91425" spcFirstLastPara="1" rIns="91425" wrap="square" tIns="91425">
+            <a:bodyPr spcFirstLastPara="1" wrap="square" lIns="91425" tIns="91425" rIns="91425" bIns="91425" anchor="ctr" anchorCtr="0">
               <a:noAutofit/>
             </a:bodyPr>
             <a:lstStyle/>
             <a:p>
-              <a:pPr indent="0" lvl="0" marL="0" rtl="0" algn="l">
+              <a:pPr marL="0" lvl="0" indent="0" algn="l" rtl="0">
                 <a:spcBef>
                   <a:spcPts val="0"/>
                 </a:spcBef>
@@ -1561,9 +1607,6 @@
                 </a:spcAft>
                 <a:buNone/>
               </a:pPr>
-              <a:r>
-                <a:t/>
-              </a:r>
               <a:endParaRPr/>
             </a:p>
           </p:txBody>
@@ -1572,7 +1615,9 @@
       <p:sp>
         <p:nvSpPr>
           <p:cNvPr id="14" name="Google Shape;14;p2"/>
-          <p:cNvSpPr txBox="1"/>
+          <p:cNvSpPr txBox="1">
+            <a:spLocks noGrp="1"/>
+          </p:cNvSpPr>
           <p:nvPr>
             <p:ph type="ctrTitle"/>
           </p:nvPr>
@@ -1587,7 +1632,7 @@
           </a:prstGeom>
         </p:spPr>
         <p:txBody>
-          <a:bodyPr anchorCtr="0" anchor="t" bIns="91425" lIns="91425" spcFirstLastPara="1" rIns="91425" wrap="square" tIns="91425">
+          <a:bodyPr spcFirstLastPara="1" wrap="square" lIns="91425" tIns="91425" rIns="91425" bIns="91425" anchor="t" anchorCtr="0">
             <a:normAutofit/>
           </a:bodyPr>
           <a:lstStyle>
@@ -1691,15 +1736,19 @@
               <a:defRPr sz="4200"/>
             </a:lvl9pPr>
           </a:lstStyle>
-          <a:p/>
+          <a:p>
+            <a:endParaRPr/>
+          </a:p>
         </p:txBody>
       </p:sp>
       <p:sp>
         <p:nvSpPr>
           <p:cNvPr id="15" name="Google Shape;15;p2"/>
-          <p:cNvSpPr txBox="1"/>
+          <p:cNvSpPr txBox="1">
+            <a:spLocks noGrp="1"/>
+          </p:cNvSpPr>
           <p:nvPr>
-            <p:ph idx="1" type="subTitle"/>
+            <p:ph type="subTitle" idx="1"/>
           </p:nvPr>
         </p:nvSpPr>
         <p:spPr>
@@ -1712,7 +1761,7 @@
           </a:prstGeom>
         </p:spPr>
         <p:txBody>
-          <a:bodyPr anchorCtr="0" anchor="t" bIns="91425" lIns="91425" spcFirstLastPara="1" rIns="91425" wrap="square" tIns="91425">
+          <a:bodyPr spcFirstLastPara="1" wrap="square" lIns="91425" tIns="91425" rIns="91425" bIns="91425" anchor="t" anchorCtr="0">
             <a:normAutofit/>
           </a:bodyPr>
           <a:lstStyle>
@@ -1843,15 +1892,19 @@
               <a:defRPr sz="1600"/>
             </a:lvl9pPr>
           </a:lstStyle>
-          <a:p/>
+          <a:p>
+            <a:endParaRPr/>
+          </a:p>
         </p:txBody>
       </p:sp>
       <p:sp>
         <p:nvSpPr>
           <p:cNvPr id="16" name="Google Shape;16;p2"/>
-          <p:cNvSpPr txBox="1"/>
+          <p:cNvSpPr txBox="1">
+            <a:spLocks noGrp="1"/>
+          </p:cNvSpPr>
           <p:nvPr>
-            <p:ph idx="12" type="sldNum"/>
+            <p:ph type="sldNum" idx="12"/>
           </p:nvPr>
         </p:nvSpPr>
         <p:spPr>
@@ -1864,7 +1917,7 @@
           </a:prstGeom>
         </p:spPr>
         <p:txBody>
-          <a:bodyPr anchorCtr="0" anchor="ctr" bIns="91425" lIns="91425" spcFirstLastPara="1" rIns="91425" wrap="square" tIns="91425">
+          <a:bodyPr spcFirstLastPara="1" wrap="square" lIns="91425" tIns="91425" rIns="91425" bIns="91425" anchor="ctr" anchorCtr="0">
             <a:normAutofit/>
           </a:bodyPr>
           <a:lstStyle>
@@ -1906,7 +1959,7 @@
             </a:lvl9pPr>
           </a:lstStyle>
           <a:p>
-            <a:pPr indent="0" lvl="0" marL="0" rtl="0" algn="r">
+            <a:pPr marL="0" lvl="0" indent="0" algn="r" rtl="0">
               <a:spcBef>
                 <a:spcPts val="0"/>
               </a:spcBef>
@@ -1932,18 +1985,19 @@
 </file>
 
 <file path=ppt/slideLayouts/slideLayout10.xml><?xml version="1.0" encoding="utf-8"?>
-<p:sldLayout xmlns:a="http://schemas.openxmlformats.org/drawingml/2006/main" xmlns:r="http://schemas.openxmlformats.org/officeDocument/2006/relationships" xmlns:mc="http://schemas.openxmlformats.org/markup-compatibility/2006" xmlns:mv="urn:schemas-microsoft-com:mac:vml" xmlns:p="http://schemas.openxmlformats.org/presentationml/2006/main" xmlns:c="http://schemas.openxmlformats.org/drawingml/2006/chart" xmlns:dgm="http://schemas.openxmlformats.org/drawingml/2006/diagram" xmlns:o="urn:schemas-microsoft-com:office:office" xmlns:v="urn:schemas-microsoft-com:vml" xmlns:pvml="urn:schemas-microsoft-com:office:powerpoint" xmlns:com="http://schemas.openxmlformats.org/drawingml/2006/compatibility" xmlns:p14="http://schemas.microsoft.com/office/powerpoint/2010/main" xmlns:p15="http://schemas.microsoft.com/office/powerpoint/2012/main" xmlns:ahyp="http://schemas.microsoft.com/office/drawing/2018/hyperlinkcolor" matchingName="Big number">
+<p:sldLayout xmlns:a="http://schemas.openxmlformats.org/drawingml/2006/main" xmlns:r="http://schemas.openxmlformats.org/officeDocument/2006/relationships" xmlns:p="http://schemas.openxmlformats.org/presentationml/2006/main" matchingName="Big number">
   <p:cSld name="BIG_NUMBER">
     <p:bg>
       <p:bgPr>
         <a:solidFill>
           <a:schemeClr val="dk1"/>
         </a:solidFill>
+        <a:effectLst/>
       </p:bgPr>
     </p:bg>
     <p:spTree>
       <p:nvGrpSpPr>
-        <p:cNvPr id="73" name="Shape 73"/>
+        <p:cNvPr id="1" name="Shape 73"/>
         <p:cNvGrpSpPr/>
         <p:nvPr/>
       </p:nvGrpSpPr>
@@ -1991,12 +2045,12 @@
             </a:ln>
           </p:spPr>
           <p:txBody>
-            <a:bodyPr anchorCtr="0" anchor="ctr" bIns="91425" lIns="91425" spcFirstLastPara="1" rIns="91425" wrap="square" tIns="91425">
+            <a:bodyPr spcFirstLastPara="1" wrap="square" lIns="91425" tIns="91425" rIns="91425" bIns="91425" anchor="ctr" anchorCtr="0">
               <a:noAutofit/>
             </a:bodyPr>
             <a:lstStyle/>
             <a:p>
-              <a:pPr indent="0" lvl="0" marL="0" rtl="0" algn="l">
+              <a:pPr marL="0" lvl="0" indent="0" algn="l" rtl="0">
                 <a:spcBef>
                   <a:spcPts val="0"/>
                 </a:spcBef>
@@ -2005,9 +2059,6 @@
                 </a:spcAft>
                 <a:buNone/>
               </a:pPr>
-              <a:r>
-                <a:t/>
-              </a:r>
               <a:endParaRPr/>
             </a:p>
           </p:txBody>
@@ -2034,12 +2085,12 @@
             </a:ln>
           </p:spPr>
           <p:txBody>
-            <a:bodyPr anchorCtr="0" anchor="ctr" bIns="91425" lIns="91425" spcFirstLastPara="1" rIns="91425" wrap="square" tIns="91425">
+            <a:bodyPr spcFirstLastPara="1" wrap="square" lIns="91425" tIns="91425" rIns="91425" bIns="91425" anchor="ctr" anchorCtr="0">
               <a:noAutofit/>
             </a:bodyPr>
             <a:lstStyle/>
             <a:p>
-              <a:pPr indent="0" lvl="0" marL="0" rtl="0" algn="l">
+              <a:pPr marL="0" lvl="0" indent="0" algn="l" rtl="0">
                 <a:spcBef>
                   <a:spcPts val="0"/>
                 </a:spcBef>
@@ -2048,9 +2099,6 @@
                 </a:spcAft>
                 <a:buNone/>
               </a:pPr>
-              <a:r>
-                <a:t/>
-              </a:r>
               <a:endParaRPr/>
             </a:p>
           </p:txBody>
@@ -2059,9 +2107,11 @@
       <p:sp>
         <p:nvSpPr>
           <p:cNvPr id="77" name="Google Shape;77;p11"/>
-          <p:cNvSpPr txBox="1"/>
+          <p:cNvSpPr txBox="1">
+            <a:spLocks noGrp="1"/>
+          </p:cNvSpPr>
           <p:nvPr>
-            <p:ph hasCustomPrompt="1" type="title"/>
+            <p:ph type="title" hasCustomPrompt="1"/>
           </p:nvPr>
         </p:nvSpPr>
         <p:spPr>
@@ -2074,7 +2124,7 @@
           </a:prstGeom>
         </p:spPr>
         <p:txBody>
-          <a:bodyPr anchorCtr="0" anchor="t" bIns="91425" lIns="91425" spcFirstLastPara="1" rIns="91425" wrap="square" tIns="91425">
+          <a:bodyPr spcFirstLastPara="1" wrap="square" lIns="91425" tIns="91425" rIns="91425" bIns="91425" anchor="t" anchorCtr="0">
             <a:normAutofit/>
           </a:bodyPr>
           <a:lstStyle>
@@ -2251,9 +2301,11 @@
       <p:sp>
         <p:nvSpPr>
           <p:cNvPr id="78" name="Google Shape;78;p11"/>
-          <p:cNvSpPr txBox="1"/>
+          <p:cNvSpPr txBox="1">
+            <a:spLocks noGrp="1"/>
+          </p:cNvSpPr>
           <p:nvPr>
-            <p:ph idx="1" type="body"/>
+            <p:ph type="body" idx="1"/>
           </p:nvPr>
         </p:nvSpPr>
         <p:spPr>
@@ -2266,11 +2318,11 @@
           </a:prstGeom>
         </p:spPr>
         <p:txBody>
-          <a:bodyPr anchorCtr="0" anchor="t" bIns="91425" lIns="91425" spcFirstLastPara="1" rIns="91425" wrap="square" tIns="91425">
+          <a:bodyPr spcFirstLastPara="1" wrap="square" lIns="91425" tIns="91425" rIns="91425" bIns="91425" anchor="t" anchorCtr="0">
             <a:normAutofit/>
           </a:bodyPr>
           <a:lstStyle>
-            <a:lvl1pPr indent="-311150" lvl="0" marL="457200">
+            <a:lvl1pPr marL="457200" lvl="0" indent="-311150">
               <a:spcBef>
                 <a:spcPts val="0"/>
               </a:spcBef>
@@ -2288,7 +2340,7 @@
                 </a:solidFill>
               </a:defRPr>
             </a:lvl1pPr>
-            <a:lvl2pPr indent="-298450" lvl="1" marL="914400">
+            <a:lvl2pPr marL="914400" lvl="1" indent="-298450">
               <a:spcBef>
                 <a:spcPts val="0"/>
               </a:spcBef>
@@ -2306,7 +2358,7 @@
                 </a:solidFill>
               </a:defRPr>
             </a:lvl2pPr>
-            <a:lvl3pPr indent="-298450" lvl="2" marL="1371600">
+            <a:lvl3pPr marL="1371600" lvl="2" indent="-298450">
               <a:spcBef>
                 <a:spcPts val="0"/>
               </a:spcBef>
@@ -2324,7 +2376,7 @@
                 </a:solidFill>
               </a:defRPr>
             </a:lvl3pPr>
-            <a:lvl4pPr indent="-298450" lvl="3" marL="1828800">
+            <a:lvl4pPr marL="1828800" lvl="3" indent="-298450">
               <a:spcBef>
                 <a:spcPts val="0"/>
               </a:spcBef>
@@ -2342,7 +2394,7 @@
                 </a:solidFill>
               </a:defRPr>
             </a:lvl4pPr>
-            <a:lvl5pPr indent="-298450" lvl="4" marL="2286000">
+            <a:lvl5pPr marL="2286000" lvl="4" indent="-298450">
               <a:spcBef>
                 <a:spcPts val="0"/>
               </a:spcBef>
@@ -2360,7 +2412,7 @@
                 </a:solidFill>
               </a:defRPr>
             </a:lvl5pPr>
-            <a:lvl6pPr indent="-298450" lvl="5" marL="2743200">
+            <a:lvl6pPr marL="2743200" lvl="5" indent="-298450">
               <a:spcBef>
                 <a:spcPts val="0"/>
               </a:spcBef>
@@ -2378,7 +2430,7 @@
                 </a:solidFill>
               </a:defRPr>
             </a:lvl6pPr>
-            <a:lvl7pPr indent="-298450" lvl="6" marL="3200400">
+            <a:lvl7pPr marL="3200400" lvl="6" indent="-298450">
               <a:spcBef>
                 <a:spcPts val="0"/>
               </a:spcBef>
@@ -2396,7 +2448,7 @@
                 </a:solidFill>
               </a:defRPr>
             </a:lvl7pPr>
-            <a:lvl8pPr indent="-298450" lvl="7" marL="3657600">
+            <a:lvl8pPr marL="3657600" lvl="7" indent="-298450">
               <a:spcBef>
                 <a:spcPts val="0"/>
               </a:spcBef>
@@ -2414,7 +2466,7 @@
                 </a:solidFill>
               </a:defRPr>
             </a:lvl8pPr>
-            <a:lvl9pPr indent="-298450" lvl="8" marL="4114800">
+            <a:lvl9pPr marL="4114800" lvl="8" indent="-298450">
               <a:spcBef>
                 <a:spcPts val="0"/>
               </a:spcBef>
@@ -2433,15 +2485,19 @@
               </a:defRPr>
             </a:lvl9pPr>
           </a:lstStyle>
-          <a:p/>
+          <a:p>
+            <a:endParaRPr/>
+          </a:p>
         </p:txBody>
       </p:sp>
       <p:sp>
         <p:nvSpPr>
           <p:cNvPr id="79" name="Google Shape;79;p11"/>
-          <p:cNvSpPr txBox="1"/>
+          <p:cNvSpPr txBox="1">
+            <a:spLocks noGrp="1"/>
+          </p:cNvSpPr>
           <p:nvPr>
-            <p:ph idx="12" type="sldNum"/>
+            <p:ph type="sldNum" idx="12"/>
           </p:nvPr>
         </p:nvSpPr>
         <p:spPr>
@@ -2454,7 +2510,7 @@
           </a:prstGeom>
         </p:spPr>
         <p:txBody>
-          <a:bodyPr anchorCtr="0" anchor="ctr" bIns="91425" lIns="91425" spcFirstLastPara="1" rIns="91425" wrap="square" tIns="91425">
+          <a:bodyPr spcFirstLastPara="1" wrap="square" lIns="91425" tIns="91425" rIns="91425" bIns="91425" anchor="ctr" anchorCtr="0">
             <a:normAutofit/>
           </a:bodyPr>
           <a:lstStyle>
@@ -2532,7 +2588,7 @@
             </a:lvl9pPr>
           </a:lstStyle>
           <a:p>
-            <a:pPr indent="0" lvl="0" marL="0" rtl="0" algn="r">
+            <a:pPr marL="0" lvl="0" indent="0" algn="r" rtl="0">
               <a:spcBef>
                 <a:spcPts val="0"/>
               </a:spcBef>
@@ -2558,11 +2614,11 @@
 </file>
 
 <file path=ppt/slideLayouts/slideLayout11.xml><?xml version="1.0" encoding="utf-8"?>
-<p:sldLayout xmlns:a="http://schemas.openxmlformats.org/drawingml/2006/main" xmlns:r="http://schemas.openxmlformats.org/officeDocument/2006/relationships" xmlns:mc="http://schemas.openxmlformats.org/markup-compatibility/2006" xmlns:mv="urn:schemas-microsoft-com:mac:vml" xmlns:p="http://schemas.openxmlformats.org/presentationml/2006/main" xmlns:c="http://schemas.openxmlformats.org/drawingml/2006/chart" xmlns:dgm="http://schemas.openxmlformats.org/drawingml/2006/diagram" xmlns:o="urn:schemas-microsoft-com:office:office" xmlns:v="urn:schemas-microsoft-com:vml" xmlns:pvml="urn:schemas-microsoft-com:office:powerpoint" xmlns:com="http://schemas.openxmlformats.org/drawingml/2006/compatibility" xmlns:p14="http://schemas.microsoft.com/office/powerpoint/2010/main" xmlns:p15="http://schemas.microsoft.com/office/powerpoint/2012/main" xmlns:ahyp="http://schemas.microsoft.com/office/drawing/2018/hyperlinkcolor" matchingName="Blank" type="blank">
+<p:sldLayout xmlns:a="http://schemas.openxmlformats.org/drawingml/2006/main" xmlns:r="http://schemas.openxmlformats.org/officeDocument/2006/relationships" xmlns:p="http://schemas.openxmlformats.org/presentationml/2006/main" matchingName="Blank" type="blank">
   <p:cSld name="BLANK">
     <p:spTree>
       <p:nvGrpSpPr>
-        <p:cNvPr id="80" name="Shape 80"/>
+        <p:cNvPr id="1" name="Shape 80"/>
         <p:cNvGrpSpPr/>
         <p:nvPr/>
       </p:nvGrpSpPr>
@@ -2577,9 +2633,11 @@
       <p:sp>
         <p:nvSpPr>
           <p:cNvPr id="81" name="Google Shape;81;p12"/>
-          <p:cNvSpPr txBox="1"/>
+          <p:cNvSpPr txBox="1">
+            <a:spLocks noGrp="1"/>
+          </p:cNvSpPr>
           <p:nvPr>
-            <p:ph idx="12" type="sldNum"/>
+            <p:ph type="sldNum" idx="12"/>
           </p:nvPr>
         </p:nvSpPr>
         <p:spPr>
@@ -2592,7 +2650,7 @@
           </a:prstGeom>
         </p:spPr>
         <p:txBody>
-          <a:bodyPr anchorCtr="0" anchor="ctr" bIns="91425" lIns="91425" spcFirstLastPara="1" rIns="91425" wrap="square" tIns="91425">
+          <a:bodyPr spcFirstLastPara="1" wrap="square" lIns="91425" tIns="91425" rIns="91425" bIns="91425" anchor="ctr" anchorCtr="0">
             <a:normAutofit/>
           </a:bodyPr>
           <a:lstStyle>
@@ -2634,7 +2692,7 @@
             </a:lvl9pPr>
           </a:lstStyle>
           <a:p>
-            <a:pPr indent="0" lvl="0" marL="0" rtl="0" algn="r">
+            <a:pPr marL="0" lvl="0" indent="0" algn="r" rtl="0">
               <a:spcBef>
                 <a:spcPts val="0"/>
               </a:spcBef>
@@ -2660,18 +2718,19 @@
 </file>
 
 <file path=ppt/slideLayouts/slideLayout2.xml><?xml version="1.0" encoding="utf-8"?>
-<p:sldLayout xmlns:a="http://schemas.openxmlformats.org/drawingml/2006/main" xmlns:r="http://schemas.openxmlformats.org/officeDocument/2006/relationships" xmlns:mc="http://schemas.openxmlformats.org/markup-compatibility/2006" xmlns:mv="urn:schemas-microsoft-com:mac:vml" xmlns:p="http://schemas.openxmlformats.org/presentationml/2006/main" xmlns:c="http://schemas.openxmlformats.org/drawingml/2006/chart" xmlns:dgm="http://schemas.openxmlformats.org/drawingml/2006/diagram" xmlns:o="urn:schemas-microsoft-com:office:office" xmlns:v="urn:schemas-microsoft-com:vml" xmlns:pvml="urn:schemas-microsoft-com:office:powerpoint" xmlns:com="http://schemas.openxmlformats.org/drawingml/2006/compatibility" xmlns:p14="http://schemas.microsoft.com/office/powerpoint/2010/main" xmlns:p15="http://schemas.microsoft.com/office/powerpoint/2012/main" xmlns:ahyp="http://schemas.microsoft.com/office/drawing/2018/hyperlinkcolor" matchingName="Section header" type="secHead">
+<p:sldLayout xmlns:a="http://schemas.openxmlformats.org/drawingml/2006/main" xmlns:r="http://schemas.openxmlformats.org/officeDocument/2006/relationships" xmlns:p="http://schemas.openxmlformats.org/presentationml/2006/main" matchingName="Section header" type="secHead">
   <p:cSld name="SECTION_HEADER">
     <p:bg>
       <p:bgPr>
         <a:solidFill>
           <a:schemeClr val="dk1"/>
         </a:solidFill>
+        <a:effectLst/>
       </p:bgPr>
     </p:bg>
     <p:spTree>
       <p:nvGrpSpPr>
-        <p:cNvPr id="17" name="Shape 17"/>
+        <p:cNvPr id="1" name="Shape 17"/>
         <p:cNvGrpSpPr/>
         <p:nvPr/>
       </p:nvGrpSpPr>
@@ -2719,12 +2778,12 @@
             </a:ln>
           </p:spPr>
           <p:txBody>
-            <a:bodyPr anchorCtr="0" anchor="ctr" bIns="91425" lIns="91425" spcFirstLastPara="1" rIns="91425" wrap="square" tIns="91425">
+            <a:bodyPr spcFirstLastPara="1" wrap="square" lIns="91425" tIns="91425" rIns="91425" bIns="91425" anchor="ctr" anchorCtr="0">
               <a:noAutofit/>
             </a:bodyPr>
             <a:lstStyle/>
             <a:p>
-              <a:pPr indent="0" lvl="0" marL="0" rtl="0" algn="l">
+              <a:pPr marL="0" lvl="0" indent="0" algn="l" rtl="0">
                 <a:spcBef>
                   <a:spcPts val="0"/>
                 </a:spcBef>
@@ -2733,9 +2792,6 @@
                 </a:spcAft>
                 <a:buNone/>
               </a:pPr>
-              <a:r>
-                <a:t/>
-              </a:r>
               <a:endParaRPr/>
             </a:p>
           </p:txBody>
@@ -2762,12 +2818,12 @@
             </a:ln>
           </p:spPr>
           <p:txBody>
-            <a:bodyPr anchorCtr="0" anchor="ctr" bIns="91425" lIns="91425" spcFirstLastPara="1" rIns="91425" wrap="square" tIns="91425">
+            <a:bodyPr spcFirstLastPara="1" wrap="square" lIns="91425" tIns="91425" rIns="91425" bIns="91425" anchor="ctr" anchorCtr="0">
               <a:noAutofit/>
             </a:bodyPr>
             <a:lstStyle/>
             <a:p>
-              <a:pPr indent="0" lvl="0" marL="0" rtl="0" algn="l">
+              <a:pPr marL="0" lvl="0" indent="0" algn="l" rtl="0">
                 <a:spcBef>
                   <a:spcPts val="0"/>
                 </a:spcBef>
@@ -2776,9 +2832,6 @@
                 </a:spcAft>
                 <a:buNone/>
               </a:pPr>
-              <a:r>
-                <a:t/>
-              </a:r>
               <a:endParaRPr/>
             </a:p>
           </p:txBody>
@@ -2787,7 +2840,9 @@
       <p:sp>
         <p:nvSpPr>
           <p:cNvPr id="21" name="Google Shape;21;p3"/>
-          <p:cNvSpPr txBox="1"/>
+          <p:cNvSpPr txBox="1">
+            <a:spLocks noGrp="1"/>
+          </p:cNvSpPr>
           <p:nvPr>
             <p:ph type="title"/>
           </p:nvPr>
@@ -2802,7 +2857,7 @@
           </a:prstGeom>
         </p:spPr>
         <p:txBody>
-          <a:bodyPr anchorCtr="0" anchor="t" bIns="91425" lIns="91425" spcFirstLastPara="1" rIns="91425" wrap="square" tIns="91425">
+          <a:bodyPr spcFirstLastPara="1" wrap="square" lIns="91425" tIns="91425" rIns="91425" bIns="91425" anchor="t" anchorCtr="0">
             <a:normAutofit/>
           </a:bodyPr>
           <a:lstStyle>
@@ -2969,15 +3024,19 @@
               </a:defRPr>
             </a:lvl9pPr>
           </a:lstStyle>
-          <a:p/>
+          <a:p>
+            <a:endParaRPr/>
+          </a:p>
         </p:txBody>
       </p:sp>
       <p:sp>
         <p:nvSpPr>
           <p:cNvPr id="22" name="Google Shape;22;p3"/>
-          <p:cNvSpPr txBox="1"/>
+          <p:cNvSpPr txBox="1">
+            <a:spLocks noGrp="1"/>
+          </p:cNvSpPr>
           <p:nvPr>
-            <p:ph idx="12" type="sldNum"/>
+            <p:ph type="sldNum" idx="12"/>
           </p:nvPr>
         </p:nvSpPr>
         <p:spPr>
@@ -2990,7 +3049,7 @@
           </a:prstGeom>
         </p:spPr>
         <p:txBody>
-          <a:bodyPr anchorCtr="0" anchor="ctr" bIns="91425" lIns="91425" spcFirstLastPara="1" rIns="91425" wrap="square" tIns="91425">
+          <a:bodyPr spcFirstLastPara="1" wrap="square" lIns="91425" tIns="91425" rIns="91425" bIns="91425" anchor="ctr" anchorCtr="0">
             <a:normAutofit/>
           </a:bodyPr>
           <a:lstStyle>
@@ -3068,7 +3127,7 @@
             </a:lvl9pPr>
           </a:lstStyle>
           <a:p>
-            <a:pPr indent="0" lvl="0" marL="0" rtl="0" algn="r">
+            <a:pPr marL="0" lvl="0" indent="0" algn="r" rtl="0">
               <a:spcBef>
                 <a:spcPts val="0"/>
               </a:spcBef>
@@ -3094,11 +3153,11 @@
 </file>
 
 <file path=ppt/slideLayouts/slideLayout3.xml><?xml version="1.0" encoding="utf-8"?>
-<p:sldLayout xmlns:a="http://schemas.openxmlformats.org/drawingml/2006/main" xmlns:r="http://schemas.openxmlformats.org/officeDocument/2006/relationships" xmlns:mc="http://schemas.openxmlformats.org/markup-compatibility/2006" xmlns:mv="urn:schemas-microsoft-com:mac:vml" xmlns:p="http://schemas.openxmlformats.org/presentationml/2006/main" xmlns:c="http://schemas.openxmlformats.org/drawingml/2006/chart" xmlns:dgm="http://schemas.openxmlformats.org/drawingml/2006/diagram" xmlns:o="urn:schemas-microsoft-com:office:office" xmlns:v="urn:schemas-microsoft-com:vml" xmlns:pvml="urn:schemas-microsoft-com:office:powerpoint" xmlns:com="http://schemas.openxmlformats.org/drawingml/2006/compatibility" xmlns:p14="http://schemas.microsoft.com/office/powerpoint/2010/main" xmlns:p15="http://schemas.microsoft.com/office/powerpoint/2012/main" xmlns:ahyp="http://schemas.microsoft.com/office/drawing/2018/hyperlinkcolor" matchingName="Title and body" type="tx">
+<p:sldLayout xmlns:a="http://schemas.openxmlformats.org/drawingml/2006/main" xmlns:r="http://schemas.openxmlformats.org/officeDocument/2006/relationships" xmlns:p="http://schemas.openxmlformats.org/presentationml/2006/main" matchingName="Title and body" type="tx">
   <p:cSld name="TITLE_AND_BODY">
     <p:spTree>
       <p:nvGrpSpPr>
-        <p:cNvPr id="23" name="Shape 23"/>
+        <p:cNvPr id="1" name="Shape 23"/>
         <p:cNvGrpSpPr/>
         <p:nvPr/>
       </p:nvGrpSpPr>
@@ -3132,12 +3191,12 @@
           </a:ln>
         </p:spPr>
         <p:txBody>
-          <a:bodyPr anchorCtr="0" anchor="ctr" bIns="91425" lIns="91425" spcFirstLastPara="1" rIns="91425" wrap="square" tIns="91425">
+          <a:bodyPr spcFirstLastPara="1" wrap="square" lIns="91425" tIns="91425" rIns="91425" bIns="91425" anchor="ctr" anchorCtr="0">
             <a:noAutofit/>
           </a:bodyPr>
           <a:lstStyle/>
           <a:p>
-            <a:pPr indent="0" lvl="0" marL="0" rtl="0" algn="l">
+            <a:pPr marL="0" lvl="0" indent="0" algn="l" rtl="0">
               <a:spcBef>
                 <a:spcPts val="0"/>
               </a:spcBef>
@@ -3146,9 +3205,6 @@
               </a:spcAft>
               <a:buNone/>
             </a:pPr>
-            <a:r>
-              <a:t/>
-            </a:r>
             <a:endParaRPr/>
           </a:p>
         </p:txBody>
@@ -3189,12 +3245,12 @@
             </a:ln>
           </p:spPr>
           <p:txBody>
-            <a:bodyPr anchorCtr="0" anchor="ctr" bIns="91425" lIns="91425" spcFirstLastPara="1" rIns="91425" wrap="square" tIns="91425">
+            <a:bodyPr spcFirstLastPara="1" wrap="square" lIns="91425" tIns="91425" rIns="91425" bIns="91425" anchor="ctr" anchorCtr="0">
               <a:noAutofit/>
             </a:bodyPr>
             <a:lstStyle/>
             <a:p>
-              <a:pPr indent="0" lvl="0" marL="0" rtl="0" algn="l">
+              <a:pPr marL="0" lvl="0" indent="0" algn="l" rtl="0">
                 <a:spcBef>
                   <a:spcPts val="0"/>
                 </a:spcBef>
@@ -3203,9 +3259,6 @@
                 </a:spcAft>
                 <a:buNone/>
               </a:pPr>
-              <a:r>
-                <a:t/>
-              </a:r>
               <a:endParaRPr/>
             </a:p>
           </p:txBody>
@@ -3232,12 +3285,12 @@
             </a:ln>
           </p:spPr>
           <p:txBody>
-            <a:bodyPr anchorCtr="0" anchor="ctr" bIns="91425" lIns="91425" spcFirstLastPara="1" rIns="91425" wrap="square" tIns="91425">
+            <a:bodyPr spcFirstLastPara="1" wrap="square" lIns="91425" tIns="91425" rIns="91425" bIns="91425" anchor="ctr" anchorCtr="0">
               <a:noAutofit/>
             </a:bodyPr>
             <a:lstStyle/>
             <a:p>
-              <a:pPr indent="0" lvl="0" marL="0" rtl="0" algn="l">
+              <a:pPr marL="0" lvl="0" indent="0" algn="l" rtl="0">
                 <a:spcBef>
                   <a:spcPts val="0"/>
                 </a:spcBef>
@@ -3246,9 +3299,6 @@
                 </a:spcAft>
                 <a:buNone/>
               </a:pPr>
-              <a:r>
-                <a:t/>
-              </a:r>
               <a:endParaRPr/>
             </a:p>
           </p:txBody>
@@ -3257,7 +3307,9 @@
       <p:sp>
         <p:nvSpPr>
           <p:cNvPr id="28" name="Google Shape;28;p4"/>
-          <p:cNvSpPr txBox="1"/>
+          <p:cNvSpPr txBox="1">
+            <a:spLocks noGrp="1"/>
+          </p:cNvSpPr>
           <p:nvPr>
             <p:ph type="title"/>
           </p:nvPr>
@@ -3272,7 +3324,7 @@
           </a:prstGeom>
         </p:spPr>
         <p:txBody>
-          <a:bodyPr anchorCtr="0" anchor="t" bIns="91425" lIns="91425" spcFirstLastPara="1" rIns="91425" wrap="square" tIns="91425">
+          <a:bodyPr spcFirstLastPara="1" wrap="square" lIns="91425" tIns="91425" rIns="91425" bIns="91425" anchor="t" anchorCtr="0">
             <a:normAutofit/>
           </a:bodyPr>
           <a:lstStyle>
@@ -3376,15 +3428,19 @@
               <a:defRPr sz="2600"/>
             </a:lvl9pPr>
           </a:lstStyle>
-          <a:p/>
+          <a:p>
+            <a:endParaRPr/>
+          </a:p>
         </p:txBody>
       </p:sp>
       <p:sp>
         <p:nvSpPr>
           <p:cNvPr id="29" name="Google Shape;29;p4"/>
-          <p:cNvSpPr txBox="1"/>
+          <p:cNvSpPr txBox="1">
+            <a:spLocks noGrp="1"/>
+          </p:cNvSpPr>
           <p:nvPr>
-            <p:ph idx="1" type="body"/>
+            <p:ph type="body" idx="1"/>
           </p:nvPr>
         </p:nvSpPr>
         <p:spPr>
@@ -3397,11 +3453,11 @@
           </a:prstGeom>
         </p:spPr>
         <p:txBody>
-          <a:bodyPr anchorCtr="0" anchor="t" bIns="91425" lIns="91425" spcFirstLastPara="1" rIns="91425" wrap="square" tIns="91425">
+          <a:bodyPr spcFirstLastPara="1" wrap="square" lIns="91425" tIns="91425" rIns="91425" bIns="91425" anchor="t" anchorCtr="0">
             <a:normAutofit/>
           </a:bodyPr>
           <a:lstStyle>
-            <a:lvl1pPr indent="-311150" lvl="0" marL="457200">
+            <a:lvl1pPr marL="457200" lvl="0" indent="-311150">
               <a:spcBef>
                 <a:spcPts val="0"/>
               </a:spcBef>
@@ -3412,7 +3468,7 @@
               <a:buChar char="●"/>
               <a:defRPr/>
             </a:lvl1pPr>
-            <a:lvl2pPr indent="-298450" lvl="1" marL="914400">
+            <a:lvl2pPr marL="914400" lvl="1" indent="-298450">
               <a:spcBef>
                 <a:spcPts val="0"/>
               </a:spcBef>
@@ -3423,7 +3479,7 @@
               <a:buChar char="○"/>
               <a:defRPr/>
             </a:lvl2pPr>
-            <a:lvl3pPr indent="-298450" lvl="2" marL="1371600">
+            <a:lvl3pPr marL="1371600" lvl="2" indent="-298450">
               <a:spcBef>
                 <a:spcPts val="0"/>
               </a:spcBef>
@@ -3434,7 +3490,7 @@
               <a:buChar char="■"/>
               <a:defRPr/>
             </a:lvl3pPr>
-            <a:lvl4pPr indent="-298450" lvl="3" marL="1828800">
+            <a:lvl4pPr marL="1828800" lvl="3" indent="-298450">
               <a:spcBef>
                 <a:spcPts val="0"/>
               </a:spcBef>
@@ -3445,7 +3501,7 @@
               <a:buChar char="●"/>
               <a:defRPr/>
             </a:lvl4pPr>
-            <a:lvl5pPr indent="-298450" lvl="4" marL="2286000">
+            <a:lvl5pPr marL="2286000" lvl="4" indent="-298450">
               <a:spcBef>
                 <a:spcPts val="0"/>
               </a:spcBef>
@@ -3456,7 +3512,7 @@
               <a:buChar char="○"/>
               <a:defRPr/>
             </a:lvl5pPr>
-            <a:lvl6pPr indent="-298450" lvl="5" marL="2743200">
+            <a:lvl6pPr marL="2743200" lvl="5" indent="-298450">
               <a:spcBef>
                 <a:spcPts val="0"/>
               </a:spcBef>
@@ -3467,7 +3523,7 @@
               <a:buChar char="■"/>
               <a:defRPr/>
             </a:lvl6pPr>
-            <a:lvl7pPr indent="-298450" lvl="6" marL="3200400">
+            <a:lvl7pPr marL="3200400" lvl="6" indent="-298450">
               <a:spcBef>
                 <a:spcPts val="0"/>
               </a:spcBef>
@@ -3478,7 +3534,7 @@
               <a:buChar char="●"/>
               <a:defRPr/>
             </a:lvl7pPr>
-            <a:lvl8pPr indent="-298450" lvl="7" marL="3657600">
+            <a:lvl8pPr marL="3657600" lvl="7" indent="-298450">
               <a:spcBef>
                 <a:spcPts val="0"/>
               </a:spcBef>
@@ -3489,7 +3545,7 @@
               <a:buChar char="○"/>
               <a:defRPr/>
             </a:lvl8pPr>
-            <a:lvl9pPr indent="-298450" lvl="8" marL="4114800">
+            <a:lvl9pPr marL="4114800" lvl="8" indent="-298450">
               <a:spcBef>
                 <a:spcPts val="0"/>
               </a:spcBef>
@@ -3501,15 +3557,19 @@
               <a:defRPr/>
             </a:lvl9pPr>
           </a:lstStyle>
-          <a:p/>
+          <a:p>
+            <a:endParaRPr/>
+          </a:p>
         </p:txBody>
       </p:sp>
       <p:sp>
         <p:nvSpPr>
           <p:cNvPr id="30" name="Google Shape;30;p4"/>
-          <p:cNvSpPr txBox="1"/>
+          <p:cNvSpPr txBox="1">
+            <a:spLocks noGrp="1"/>
+          </p:cNvSpPr>
           <p:nvPr>
-            <p:ph idx="12" type="sldNum"/>
+            <p:ph type="sldNum" idx="12"/>
           </p:nvPr>
         </p:nvSpPr>
         <p:spPr>
@@ -3522,7 +3582,7 @@
           </a:prstGeom>
         </p:spPr>
         <p:txBody>
-          <a:bodyPr anchorCtr="0" anchor="ctr" bIns="91425" lIns="91425" spcFirstLastPara="1" rIns="91425" wrap="square" tIns="91425">
+          <a:bodyPr spcFirstLastPara="1" wrap="square" lIns="91425" tIns="91425" rIns="91425" bIns="91425" anchor="ctr" anchorCtr="0">
             <a:normAutofit/>
           </a:bodyPr>
           <a:lstStyle>
@@ -3564,7 +3624,7 @@
             </a:lvl9pPr>
           </a:lstStyle>
           <a:p>
-            <a:pPr indent="0" lvl="0" marL="0" rtl="0" algn="r">
+            <a:pPr marL="0" lvl="0" indent="0" algn="r" rtl="0">
               <a:spcBef>
                 <a:spcPts val="0"/>
               </a:spcBef>
@@ -3590,11 +3650,11 @@
 </file>
 
 <file path=ppt/slideLayouts/slideLayout4.xml><?xml version="1.0" encoding="utf-8"?>
-<p:sldLayout xmlns:a="http://schemas.openxmlformats.org/drawingml/2006/main" xmlns:r="http://schemas.openxmlformats.org/officeDocument/2006/relationships" xmlns:mc="http://schemas.openxmlformats.org/markup-compatibility/2006" xmlns:mv="urn:schemas-microsoft-com:mac:vml" xmlns:p="http://schemas.openxmlformats.org/presentationml/2006/main" xmlns:c="http://schemas.openxmlformats.org/drawingml/2006/chart" xmlns:dgm="http://schemas.openxmlformats.org/drawingml/2006/diagram" xmlns:o="urn:schemas-microsoft-com:office:office" xmlns:v="urn:schemas-microsoft-com:vml" xmlns:pvml="urn:schemas-microsoft-com:office:powerpoint" xmlns:com="http://schemas.openxmlformats.org/drawingml/2006/compatibility" xmlns:p14="http://schemas.microsoft.com/office/powerpoint/2010/main" xmlns:p15="http://schemas.microsoft.com/office/powerpoint/2012/main" xmlns:ahyp="http://schemas.microsoft.com/office/drawing/2018/hyperlinkcolor" matchingName="Title and two columns" type="twoColTx">
+<p:sldLayout xmlns:a="http://schemas.openxmlformats.org/drawingml/2006/main" xmlns:r="http://schemas.openxmlformats.org/officeDocument/2006/relationships" xmlns:p="http://schemas.openxmlformats.org/presentationml/2006/main" matchingName="Title and two columns" type="twoColTx">
   <p:cSld name="TITLE_AND_TWO_COLUMNS">
     <p:spTree>
       <p:nvGrpSpPr>
-        <p:cNvPr id="31" name="Shape 31"/>
+        <p:cNvPr id="1" name="Shape 31"/>
         <p:cNvGrpSpPr/>
         <p:nvPr/>
       </p:nvGrpSpPr>
@@ -3628,12 +3688,12 @@
           </a:ln>
         </p:spPr>
         <p:txBody>
-          <a:bodyPr anchorCtr="0" anchor="ctr" bIns="91425" lIns="91425" spcFirstLastPara="1" rIns="91425" wrap="square" tIns="91425">
+          <a:bodyPr spcFirstLastPara="1" wrap="square" lIns="91425" tIns="91425" rIns="91425" bIns="91425" anchor="ctr" anchorCtr="0">
             <a:noAutofit/>
           </a:bodyPr>
           <a:lstStyle/>
           <a:p>
-            <a:pPr indent="0" lvl="0" marL="0" rtl="0" algn="l">
+            <a:pPr marL="0" lvl="0" indent="0" algn="l" rtl="0">
               <a:spcBef>
                 <a:spcPts val="0"/>
               </a:spcBef>
@@ -3642,9 +3702,6 @@
               </a:spcAft>
               <a:buNone/>
             </a:pPr>
-            <a:r>
-              <a:t/>
-            </a:r>
             <a:endParaRPr/>
           </a:p>
         </p:txBody>
@@ -3685,12 +3742,12 @@
             </a:ln>
           </p:spPr>
           <p:txBody>
-            <a:bodyPr anchorCtr="0" anchor="ctr" bIns="91425" lIns="91425" spcFirstLastPara="1" rIns="91425" wrap="square" tIns="91425">
+            <a:bodyPr spcFirstLastPara="1" wrap="square" lIns="91425" tIns="91425" rIns="91425" bIns="91425" anchor="ctr" anchorCtr="0">
               <a:noAutofit/>
             </a:bodyPr>
             <a:lstStyle/>
             <a:p>
-              <a:pPr indent="0" lvl="0" marL="0" rtl="0" algn="l">
+              <a:pPr marL="0" lvl="0" indent="0" algn="l" rtl="0">
                 <a:spcBef>
                   <a:spcPts val="0"/>
                 </a:spcBef>
@@ -3699,9 +3756,6 @@
                 </a:spcAft>
                 <a:buNone/>
               </a:pPr>
-              <a:r>
-                <a:t/>
-              </a:r>
               <a:endParaRPr/>
             </a:p>
           </p:txBody>
@@ -3728,12 +3782,12 @@
             </a:ln>
           </p:spPr>
           <p:txBody>
-            <a:bodyPr anchorCtr="0" anchor="ctr" bIns="91425" lIns="91425" spcFirstLastPara="1" rIns="91425" wrap="square" tIns="91425">
+            <a:bodyPr spcFirstLastPara="1" wrap="square" lIns="91425" tIns="91425" rIns="91425" bIns="91425" anchor="ctr" anchorCtr="0">
               <a:noAutofit/>
             </a:bodyPr>
             <a:lstStyle/>
             <a:p>
-              <a:pPr indent="0" lvl="0" marL="0" rtl="0" algn="l">
+              <a:pPr marL="0" lvl="0" indent="0" algn="l" rtl="0">
                 <a:spcBef>
                   <a:spcPts val="0"/>
                 </a:spcBef>
@@ -3742,9 +3796,6 @@
                 </a:spcAft>
                 <a:buNone/>
               </a:pPr>
-              <a:r>
-                <a:t/>
-              </a:r>
               <a:endParaRPr/>
             </a:p>
           </p:txBody>
@@ -3753,7 +3804,9 @@
       <p:sp>
         <p:nvSpPr>
           <p:cNvPr id="36" name="Google Shape;36;p5"/>
-          <p:cNvSpPr txBox="1"/>
+          <p:cNvSpPr txBox="1">
+            <a:spLocks noGrp="1"/>
+          </p:cNvSpPr>
           <p:nvPr>
             <p:ph type="title"/>
           </p:nvPr>
@@ -3768,7 +3821,7 @@
           </a:prstGeom>
         </p:spPr>
         <p:txBody>
-          <a:bodyPr anchorCtr="0" anchor="t" bIns="91425" lIns="91425" spcFirstLastPara="1" rIns="91425" wrap="square" tIns="91425">
+          <a:bodyPr spcFirstLastPara="1" wrap="square" lIns="91425" tIns="91425" rIns="91425" bIns="91425" anchor="t" anchorCtr="0">
             <a:normAutofit/>
           </a:bodyPr>
           <a:lstStyle>
@@ -3872,15 +3925,19 @@
               <a:defRPr sz="2600"/>
             </a:lvl9pPr>
           </a:lstStyle>
-          <a:p/>
+          <a:p>
+            <a:endParaRPr/>
+          </a:p>
         </p:txBody>
       </p:sp>
       <p:sp>
         <p:nvSpPr>
           <p:cNvPr id="37" name="Google Shape;37;p5"/>
-          <p:cNvSpPr txBox="1"/>
+          <p:cNvSpPr txBox="1">
+            <a:spLocks noGrp="1"/>
+          </p:cNvSpPr>
           <p:nvPr>
-            <p:ph idx="1" type="body"/>
+            <p:ph type="body" idx="1"/>
           </p:nvPr>
         </p:nvSpPr>
         <p:spPr>
@@ -3893,11 +3950,11 @@
           </a:prstGeom>
         </p:spPr>
         <p:txBody>
-          <a:bodyPr anchorCtr="0" anchor="t" bIns="91425" lIns="91425" spcFirstLastPara="1" rIns="91425" wrap="square" tIns="91425">
+          <a:bodyPr spcFirstLastPara="1" wrap="square" lIns="91425" tIns="91425" rIns="91425" bIns="91425" anchor="t" anchorCtr="0">
             <a:normAutofit/>
           </a:bodyPr>
           <a:lstStyle>
-            <a:lvl1pPr indent="-311150" lvl="0" marL="457200">
+            <a:lvl1pPr marL="457200" lvl="0" indent="-311150">
               <a:spcBef>
                 <a:spcPts val="0"/>
               </a:spcBef>
@@ -3908,7 +3965,7 @@
               <a:buChar char="●"/>
               <a:defRPr/>
             </a:lvl1pPr>
-            <a:lvl2pPr indent="-298450" lvl="1" marL="914400">
+            <a:lvl2pPr marL="914400" lvl="1" indent="-298450">
               <a:spcBef>
                 <a:spcPts val="0"/>
               </a:spcBef>
@@ -3919,7 +3976,7 @@
               <a:buChar char="○"/>
               <a:defRPr/>
             </a:lvl2pPr>
-            <a:lvl3pPr indent="-298450" lvl="2" marL="1371600">
+            <a:lvl3pPr marL="1371600" lvl="2" indent="-298450">
               <a:spcBef>
                 <a:spcPts val="0"/>
               </a:spcBef>
@@ -3930,7 +3987,7 @@
               <a:buChar char="■"/>
               <a:defRPr/>
             </a:lvl3pPr>
-            <a:lvl4pPr indent="-298450" lvl="3" marL="1828800">
+            <a:lvl4pPr marL="1828800" lvl="3" indent="-298450">
               <a:spcBef>
                 <a:spcPts val="0"/>
               </a:spcBef>
@@ -3941,7 +3998,7 @@
               <a:buChar char="●"/>
               <a:defRPr/>
             </a:lvl4pPr>
-            <a:lvl5pPr indent="-298450" lvl="4" marL="2286000">
+            <a:lvl5pPr marL="2286000" lvl="4" indent="-298450">
               <a:spcBef>
                 <a:spcPts val="0"/>
               </a:spcBef>
@@ -3952,7 +4009,7 @@
               <a:buChar char="○"/>
               <a:defRPr/>
             </a:lvl5pPr>
-            <a:lvl6pPr indent="-298450" lvl="5" marL="2743200">
+            <a:lvl6pPr marL="2743200" lvl="5" indent="-298450">
               <a:spcBef>
                 <a:spcPts val="0"/>
               </a:spcBef>
@@ -3963,7 +4020,7 @@
               <a:buChar char="■"/>
               <a:defRPr/>
             </a:lvl6pPr>
-            <a:lvl7pPr indent="-298450" lvl="6" marL="3200400">
+            <a:lvl7pPr marL="3200400" lvl="6" indent="-298450">
               <a:spcBef>
                 <a:spcPts val="0"/>
               </a:spcBef>
@@ -3974,7 +4031,7 @@
               <a:buChar char="●"/>
               <a:defRPr/>
             </a:lvl7pPr>
-            <a:lvl8pPr indent="-298450" lvl="7" marL="3657600">
+            <a:lvl8pPr marL="3657600" lvl="7" indent="-298450">
               <a:spcBef>
                 <a:spcPts val="0"/>
               </a:spcBef>
@@ -3985,7 +4042,7 @@
               <a:buChar char="○"/>
               <a:defRPr/>
             </a:lvl8pPr>
-            <a:lvl9pPr indent="-298450" lvl="8" marL="4114800">
+            <a:lvl9pPr marL="4114800" lvl="8" indent="-298450">
               <a:spcBef>
                 <a:spcPts val="0"/>
               </a:spcBef>
@@ -3997,15 +4054,19 @@
               <a:defRPr/>
             </a:lvl9pPr>
           </a:lstStyle>
-          <a:p/>
+          <a:p>
+            <a:endParaRPr/>
+          </a:p>
         </p:txBody>
       </p:sp>
       <p:sp>
         <p:nvSpPr>
           <p:cNvPr id="38" name="Google Shape;38;p5"/>
-          <p:cNvSpPr txBox="1"/>
+          <p:cNvSpPr txBox="1">
+            <a:spLocks noGrp="1"/>
+          </p:cNvSpPr>
           <p:nvPr>
-            <p:ph idx="2" type="body"/>
+            <p:ph type="body" idx="2"/>
           </p:nvPr>
         </p:nvSpPr>
         <p:spPr>
@@ -4018,11 +4079,11 @@
           </a:prstGeom>
         </p:spPr>
         <p:txBody>
-          <a:bodyPr anchorCtr="0" anchor="t" bIns="91425" lIns="91425" spcFirstLastPara="1" rIns="91425" wrap="square" tIns="91425">
+          <a:bodyPr spcFirstLastPara="1" wrap="square" lIns="91425" tIns="91425" rIns="91425" bIns="91425" anchor="t" anchorCtr="0">
             <a:normAutofit/>
           </a:bodyPr>
           <a:lstStyle>
-            <a:lvl1pPr indent="-311150" lvl="0" marL="457200">
+            <a:lvl1pPr marL="457200" lvl="0" indent="-311150">
               <a:spcBef>
                 <a:spcPts val="0"/>
               </a:spcBef>
@@ -4033,7 +4094,7 @@
               <a:buChar char="●"/>
               <a:defRPr/>
             </a:lvl1pPr>
-            <a:lvl2pPr indent="-298450" lvl="1" marL="914400">
+            <a:lvl2pPr marL="914400" lvl="1" indent="-298450">
               <a:spcBef>
                 <a:spcPts val="0"/>
               </a:spcBef>
@@ -4044,7 +4105,7 @@
               <a:buChar char="○"/>
               <a:defRPr/>
             </a:lvl2pPr>
-            <a:lvl3pPr indent="-298450" lvl="2" marL="1371600">
+            <a:lvl3pPr marL="1371600" lvl="2" indent="-298450">
               <a:spcBef>
                 <a:spcPts val="0"/>
               </a:spcBef>
@@ -4055,7 +4116,7 @@
               <a:buChar char="■"/>
               <a:defRPr/>
             </a:lvl3pPr>
-            <a:lvl4pPr indent="-298450" lvl="3" marL="1828800">
+            <a:lvl4pPr marL="1828800" lvl="3" indent="-298450">
               <a:spcBef>
                 <a:spcPts val="0"/>
               </a:spcBef>
@@ -4066,7 +4127,7 @@
               <a:buChar char="●"/>
               <a:defRPr/>
             </a:lvl4pPr>
-            <a:lvl5pPr indent="-298450" lvl="4" marL="2286000">
+            <a:lvl5pPr marL="2286000" lvl="4" indent="-298450">
               <a:spcBef>
                 <a:spcPts val="0"/>
               </a:spcBef>
@@ -4077,7 +4138,7 @@
               <a:buChar char="○"/>
               <a:defRPr/>
             </a:lvl5pPr>
-            <a:lvl6pPr indent="-298450" lvl="5" marL="2743200">
+            <a:lvl6pPr marL="2743200" lvl="5" indent="-298450">
               <a:spcBef>
                 <a:spcPts val="0"/>
               </a:spcBef>
@@ -4088,7 +4149,7 @@
               <a:buChar char="■"/>
               <a:defRPr/>
             </a:lvl6pPr>
-            <a:lvl7pPr indent="-298450" lvl="6" marL="3200400">
+            <a:lvl7pPr marL="3200400" lvl="6" indent="-298450">
               <a:spcBef>
                 <a:spcPts val="0"/>
               </a:spcBef>
@@ -4099,7 +4160,7 @@
               <a:buChar char="●"/>
               <a:defRPr/>
             </a:lvl7pPr>
-            <a:lvl8pPr indent="-298450" lvl="7" marL="3657600">
+            <a:lvl8pPr marL="3657600" lvl="7" indent="-298450">
               <a:spcBef>
                 <a:spcPts val="0"/>
               </a:spcBef>
@@ -4110,7 +4171,7 @@
               <a:buChar char="○"/>
               <a:defRPr/>
             </a:lvl8pPr>
-            <a:lvl9pPr indent="-298450" lvl="8" marL="4114800">
+            <a:lvl9pPr marL="4114800" lvl="8" indent="-298450">
               <a:spcBef>
                 <a:spcPts val="0"/>
               </a:spcBef>
@@ -4122,15 +4183,19 @@
               <a:defRPr/>
             </a:lvl9pPr>
           </a:lstStyle>
-          <a:p/>
+          <a:p>
+            <a:endParaRPr/>
+          </a:p>
         </p:txBody>
       </p:sp>
       <p:sp>
         <p:nvSpPr>
           <p:cNvPr id="39" name="Google Shape;39;p5"/>
-          <p:cNvSpPr txBox="1"/>
+          <p:cNvSpPr txBox="1">
+            <a:spLocks noGrp="1"/>
+          </p:cNvSpPr>
           <p:nvPr>
-            <p:ph idx="12" type="sldNum"/>
+            <p:ph type="sldNum" idx="12"/>
           </p:nvPr>
         </p:nvSpPr>
         <p:spPr>
@@ -4143,7 +4208,7 @@
           </a:prstGeom>
         </p:spPr>
         <p:txBody>
-          <a:bodyPr anchorCtr="0" anchor="ctr" bIns="91425" lIns="91425" spcFirstLastPara="1" rIns="91425" wrap="square" tIns="91425">
+          <a:bodyPr spcFirstLastPara="1" wrap="square" lIns="91425" tIns="91425" rIns="91425" bIns="91425" anchor="ctr" anchorCtr="0">
             <a:normAutofit/>
           </a:bodyPr>
           <a:lstStyle>
@@ -4185,7 +4250,7 @@
             </a:lvl9pPr>
           </a:lstStyle>
           <a:p>
-            <a:pPr indent="0" lvl="0" marL="0" rtl="0" algn="r">
+            <a:pPr marL="0" lvl="0" indent="0" algn="r" rtl="0">
               <a:spcBef>
                 <a:spcPts val="0"/>
               </a:spcBef>
@@ -4211,11 +4276,11 @@
 </file>
 
 <file path=ppt/slideLayouts/slideLayout5.xml><?xml version="1.0" encoding="utf-8"?>
-<p:sldLayout xmlns:a="http://schemas.openxmlformats.org/drawingml/2006/main" xmlns:r="http://schemas.openxmlformats.org/officeDocument/2006/relationships" xmlns:mc="http://schemas.openxmlformats.org/markup-compatibility/2006" xmlns:mv="urn:schemas-microsoft-com:mac:vml" xmlns:p="http://schemas.openxmlformats.org/presentationml/2006/main" xmlns:c="http://schemas.openxmlformats.org/drawingml/2006/chart" xmlns:dgm="http://schemas.openxmlformats.org/drawingml/2006/diagram" xmlns:o="urn:schemas-microsoft-com:office:office" xmlns:v="urn:schemas-microsoft-com:vml" xmlns:pvml="urn:schemas-microsoft-com:office:powerpoint" xmlns:com="http://schemas.openxmlformats.org/drawingml/2006/compatibility" xmlns:p14="http://schemas.microsoft.com/office/powerpoint/2010/main" xmlns:p15="http://schemas.microsoft.com/office/powerpoint/2012/main" xmlns:ahyp="http://schemas.microsoft.com/office/drawing/2018/hyperlinkcolor" matchingName="Title only" type="titleOnly">
+<p:sldLayout xmlns:a="http://schemas.openxmlformats.org/drawingml/2006/main" xmlns:r="http://schemas.openxmlformats.org/officeDocument/2006/relationships" xmlns:p="http://schemas.openxmlformats.org/presentationml/2006/main" matchingName="Title only" type="titleOnly">
   <p:cSld name="TITLE_ONLY">
     <p:spTree>
       <p:nvGrpSpPr>
-        <p:cNvPr id="40" name="Shape 40"/>
+        <p:cNvPr id="1" name="Shape 40"/>
         <p:cNvGrpSpPr/>
         <p:nvPr/>
       </p:nvGrpSpPr>
@@ -4249,12 +4314,12 @@
           </a:ln>
         </p:spPr>
         <p:txBody>
-          <a:bodyPr anchorCtr="0" anchor="ctr" bIns="91425" lIns="91425" spcFirstLastPara="1" rIns="91425" wrap="square" tIns="91425">
+          <a:bodyPr spcFirstLastPara="1" wrap="square" lIns="91425" tIns="91425" rIns="91425" bIns="91425" anchor="ctr" anchorCtr="0">
             <a:noAutofit/>
           </a:bodyPr>
           <a:lstStyle/>
           <a:p>
-            <a:pPr indent="0" lvl="0" marL="0" rtl="0" algn="l">
+            <a:pPr marL="0" lvl="0" indent="0" algn="l" rtl="0">
               <a:spcBef>
                 <a:spcPts val="0"/>
               </a:spcBef>
@@ -4263,9 +4328,6 @@
               </a:spcAft>
               <a:buNone/>
             </a:pPr>
-            <a:r>
-              <a:t/>
-            </a:r>
             <a:endParaRPr/>
           </a:p>
         </p:txBody>
@@ -4306,12 +4368,12 @@
             </a:ln>
           </p:spPr>
           <p:txBody>
-            <a:bodyPr anchorCtr="0" anchor="ctr" bIns="91425" lIns="91425" spcFirstLastPara="1" rIns="91425" wrap="square" tIns="91425">
+            <a:bodyPr spcFirstLastPara="1" wrap="square" lIns="91425" tIns="91425" rIns="91425" bIns="91425" anchor="ctr" anchorCtr="0">
               <a:noAutofit/>
             </a:bodyPr>
             <a:lstStyle/>
             <a:p>
-              <a:pPr indent="0" lvl="0" marL="0" rtl="0" algn="l">
+              <a:pPr marL="0" lvl="0" indent="0" algn="l" rtl="0">
                 <a:spcBef>
                   <a:spcPts val="0"/>
                 </a:spcBef>
@@ -4320,9 +4382,6 @@
                 </a:spcAft>
                 <a:buNone/>
               </a:pPr>
-              <a:r>
-                <a:t/>
-              </a:r>
               <a:endParaRPr/>
             </a:p>
           </p:txBody>
@@ -4349,12 +4408,12 @@
             </a:ln>
           </p:spPr>
           <p:txBody>
-            <a:bodyPr anchorCtr="0" anchor="ctr" bIns="91425" lIns="91425" spcFirstLastPara="1" rIns="91425" wrap="square" tIns="91425">
+            <a:bodyPr spcFirstLastPara="1" wrap="square" lIns="91425" tIns="91425" rIns="91425" bIns="91425" anchor="ctr" anchorCtr="0">
               <a:noAutofit/>
             </a:bodyPr>
             <a:lstStyle/>
             <a:p>
-              <a:pPr indent="0" lvl="0" marL="0" rtl="0" algn="l">
+              <a:pPr marL="0" lvl="0" indent="0" algn="l" rtl="0">
                 <a:spcBef>
                   <a:spcPts val="0"/>
                 </a:spcBef>
@@ -4363,9 +4422,6 @@
                 </a:spcAft>
                 <a:buNone/>
               </a:pPr>
-              <a:r>
-                <a:t/>
-              </a:r>
               <a:endParaRPr/>
             </a:p>
           </p:txBody>
@@ -4374,7 +4430,9 @@
       <p:sp>
         <p:nvSpPr>
           <p:cNvPr id="45" name="Google Shape;45;p6"/>
-          <p:cNvSpPr txBox="1"/>
+          <p:cNvSpPr txBox="1">
+            <a:spLocks noGrp="1"/>
+          </p:cNvSpPr>
           <p:nvPr>
             <p:ph type="title"/>
           </p:nvPr>
@@ -4389,7 +4447,7 @@
           </a:prstGeom>
         </p:spPr>
         <p:txBody>
-          <a:bodyPr anchorCtr="0" anchor="t" bIns="91425" lIns="91425" spcFirstLastPara="1" rIns="91425" wrap="square" tIns="91425">
+          <a:bodyPr spcFirstLastPara="1" wrap="square" lIns="91425" tIns="91425" rIns="91425" bIns="91425" anchor="t" anchorCtr="0">
             <a:normAutofit/>
           </a:bodyPr>
           <a:lstStyle>
@@ -4493,15 +4551,19 @@
               <a:defRPr sz="2600"/>
             </a:lvl9pPr>
           </a:lstStyle>
-          <a:p/>
+          <a:p>
+            <a:endParaRPr/>
+          </a:p>
         </p:txBody>
       </p:sp>
       <p:sp>
         <p:nvSpPr>
           <p:cNvPr id="46" name="Google Shape;46;p6"/>
-          <p:cNvSpPr txBox="1"/>
+          <p:cNvSpPr txBox="1">
+            <a:spLocks noGrp="1"/>
+          </p:cNvSpPr>
           <p:nvPr>
-            <p:ph idx="12" type="sldNum"/>
+            <p:ph type="sldNum" idx="12"/>
           </p:nvPr>
         </p:nvSpPr>
         <p:spPr>
@@ -4514,7 +4576,7 @@
           </a:prstGeom>
         </p:spPr>
         <p:txBody>
-          <a:bodyPr anchorCtr="0" anchor="ctr" bIns="91425" lIns="91425" spcFirstLastPara="1" rIns="91425" wrap="square" tIns="91425">
+          <a:bodyPr spcFirstLastPara="1" wrap="square" lIns="91425" tIns="91425" rIns="91425" bIns="91425" anchor="ctr" anchorCtr="0">
             <a:normAutofit/>
           </a:bodyPr>
           <a:lstStyle>
@@ -4556,7 +4618,7 @@
             </a:lvl9pPr>
           </a:lstStyle>
           <a:p>
-            <a:pPr indent="0" lvl="0" marL="0" rtl="0" algn="r">
+            <a:pPr marL="0" lvl="0" indent="0" algn="r" rtl="0">
               <a:spcBef>
                 <a:spcPts val="0"/>
               </a:spcBef>
@@ -4582,11 +4644,11 @@
 </file>
 
 <file path=ppt/slideLayouts/slideLayout6.xml><?xml version="1.0" encoding="utf-8"?>
-<p:sldLayout xmlns:a="http://schemas.openxmlformats.org/drawingml/2006/main" xmlns:r="http://schemas.openxmlformats.org/officeDocument/2006/relationships" xmlns:mc="http://schemas.openxmlformats.org/markup-compatibility/2006" xmlns:mv="urn:schemas-microsoft-com:mac:vml" xmlns:p="http://schemas.openxmlformats.org/presentationml/2006/main" xmlns:c="http://schemas.openxmlformats.org/drawingml/2006/chart" xmlns:dgm="http://schemas.openxmlformats.org/drawingml/2006/diagram" xmlns:o="urn:schemas-microsoft-com:office:office" xmlns:v="urn:schemas-microsoft-com:vml" xmlns:pvml="urn:schemas-microsoft-com:office:powerpoint" xmlns:com="http://schemas.openxmlformats.org/drawingml/2006/compatibility" xmlns:p14="http://schemas.microsoft.com/office/powerpoint/2010/main" xmlns:p15="http://schemas.microsoft.com/office/powerpoint/2012/main" xmlns:ahyp="http://schemas.microsoft.com/office/drawing/2018/hyperlinkcolor" matchingName="One column text">
+<p:sldLayout xmlns:a="http://schemas.openxmlformats.org/drawingml/2006/main" xmlns:r="http://schemas.openxmlformats.org/officeDocument/2006/relationships" xmlns:p="http://schemas.openxmlformats.org/presentationml/2006/main" matchingName="One column text">
   <p:cSld name="ONE_COLUMN_TEXT">
     <p:spTree>
       <p:nvGrpSpPr>
-        <p:cNvPr id="47" name="Shape 47"/>
+        <p:cNvPr id="1" name="Shape 47"/>
         <p:cNvGrpSpPr/>
         <p:nvPr/>
       </p:nvGrpSpPr>
@@ -4620,12 +4682,12 @@
           </a:ln>
         </p:spPr>
         <p:txBody>
-          <a:bodyPr anchorCtr="0" anchor="ctr" bIns="91425" lIns="91425" spcFirstLastPara="1" rIns="91425" wrap="square" tIns="91425">
+          <a:bodyPr spcFirstLastPara="1" wrap="square" lIns="91425" tIns="91425" rIns="91425" bIns="91425" anchor="ctr" anchorCtr="0">
             <a:noAutofit/>
           </a:bodyPr>
           <a:lstStyle/>
           <a:p>
-            <a:pPr indent="0" lvl="0" marL="0" rtl="0" algn="l">
+            <a:pPr marL="0" lvl="0" indent="0" algn="l" rtl="0">
               <a:spcBef>
                 <a:spcPts val="0"/>
               </a:spcBef>
@@ -4634,9 +4696,6 @@
               </a:spcAft>
               <a:buNone/>
             </a:pPr>
-            <a:r>
-              <a:t/>
-            </a:r>
             <a:endParaRPr/>
           </a:p>
         </p:txBody>
@@ -4677,12 +4736,12 @@
             </a:ln>
           </p:spPr>
           <p:txBody>
-            <a:bodyPr anchorCtr="0" anchor="ctr" bIns="91425" lIns="91425" spcFirstLastPara="1" rIns="91425" wrap="square" tIns="91425">
+            <a:bodyPr spcFirstLastPara="1" wrap="square" lIns="91425" tIns="91425" rIns="91425" bIns="91425" anchor="ctr" anchorCtr="0">
               <a:noAutofit/>
             </a:bodyPr>
             <a:lstStyle/>
             <a:p>
-              <a:pPr indent="0" lvl="0" marL="0" rtl="0" algn="l">
+              <a:pPr marL="0" lvl="0" indent="0" algn="l" rtl="0">
                 <a:spcBef>
                   <a:spcPts val="0"/>
                 </a:spcBef>
@@ -4691,9 +4750,6 @@
                 </a:spcAft>
                 <a:buNone/>
               </a:pPr>
-              <a:r>
-                <a:t/>
-              </a:r>
               <a:endParaRPr/>
             </a:p>
           </p:txBody>
@@ -4720,12 +4776,12 @@
             </a:ln>
           </p:spPr>
           <p:txBody>
-            <a:bodyPr anchorCtr="0" anchor="ctr" bIns="91425" lIns="91425" spcFirstLastPara="1" rIns="91425" wrap="square" tIns="91425">
+            <a:bodyPr spcFirstLastPara="1" wrap="square" lIns="91425" tIns="91425" rIns="91425" bIns="91425" anchor="ctr" anchorCtr="0">
               <a:noAutofit/>
             </a:bodyPr>
             <a:lstStyle/>
             <a:p>
-              <a:pPr indent="0" lvl="0" marL="0" rtl="0" algn="l">
+              <a:pPr marL="0" lvl="0" indent="0" algn="l" rtl="0">
                 <a:spcBef>
                   <a:spcPts val="0"/>
                 </a:spcBef>
@@ -4734,9 +4790,6 @@
                 </a:spcAft>
                 <a:buNone/>
               </a:pPr>
-              <a:r>
-                <a:t/>
-              </a:r>
               <a:endParaRPr/>
             </a:p>
           </p:txBody>
@@ -4745,7 +4798,9 @@
       <p:sp>
         <p:nvSpPr>
           <p:cNvPr id="52" name="Google Shape;52;p7"/>
-          <p:cNvSpPr txBox="1"/>
+          <p:cNvSpPr txBox="1">
+            <a:spLocks noGrp="1"/>
+          </p:cNvSpPr>
           <p:nvPr>
             <p:ph type="title"/>
           </p:nvPr>
@@ -4760,7 +4815,7 @@
           </a:prstGeom>
         </p:spPr>
         <p:txBody>
-          <a:bodyPr anchorCtr="0" anchor="t" bIns="91425" lIns="91425" spcFirstLastPara="1" rIns="91425" wrap="square" tIns="91425">
+          <a:bodyPr spcFirstLastPara="1" wrap="square" lIns="91425" tIns="91425" rIns="91425" bIns="91425" anchor="t" anchorCtr="0">
             <a:normAutofit/>
           </a:bodyPr>
           <a:lstStyle>
@@ -4864,15 +4919,19 @@
               <a:defRPr sz="2600"/>
             </a:lvl9pPr>
           </a:lstStyle>
-          <a:p/>
+          <a:p>
+            <a:endParaRPr/>
+          </a:p>
         </p:txBody>
       </p:sp>
       <p:sp>
         <p:nvSpPr>
           <p:cNvPr id="53" name="Google Shape;53;p7"/>
-          <p:cNvSpPr txBox="1"/>
+          <p:cNvSpPr txBox="1">
+            <a:spLocks noGrp="1"/>
+          </p:cNvSpPr>
           <p:nvPr>
-            <p:ph idx="1" type="body"/>
+            <p:ph type="body" idx="1"/>
           </p:nvPr>
         </p:nvSpPr>
         <p:spPr>
@@ -4885,11 +4944,11 @@
           </a:prstGeom>
         </p:spPr>
         <p:txBody>
-          <a:bodyPr anchorCtr="0" anchor="t" bIns="91425" lIns="91425" spcFirstLastPara="1" rIns="91425" wrap="square" tIns="91425">
+          <a:bodyPr spcFirstLastPara="1" wrap="square" lIns="91425" tIns="91425" rIns="91425" bIns="91425" anchor="t" anchorCtr="0">
             <a:normAutofit/>
           </a:bodyPr>
           <a:lstStyle>
-            <a:lvl1pPr indent="-311150" lvl="0" marL="457200">
+            <a:lvl1pPr marL="457200" lvl="0" indent="-311150">
               <a:spcBef>
                 <a:spcPts val="0"/>
               </a:spcBef>
@@ -4900,7 +4959,7 @@
               <a:buChar char="●"/>
               <a:defRPr/>
             </a:lvl1pPr>
-            <a:lvl2pPr indent="-298450" lvl="1" marL="914400">
+            <a:lvl2pPr marL="914400" lvl="1" indent="-298450">
               <a:spcBef>
                 <a:spcPts val="0"/>
               </a:spcBef>
@@ -4911,7 +4970,7 @@
               <a:buChar char="○"/>
               <a:defRPr/>
             </a:lvl2pPr>
-            <a:lvl3pPr indent="-298450" lvl="2" marL="1371600">
+            <a:lvl3pPr marL="1371600" lvl="2" indent="-298450">
               <a:spcBef>
                 <a:spcPts val="0"/>
               </a:spcBef>
@@ -4922,7 +4981,7 @@
               <a:buChar char="■"/>
               <a:defRPr/>
             </a:lvl3pPr>
-            <a:lvl4pPr indent="-298450" lvl="3" marL="1828800">
+            <a:lvl4pPr marL="1828800" lvl="3" indent="-298450">
               <a:spcBef>
                 <a:spcPts val="0"/>
               </a:spcBef>
@@ -4933,7 +4992,7 @@
               <a:buChar char="●"/>
               <a:defRPr/>
             </a:lvl4pPr>
-            <a:lvl5pPr indent="-298450" lvl="4" marL="2286000">
+            <a:lvl5pPr marL="2286000" lvl="4" indent="-298450">
               <a:spcBef>
                 <a:spcPts val="0"/>
               </a:spcBef>
@@ -4944,7 +5003,7 @@
               <a:buChar char="○"/>
               <a:defRPr/>
             </a:lvl5pPr>
-            <a:lvl6pPr indent="-298450" lvl="5" marL="2743200">
+            <a:lvl6pPr marL="2743200" lvl="5" indent="-298450">
               <a:spcBef>
                 <a:spcPts val="0"/>
               </a:spcBef>
@@ -4955,7 +5014,7 @@
               <a:buChar char="■"/>
               <a:defRPr/>
             </a:lvl6pPr>
-            <a:lvl7pPr indent="-298450" lvl="6" marL="3200400">
+            <a:lvl7pPr marL="3200400" lvl="6" indent="-298450">
               <a:spcBef>
                 <a:spcPts val="0"/>
               </a:spcBef>
@@ -4966,7 +5025,7 @@
               <a:buChar char="●"/>
               <a:defRPr/>
             </a:lvl7pPr>
-            <a:lvl8pPr indent="-298450" lvl="7" marL="3657600">
+            <a:lvl8pPr marL="3657600" lvl="7" indent="-298450">
               <a:spcBef>
                 <a:spcPts val="0"/>
               </a:spcBef>
@@ -4977,7 +5036,7 @@
               <a:buChar char="○"/>
               <a:defRPr/>
             </a:lvl8pPr>
-            <a:lvl9pPr indent="-298450" lvl="8" marL="4114800">
+            <a:lvl9pPr marL="4114800" lvl="8" indent="-298450">
               <a:spcBef>
                 <a:spcPts val="0"/>
               </a:spcBef>
@@ -4989,15 +5048,19 @@
               <a:defRPr/>
             </a:lvl9pPr>
           </a:lstStyle>
-          <a:p/>
+          <a:p>
+            <a:endParaRPr/>
+          </a:p>
         </p:txBody>
       </p:sp>
       <p:sp>
         <p:nvSpPr>
           <p:cNvPr id="54" name="Google Shape;54;p7"/>
-          <p:cNvSpPr txBox="1"/>
+          <p:cNvSpPr txBox="1">
+            <a:spLocks noGrp="1"/>
+          </p:cNvSpPr>
           <p:nvPr>
-            <p:ph idx="12" type="sldNum"/>
+            <p:ph type="sldNum" idx="12"/>
           </p:nvPr>
         </p:nvSpPr>
         <p:spPr>
@@ -5010,7 +5073,7 @@
           </a:prstGeom>
         </p:spPr>
         <p:txBody>
-          <a:bodyPr anchorCtr="0" anchor="ctr" bIns="91425" lIns="91425" spcFirstLastPara="1" rIns="91425" wrap="square" tIns="91425">
+          <a:bodyPr spcFirstLastPara="1" wrap="square" lIns="91425" tIns="91425" rIns="91425" bIns="91425" anchor="ctr" anchorCtr="0">
             <a:normAutofit/>
           </a:bodyPr>
           <a:lstStyle>
@@ -5052,7 +5115,7 @@
             </a:lvl9pPr>
           </a:lstStyle>
           <a:p>
-            <a:pPr indent="0" lvl="0" marL="0" rtl="0" algn="r">
+            <a:pPr marL="0" lvl="0" indent="0" algn="r" rtl="0">
               <a:spcBef>
                 <a:spcPts val="0"/>
               </a:spcBef>
@@ -5078,18 +5141,19 @@
 </file>
 
 <file path=ppt/slideLayouts/slideLayout7.xml><?xml version="1.0" encoding="utf-8"?>
-<p:sldLayout xmlns:a="http://schemas.openxmlformats.org/drawingml/2006/main" xmlns:r="http://schemas.openxmlformats.org/officeDocument/2006/relationships" xmlns:mc="http://schemas.openxmlformats.org/markup-compatibility/2006" xmlns:mv="urn:schemas-microsoft-com:mac:vml" xmlns:p="http://schemas.openxmlformats.org/presentationml/2006/main" xmlns:c="http://schemas.openxmlformats.org/drawingml/2006/chart" xmlns:dgm="http://schemas.openxmlformats.org/drawingml/2006/diagram" xmlns:o="urn:schemas-microsoft-com:office:office" xmlns:v="urn:schemas-microsoft-com:vml" xmlns:pvml="urn:schemas-microsoft-com:office:powerpoint" xmlns:com="http://schemas.openxmlformats.org/drawingml/2006/compatibility" xmlns:p14="http://schemas.microsoft.com/office/powerpoint/2010/main" xmlns:p15="http://schemas.microsoft.com/office/powerpoint/2012/main" xmlns:ahyp="http://schemas.microsoft.com/office/drawing/2018/hyperlinkcolor" matchingName="Main point">
+<p:sldLayout xmlns:a="http://schemas.openxmlformats.org/drawingml/2006/main" xmlns:r="http://schemas.openxmlformats.org/officeDocument/2006/relationships" xmlns:p="http://schemas.openxmlformats.org/presentationml/2006/main" matchingName="Main point">
   <p:cSld name="MAIN_POINT">
     <p:bg>
       <p:bgPr>
         <a:solidFill>
           <a:schemeClr val="accent3"/>
         </a:solidFill>
+        <a:effectLst/>
       </p:bgPr>
     </p:bg>
     <p:spTree>
       <p:nvGrpSpPr>
-        <p:cNvPr id="55" name="Shape 55"/>
+        <p:cNvPr id="1" name="Shape 55"/>
         <p:cNvGrpSpPr/>
         <p:nvPr/>
       </p:nvGrpSpPr>
@@ -5137,12 +5201,12 @@
             </a:ln>
           </p:spPr>
           <p:txBody>
-            <a:bodyPr anchorCtr="0" anchor="ctr" bIns="91425" lIns="91425" spcFirstLastPara="1" rIns="91425" wrap="square" tIns="91425">
+            <a:bodyPr spcFirstLastPara="1" wrap="square" lIns="91425" tIns="91425" rIns="91425" bIns="91425" anchor="ctr" anchorCtr="0">
               <a:noAutofit/>
             </a:bodyPr>
             <a:lstStyle/>
             <a:p>
-              <a:pPr indent="0" lvl="0" marL="0" rtl="0" algn="l">
+              <a:pPr marL="0" lvl="0" indent="0" algn="l" rtl="0">
                 <a:spcBef>
                   <a:spcPts val="0"/>
                 </a:spcBef>
@@ -5151,9 +5215,6 @@
                 </a:spcAft>
                 <a:buNone/>
               </a:pPr>
-              <a:r>
-                <a:t/>
-              </a:r>
               <a:endParaRPr/>
             </a:p>
           </p:txBody>
@@ -5180,12 +5241,12 @@
             </a:ln>
           </p:spPr>
           <p:txBody>
-            <a:bodyPr anchorCtr="0" anchor="ctr" bIns="91425" lIns="91425" spcFirstLastPara="1" rIns="91425" wrap="square" tIns="91425">
+            <a:bodyPr spcFirstLastPara="1" wrap="square" lIns="91425" tIns="91425" rIns="91425" bIns="91425" anchor="ctr" anchorCtr="0">
               <a:noAutofit/>
             </a:bodyPr>
             <a:lstStyle/>
             <a:p>
-              <a:pPr indent="0" lvl="0" marL="0" rtl="0" algn="l">
+              <a:pPr marL="0" lvl="0" indent="0" algn="l" rtl="0">
                 <a:spcBef>
                   <a:spcPts val="0"/>
                 </a:spcBef>
@@ -5194,9 +5255,6 @@
                 </a:spcAft>
                 <a:buNone/>
               </a:pPr>
-              <a:r>
-                <a:t/>
-              </a:r>
               <a:endParaRPr/>
             </a:p>
           </p:txBody>
@@ -5205,7 +5263,9 @@
       <p:sp>
         <p:nvSpPr>
           <p:cNvPr id="59" name="Google Shape;59;p8"/>
-          <p:cNvSpPr txBox="1"/>
+          <p:cNvSpPr txBox="1">
+            <a:spLocks noGrp="1"/>
+          </p:cNvSpPr>
           <p:nvPr>
             <p:ph type="title"/>
           </p:nvPr>
@@ -5220,7 +5280,7 @@
           </a:prstGeom>
         </p:spPr>
         <p:txBody>
-          <a:bodyPr anchorCtr="0" anchor="ctr" bIns="91425" lIns="91425" spcFirstLastPara="1" rIns="91425" wrap="square" tIns="91425">
+          <a:bodyPr spcFirstLastPara="1" wrap="square" lIns="91425" tIns="91425" rIns="91425" bIns="91425" anchor="ctr" anchorCtr="0">
             <a:normAutofit/>
           </a:bodyPr>
           <a:lstStyle>
@@ -5387,15 +5447,19 @@
               </a:defRPr>
             </a:lvl9pPr>
           </a:lstStyle>
-          <a:p/>
+          <a:p>
+            <a:endParaRPr/>
+          </a:p>
         </p:txBody>
       </p:sp>
       <p:sp>
         <p:nvSpPr>
           <p:cNvPr id="60" name="Google Shape;60;p8"/>
-          <p:cNvSpPr txBox="1"/>
+          <p:cNvSpPr txBox="1">
+            <a:spLocks noGrp="1"/>
+          </p:cNvSpPr>
           <p:nvPr>
-            <p:ph idx="12" type="sldNum"/>
+            <p:ph type="sldNum" idx="12"/>
           </p:nvPr>
         </p:nvSpPr>
         <p:spPr>
@@ -5408,7 +5472,7 @@
           </a:prstGeom>
         </p:spPr>
         <p:txBody>
-          <a:bodyPr anchorCtr="0" anchor="ctr" bIns="91425" lIns="91425" spcFirstLastPara="1" rIns="91425" wrap="square" tIns="91425">
+          <a:bodyPr spcFirstLastPara="1" wrap="square" lIns="91425" tIns="91425" rIns="91425" bIns="91425" anchor="ctr" anchorCtr="0">
             <a:normAutofit/>
           </a:bodyPr>
           <a:lstStyle>
@@ -5486,7 +5550,7 @@
             </a:lvl9pPr>
           </a:lstStyle>
           <a:p>
-            <a:pPr indent="0" lvl="0" marL="0" rtl="0" algn="r">
+            <a:pPr marL="0" lvl="0" indent="0" algn="r" rtl="0">
               <a:spcBef>
                 <a:spcPts val="0"/>
               </a:spcBef>
@@ -5512,11 +5576,11 @@
 </file>
 
 <file path=ppt/slideLayouts/slideLayout8.xml><?xml version="1.0" encoding="utf-8"?>
-<p:sldLayout xmlns:a="http://schemas.openxmlformats.org/drawingml/2006/main" xmlns:r="http://schemas.openxmlformats.org/officeDocument/2006/relationships" xmlns:mc="http://schemas.openxmlformats.org/markup-compatibility/2006" xmlns:mv="urn:schemas-microsoft-com:mac:vml" xmlns:p="http://schemas.openxmlformats.org/presentationml/2006/main" xmlns:c="http://schemas.openxmlformats.org/drawingml/2006/chart" xmlns:dgm="http://schemas.openxmlformats.org/drawingml/2006/diagram" xmlns:o="urn:schemas-microsoft-com:office:office" xmlns:v="urn:schemas-microsoft-com:vml" xmlns:pvml="urn:schemas-microsoft-com:office:powerpoint" xmlns:com="http://schemas.openxmlformats.org/drawingml/2006/compatibility" xmlns:p14="http://schemas.microsoft.com/office/powerpoint/2010/main" xmlns:p15="http://schemas.microsoft.com/office/powerpoint/2012/main" xmlns:ahyp="http://schemas.microsoft.com/office/drawing/2018/hyperlinkcolor" matchingName="Section title and description">
+<p:sldLayout xmlns:a="http://schemas.openxmlformats.org/drawingml/2006/main" xmlns:r="http://schemas.openxmlformats.org/officeDocument/2006/relationships" xmlns:p="http://schemas.openxmlformats.org/presentationml/2006/main" matchingName="Section title and description">
   <p:cSld name="SECTION_TITLE_AND_DESCRIPTION">
     <p:spTree>
       <p:nvGrpSpPr>
-        <p:cNvPr id="61" name="Shape 61"/>
+        <p:cNvPr id="1" name="Shape 61"/>
         <p:cNvGrpSpPr/>
         <p:nvPr/>
       </p:nvGrpSpPr>
@@ -5550,12 +5614,12 @@
           </a:ln>
         </p:spPr>
         <p:txBody>
-          <a:bodyPr anchorCtr="0" anchor="ctr" bIns="91425" lIns="91425" spcFirstLastPara="1" rIns="91425" wrap="square" tIns="91425">
+          <a:bodyPr spcFirstLastPara="1" wrap="square" lIns="91425" tIns="91425" rIns="91425" bIns="91425" anchor="ctr" anchorCtr="0">
             <a:noAutofit/>
           </a:bodyPr>
           <a:lstStyle/>
           <a:p>
-            <a:pPr indent="0" lvl="0" marL="0" rtl="0" algn="l">
+            <a:pPr marL="0" lvl="0" indent="0" algn="l" rtl="0">
               <a:spcBef>
                 <a:spcPts val="0"/>
               </a:spcBef>
@@ -5564,9 +5628,6 @@
               </a:spcAft>
               <a:buNone/>
             </a:pPr>
-            <a:r>
-              <a:t/>
-            </a:r>
             <a:endParaRPr/>
           </a:p>
         </p:txBody>
@@ -5607,12 +5668,12 @@
             </a:ln>
           </p:spPr>
           <p:txBody>
-            <a:bodyPr anchorCtr="0" anchor="ctr" bIns="91425" lIns="91425" spcFirstLastPara="1" rIns="91425" wrap="square" tIns="91425">
+            <a:bodyPr spcFirstLastPara="1" wrap="square" lIns="91425" tIns="91425" rIns="91425" bIns="91425" anchor="ctr" anchorCtr="0">
               <a:noAutofit/>
             </a:bodyPr>
             <a:lstStyle/>
             <a:p>
-              <a:pPr indent="0" lvl="0" marL="0" rtl="0" algn="l">
+              <a:pPr marL="0" lvl="0" indent="0" algn="l" rtl="0">
                 <a:spcBef>
                   <a:spcPts val="0"/>
                 </a:spcBef>
@@ -5621,9 +5682,6 @@
                 </a:spcAft>
                 <a:buNone/>
               </a:pPr>
-              <a:r>
-                <a:t/>
-              </a:r>
               <a:endParaRPr/>
             </a:p>
           </p:txBody>
@@ -5650,12 +5708,12 @@
             </a:ln>
           </p:spPr>
           <p:txBody>
-            <a:bodyPr anchorCtr="0" anchor="ctr" bIns="91425" lIns="91425" spcFirstLastPara="1" rIns="91425" wrap="square" tIns="91425">
+            <a:bodyPr spcFirstLastPara="1" wrap="square" lIns="91425" tIns="91425" rIns="91425" bIns="91425" anchor="ctr" anchorCtr="0">
               <a:noAutofit/>
             </a:bodyPr>
             <a:lstStyle/>
             <a:p>
-              <a:pPr indent="0" lvl="0" marL="0" rtl="0" algn="l">
+              <a:pPr marL="0" lvl="0" indent="0" algn="l" rtl="0">
                 <a:spcBef>
                   <a:spcPts val="0"/>
                 </a:spcBef>
@@ -5664,9 +5722,6 @@
                 </a:spcAft>
                 <a:buNone/>
               </a:pPr>
-              <a:r>
-                <a:t/>
-              </a:r>
               <a:endParaRPr/>
             </a:p>
           </p:txBody>
@@ -5675,7 +5730,9 @@
       <p:sp>
         <p:nvSpPr>
           <p:cNvPr id="66" name="Google Shape;66;p9"/>
-          <p:cNvSpPr txBox="1"/>
+          <p:cNvSpPr txBox="1">
+            <a:spLocks noGrp="1"/>
+          </p:cNvSpPr>
           <p:nvPr>
             <p:ph type="title"/>
           </p:nvPr>
@@ -5690,7 +5747,7 @@
           </a:prstGeom>
         </p:spPr>
         <p:txBody>
-          <a:bodyPr anchorCtr="0" anchor="t" bIns="91425" lIns="91425" spcFirstLastPara="1" rIns="91425" wrap="square" tIns="91425">
+          <a:bodyPr spcFirstLastPara="1" wrap="square" lIns="91425" tIns="91425" rIns="91425" bIns="91425" anchor="t" anchorCtr="0">
             <a:normAutofit/>
           </a:bodyPr>
           <a:lstStyle>
@@ -5794,15 +5851,19 @@
               <a:defRPr sz="2600"/>
             </a:lvl9pPr>
           </a:lstStyle>
-          <a:p/>
+          <a:p>
+            <a:endParaRPr/>
+          </a:p>
         </p:txBody>
       </p:sp>
       <p:sp>
         <p:nvSpPr>
           <p:cNvPr id="67" name="Google Shape;67;p9"/>
-          <p:cNvSpPr txBox="1"/>
+          <p:cNvSpPr txBox="1">
+            <a:spLocks noGrp="1"/>
+          </p:cNvSpPr>
           <p:nvPr>
-            <p:ph idx="1" type="subTitle"/>
+            <p:ph type="subTitle" idx="1"/>
           </p:nvPr>
         </p:nvSpPr>
         <p:spPr>
@@ -5815,7 +5876,7 @@
           </a:prstGeom>
         </p:spPr>
         <p:txBody>
-          <a:bodyPr anchorCtr="0" anchor="t" bIns="91425" lIns="91425" spcFirstLastPara="1" rIns="91425" wrap="square" tIns="91425">
+          <a:bodyPr spcFirstLastPara="1" wrap="square" lIns="91425" tIns="91425" rIns="91425" bIns="91425" anchor="t" anchorCtr="0">
             <a:normAutofit/>
           </a:bodyPr>
           <a:lstStyle>
@@ -5946,15 +6007,19 @@
               <a:defRPr sz="1600"/>
             </a:lvl9pPr>
           </a:lstStyle>
-          <a:p/>
+          <a:p>
+            <a:endParaRPr/>
+          </a:p>
         </p:txBody>
       </p:sp>
       <p:sp>
         <p:nvSpPr>
           <p:cNvPr id="68" name="Google Shape;68;p9"/>
-          <p:cNvSpPr txBox="1"/>
+          <p:cNvSpPr txBox="1">
+            <a:spLocks noGrp="1"/>
+          </p:cNvSpPr>
           <p:nvPr>
-            <p:ph idx="2" type="body"/>
+            <p:ph type="body" idx="2"/>
           </p:nvPr>
         </p:nvSpPr>
         <p:spPr>
@@ -5967,11 +6032,11 @@
           </a:prstGeom>
         </p:spPr>
         <p:txBody>
-          <a:bodyPr anchorCtr="0" anchor="t" bIns="91425" lIns="91425" spcFirstLastPara="1" rIns="91425" wrap="square" tIns="91425">
+          <a:bodyPr spcFirstLastPara="1" wrap="square" lIns="91425" tIns="91425" rIns="91425" bIns="91425" anchor="t" anchorCtr="0">
             <a:normAutofit/>
           </a:bodyPr>
           <a:lstStyle>
-            <a:lvl1pPr indent="-311150" lvl="0" marL="457200">
+            <a:lvl1pPr marL="457200" lvl="0" indent="-311150">
               <a:spcBef>
                 <a:spcPts val="0"/>
               </a:spcBef>
@@ -5982,7 +6047,7 @@
               <a:buChar char="●"/>
               <a:defRPr/>
             </a:lvl1pPr>
-            <a:lvl2pPr indent="-298450" lvl="1" marL="914400">
+            <a:lvl2pPr marL="914400" lvl="1" indent="-298450">
               <a:spcBef>
                 <a:spcPts val="0"/>
               </a:spcBef>
@@ -5993,7 +6058,7 @@
               <a:buChar char="○"/>
               <a:defRPr/>
             </a:lvl2pPr>
-            <a:lvl3pPr indent="-298450" lvl="2" marL="1371600">
+            <a:lvl3pPr marL="1371600" lvl="2" indent="-298450">
               <a:spcBef>
                 <a:spcPts val="0"/>
               </a:spcBef>
@@ -6004,7 +6069,7 @@
               <a:buChar char="■"/>
               <a:defRPr/>
             </a:lvl3pPr>
-            <a:lvl4pPr indent="-298450" lvl="3" marL="1828800">
+            <a:lvl4pPr marL="1828800" lvl="3" indent="-298450">
               <a:spcBef>
                 <a:spcPts val="0"/>
               </a:spcBef>
@@ -6015,7 +6080,7 @@
               <a:buChar char="●"/>
               <a:defRPr/>
             </a:lvl4pPr>
-            <a:lvl5pPr indent="-298450" lvl="4" marL="2286000">
+            <a:lvl5pPr marL="2286000" lvl="4" indent="-298450">
               <a:spcBef>
                 <a:spcPts val="0"/>
               </a:spcBef>
@@ -6026,7 +6091,7 @@
               <a:buChar char="○"/>
               <a:defRPr/>
             </a:lvl5pPr>
-            <a:lvl6pPr indent="-298450" lvl="5" marL="2743200">
+            <a:lvl6pPr marL="2743200" lvl="5" indent="-298450">
               <a:spcBef>
                 <a:spcPts val="0"/>
               </a:spcBef>
@@ -6037,7 +6102,7 @@
               <a:buChar char="■"/>
               <a:defRPr/>
             </a:lvl6pPr>
-            <a:lvl7pPr indent="-298450" lvl="6" marL="3200400">
+            <a:lvl7pPr marL="3200400" lvl="6" indent="-298450">
               <a:spcBef>
                 <a:spcPts val="0"/>
               </a:spcBef>
@@ -6048,7 +6113,7 @@
               <a:buChar char="●"/>
               <a:defRPr/>
             </a:lvl7pPr>
-            <a:lvl8pPr indent="-298450" lvl="7" marL="3657600">
+            <a:lvl8pPr marL="3657600" lvl="7" indent="-298450">
               <a:spcBef>
                 <a:spcPts val="0"/>
               </a:spcBef>
@@ -6059,7 +6124,7 @@
               <a:buChar char="○"/>
               <a:defRPr/>
             </a:lvl8pPr>
-            <a:lvl9pPr indent="-298450" lvl="8" marL="4114800">
+            <a:lvl9pPr marL="4114800" lvl="8" indent="-298450">
               <a:spcBef>
                 <a:spcPts val="0"/>
               </a:spcBef>
@@ -6071,15 +6136,19 @@
               <a:defRPr/>
             </a:lvl9pPr>
           </a:lstStyle>
-          <a:p/>
+          <a:p>
+            <a:endParaRPr/>
+          </a:p>
         </p:txBody>
       </p:sp>
       <p:sp>
         <p:nvSpPr>
           <p:cNvPr id="69" name="Google Shape;69;p9"/>
-          <p:cNvSpPr txBox="1"/>
+          <p:cNvSpPr txBox="1">
+            <a:spLocks noGrp="1"/>
+          </p:cNvSpPr>
           <p:nvPr>
-            <p:ph idx="12" type="sldNum"/>
+            <p:ph type="sldNum" idx="12"/>
           </p:nvPr>
         </p:nvSpPr>
         <p:spPr>
@@ -6092,7 +6161,7 @@
           </a:prstGeom>
         </p:spPr>
         <p:txBody>
-          <a:bodyPr anchorCtr="0" anchor="ctr" bIns="91425" lIns="91425" spcFirstLastPara="1" rIns="91425" wrap="square" tIns="91425">
+          <a:bodyPr spcFirstLastPara="1" wrap="square" lIns="91425" tIns="91425" rIns="91425" bIns="91425" anchor="ctr" anchorCtr="0">
             <a:normAutofit/>
           </a:bodyPr>
           <a:lstStyle>
@@ -6134,7 +6203,7 @@
             </a:lvl9pPr>
           </a:lstStyle>
           <a:p>
-            <a:pPr indent="0" lvl="0" marL="0" rtl="0" algn="r">
+            <a:pPr marL="0" lvl="0" indent="0" algn="r" rtl="0">
               <a:spcBef>
                 <a:spcPts val="0"/>
               </a:spcBef>
@@ -6160,11 +6229,11 @@
 </file>
 
 <file path=ppt/slideLayouts/slideLayout9.xml><?xml version="1.0" encoding="utf-8"?>
-<p:sldLayout xmlns:a="http://schemas.openxmlformats.org/drawingml/2006/main" xmlns:r="http://schemas.openxmlformats.org/officeDocument/2006/relationships" xmlns:mc="http://schemas.openxmlformats.org/markup-compatibility/2006" xmlns:mv="urn:schemas-microsoft-com:mac:vml" xmlns:p="http://schemas.openxmlformats.org/presentationml/2006/main" xmlns:c="http://schemas.openxmlformats.org/drawingml/2006/chart" xmlns:dgm="http://schemas.openxmlformats.org/drawingml/2006/diagram" xmlns:o="urn:schemas-microsoft-com:office:office" xmlns:v="urn:schemas-microsoft-com:vml" xmlns:pvml="urn:schemas-microsoft-com:office:powerpoint" xmlns:com="http://schemas.openxmlformats.org/drawingml/2006/compatibility" xmlns:p14="http://schemas.microsoft.com/office/powerpoint/2010/main" xmlns:p15="http://schemas.microsoft.com/office/powerpoint/2012/main" xmlns:ahyp="http://schemas.microsoft.com/office/drawing/2018/hyperlinkcolor" matchingName="Caption">
+<p:sldLayout xmlns:a="http://schemas.openxmlformats.org/drawingml/2006/main" xmlns:r="http://schemas.openxmlformats.org/officeDocument/2006/relationships" xmlns:p="http://schemas.openxmlformats.org/presentationml/2006/main" matchingName="Caption">
   <p:cSld name="CAPTION_ONLY">
     <p:spTree>
       <p:nvGrpSpPr>
-        <p:cNvPr id="70" name="Shape 70"/>
+        <p:cNvPr id="1" name="Shape 70"/>
         <p:cNvGrpSpPr/>
         <p:nvPr/>
       </p:nvGrpSpPr>
@@ -6179,9 +6248,11 @@
       <p:sp>
         <p:nvSpPr>
           <p:cNvPr id="71" name="Google Shape;71;p10"/>
-          <p:cNvSpPr txBox="1"/>
+          <p:cNvSpPr txBox="1">
+            <a:spLocks noGrp="1"/>
+          </p:cNvSpPr>
           <p:nvPr>
-            <p:ph idx="1" type="body"/>
+            <p:ph type="body" idx="1"/>
           </p:nvPr>
         </p:nvSpPr>
         <p:spPr>
@@ -6194,11 +6265,11 @@
           </a:prstGeom>
         </p:spPr>
         <p:txBody>
-          <a:bodyPr anchorCtr="0" anchor="ctr" bIns="91425" lIns="91425" spcFirstLastPara="1" rIns="91425" wrap="square" tIns="91425">
+          <a:bodyPr spcFirstLastPara="1" wrap="square" lIns="91425" tIns="91425" rIns="91425" bIns="91425" anchor="ctr" anchorCtr="0">
             <a:normAutofit/>
           </a:bodyPr>
           <a:lstStyle>
-            <a:lvl1pPr indent="-228600" lvl="0" marL="457200">
+            <a:lvl1pPr marL="457200" lvl="0" indent="-228600">
               <a:lnSpc>
                 <a:spcPct val="100000"/>
               </a:lnSpc>
@@ -6213,15 +6284,19 @@
               <a:defRPr/>
             </a:lvl1pPr>
           </a:lstStyle>
-          <a:p/>
+          <a:p>
+            <a:endParaRPr/>
+          </a:p>
         </p:txBody>
       </p:sp>
       <p:sp>
         <p:nvSpPr>
           <p:cNvPr id="72" name="Google Shape;72;p10"/>
-          <p:cNvSpPr txBox="1"/>
+          <p:cNvSpPr txBox="1">
+            <a:spLocks noGrp="1"/>
+          </p:cNvSpPr>
           <p:nvPr>
-            <p:ph idx="12" type="sldNum"/>
+            <p:ph type="sldNum" idx="12"/>
           </p:nvPr>
         </p:nvSpPr>
         <p:spPr>
@@ -6234,7 +6309,7 @@
           </a:prstGeom>
         </p:spPr>
         <p:txBody>
-          <a:bodyPr anchorCtr="0" anchor="ctr" bIns="91425" lIns="91425" spcFirstLastPara="1" rIns="91425" wrap="square" tIns="91425">
+          <a:bodyPr spcFirstLastPara="1" wrap="square" lIns="91425" tIns="91425" rIns="91425" bIns="91425" anchor="ctr" anchorCtr="0">
             <a:normAutofit/>
           </a:bodyPr>
           <a:lstStyle>
@@ -6276,7 +6351,7 @@
             </a:lvl9pPr>
           </a:lstStyle>
           <a:p>
-            <a:pPr indent="0" lvl="0" marL="0" rtl="0" algn="r">
+            <a:pPr marL="0" lvl="0" indent="0" algn="r" rtl="0">
               <a:spcBef>
                 <a:spcPts val="0"/>
               </a:spcBef>
@@ -6302,18 +6377,19 @@
 </file>
 
 <file path=ppt/slideMasters/slideMaster1.xml><?xml version="1.0" encoding="utf-8"?>
-<p:sldMaster xmlns:a="http://schemas.openxmlformats.org/drawingml/2006/main" xmlns:r="http://schemas.openxmlformats.org/officeDocument/2006/relationships" xmlns:mc="http://schemas.openxmlformats.org/markup-compatibility/2006" xmlns:mv="urn:schemas-microsoft-com:mac:vml" xmlns:p="http://schemas.openxmlformats.org/presentationml/2006/main" xmlns:c="http://schemas.openxmlformats.org/drawingml/2006/chart" xmlns:dgm="http://schemas.openxmlformats.org/drawingml/2006/diagram" xmlns:o="urn:schemas-microsoft-com:office:office" xmlns:v="urn:schemas-microsoft-com:vml" xmlns:pvml="urn:schemas-microsoft-com:office:powerpoint" xmlns:com="http://schemas.openxmlformats.org/drawingml/2006/compatibility" xmlns:p14="http://schemas.microsoft.com/office/powerpoint/2010/main" xmlns:p15="http://schemas.microsoft.com/office/powerpoint/2012/main" xmlns:ahyp="http://schemas.microsoft.com/office/drawing/2018/hyperlinkcolor">
+<p:sldMaster xmlns:a="http://schemas.openxmlformats.org/drawingml/2006/main" xmlns:r="http://schemas.openxmlformats.org/officeDocument/2006/relationships" xmlns:p="http://schemas.openxmlformats.org/presentationml/2006/main">
   <p:cSld name="streamline">
     <p:bg>
       <p:bgPr>
         <a:solidFill>
           <a:schemeClr val="lt1"/>
         </a:solidFill>
+        <a:effectLst/>
       </p:bgPr>
     </p:bg>
     <p:spTree>
       <p:nvGrpSpPr>
-        <p:cNvPr id="5" name="Shape 5"/>
+        <p:cNvPr id="1" name="Shape 5"/>
         <p:cNvGrpSpPr/>
         <p:nvPr/>
       </p:nvGrpSpPr>
@@ -6328,7 +6404,9 @@
       <p:sp>
         <p:nvSpPr>
           <p:cNvPr id="6" name="Google Shape;6;p1"/>
-          <p:cNvSpPr txBox="1"/>
+          <p:cNvSpPr txBox="1">
+            <a:spLocks noGrp="1"/>
+          </p:cNvSpPr>
           <p:nvPr>
             <p:ph type="title"/>
           </p:nvPr>
@@ -6347,7 +6425,7 @@
           </a:ln>
         </p:spPr>
         <p:txBody>
-          <a:bodyPr anchorCtr="0" anchor="t" bIns="91425" lIns="91425" spcFirstLastPara="1" rIns="91425" wrap="square" tIns="91425">
+          <a:bodyPr spcFirstLastPara="1" wrap="square" lIns="91425" tIns="91425" rIns="91425" bIns="91425" anchor="t" anchorCtr="0">
             <a:normAutofit/>
           </a:bodyPr>
           <a:lstStyle>
@@ -6364,7 +6442,7 @@
               <a:buSzPts val="2800"/>
               <a:buFont typeface="Raleway"/>
               <a:buNone/>
-              <a:defRPr b="1" sz="2800">
+              <a:defRPr sz="2800" b="1">
                 <a:solidFill>
                   <a:schemeClr val="dk2"/>
                 </a:solidFill>
@@ -6387,7 +6465,7 @@
               <a:buSzPts val="2800"/>
               <a:buFont typeface="Raleway"/>
               <a:buNone/>
-              <a:defRPr b="1" sz="2800">
+              <a:defRPr sz="2800" b="1">
                 <a:solidFill>
                   <a:schemeClr val="dk2"/>
                 </a:solidFill>
@@ -6410,7 +6488,7 @@
               <a:buSzPts val="2800"/>
               <a:buFont typeface="Raleway"/>
               <a:buNone/>
-              <a:defRPr b="1" sz="2800">
+              <a:defRPr sz="2800" b="1">
                 <a:solidFill>
                   <a:schemeClr val="dk2"/>
                 </a:solidFill>
@@ -6433,7 +6511,7 @@
               <a:buSzPts val="2800"/>
               <a:buFont typeface="Raleway"/>
               <a:buNone/>
-              <a:defRPr b="1" sz="2800">
+              <a:defRPr sz="2800" b="1">
                 <a:solidFill>
                   <a:schemeClr val="dk2"/>
                 </a:solidFill>
@@ -6456,7 +6534,7 @@
               <a:buSzPts val="2800"/>
               <a:buFont typeface="Raleway"/>
               <a:buNone/>
-              <a:defRPr b="1" sz="2800">
+              <a:defRPr sz="2800" b="1">
                 <a:solidFill>
                   <a:schemeClr val="dk2"/>
                 </a:solidFill>
@@ -6479,7 +6557,7 @@
               <a:buSzPts val="2800"/>
               <a:buFont typeface="Raleway"/>
               <a:buNone/>
-              <a:defRPr b="1" sz="2800">
+              <a:defRPr sz="2800" b="1">
                 <a:solidFill>
                   <a:schemeClr val="dk2"/>
                 </a:solidFill>
@@ -6502,7 +6580,7 @@
               <a:buSzPts val="2800"/>
               <a:buFont typeface="Raleway"/>
               <a:buNone/>
-              <a:defRPr b="1" sz="2800">
+              <a:defRPr sz="2800" b="1">
                 <a:solidFill>
                   <a:schemeClr val="dk2"/>
                 </a:solidFill>
@@ -6525,7 +6603,7 @@
               <a:buSzPts val="2800"/>
               <a:buFont typeface="Raleway"/>
               <a:buNone/>
-              <a:defRPr b="1" sz="2800">
+              <a:defRPr sz="2800" b="1">
                 <a:solidFill>
                   <a:schemeClr val="dk2"/>
                 </a:solidFill>
@@ -6548,7 +6626,7 @@
               <a:buSzPts val="2800"/>
               <a:buFont typeface="Raleway"/>
               <a:buNone/>
-              <a:defRPr b="1" sz="2800">
+              <a:defRPr sz="2800" b="1">
                 <a:solidFill>
                   <a:schemeClr val="dk2"/>
                 </a:solidFill>
@@ -6559,15 +6637,19 @@
               </a:defRPr>
             </a:lvl9pPr>
           </a:lstStyle>
-          <a:p/>
+          <a:p>
+            <a:endParaRPr/>
+          </a:p>
         </p:txBody>
       </p:sp>
       <p:sp>
         <p:nvSpPr>
           <p:cNvPr id="7" name="Google Shape;7;p1"/>
-          <p:cNvSpPr txBox="1"/>
+          <p:cNvSpPr txBox="1">
+            <a:spLocks noGrp="1"/>
+          </p:cNvSpPr>
           <p:nvPr>
-            <p:ph idx="1" type="body"/>
+            <p:ph type="body" idx="1"/>
           </p:nvPr>
         </p:nvSpPr>
         <p:spPr>
@@ -6584,11 +6666,11 @@
           </a:ln>
         </p:spPr>
         <p:txBody>
-          <a:bodyPr anchorCtr="0" anchor="t" bIns="91425" lIns="91425" spcFirstLastPara="1" rIns="91425" wrap="square" tIns="91425">
+          <a:bodyPr spcFirstLastPara="1" wrap="square" lIns="91425" tIns="91425" rIns="91425" bIns="91425" anchor="t" anchorCtr="0">
             <a:normAutofit/>
           </a:bodyPr>
           <a:lstStyle>
-            <a:lvl1pPr indent="-311150" lvl="0" marL="457200">
+            <a:lvl1pPr marL="457200" lvl="0" indent="-311150">
               <a:lnSpc>
                 <a:spcPct val="115000"/>
               </a:lnSpc>
@@ -6614,7 +6696,7 @@
                 <a:sym typeface="Lato"/>
               </a:defRPr>
             </a:lvl1pPr>
-            <a:lvl2pPr indent="-298450" lvl="1" marL="914400">
+            <a:lvl2pPr marL="914400" lvl="1" indent="-298450">
               <a:lnSpc>
                 <a:spcPct val="115000"/>
               </a:lnSpc>
@@ -6640,7 +6722,7 @@
                 <a:sym typeface="Lato"/>
               </a:defRPr>
             </a:lvl2pPr>
-            <a:lvl3pPr indent="-298450" lvl="2" marL="1371600">
+            <a:lvl3pPr marL="1371600" lvl="2" indent="-298450">
               <a:lnSpc>
                 <a:spcPct val="115000"/>
               </a:lnSpc>
@@ -6666,7 +6748,7 @@
                 <a:sym typeface="Lato"/>
               </a:defRPr>
             </a:lvl3pPr>
-            <a:lvl4pPr indent="-298450" lvl="3" marL="1828800">
+            <a:lvl4pPr marL="1828800" lvl="3" indent="-298450">
               <a:lnSpc>
                 <a:spcPct val="115000"/>
               </a:lnSpc>
@@ -6692,7 +6774,7 @@
                 <a:sym typeface="Lato"/>
               </a:defRPr>
             </a:lvl4pPr>
-            <a:lvl5pPr indent="-298450" lvl="4" marL="2286000">
+            <a:lvl5pPr marL="2286000" lvl="4" indent="-298450">
               <a:lnSpc>
                 <a:spcPct val="115000"/>
               </a:lnSpc>
@@ -6718,7 +6800,7 @@
                 <a:sym typeface="Lato"/>
               </a:defRPr>
             </a:lvl5pPr>
-            <a:lvl6pPr indent="-298450" lvl="5" marL="2743200">
+            <a:lvl6pPr marL="2743200" lvl="5" indent="-298450">
               <a:lnSpc>
                 <a:spcPct val="115000"/>
               </a:lnSpc>
@@ -6744,7 +6826,7 @@
                 <a:sym typeface="Lato"/>
               </a:defRPr>
             </a:lvl6pPr>
-            <a:lvl7pPr indent="-298450" lvl="6" marL="3200400">
+            <a:lvl7pPr marL="3200400" lvl="6" indent="-298450">
               <a:lnSpc>
                 <a:spcPct val="115000"/>
               </a:lnSpc>
@@ -6770,7 +6852,7 @@
                 <a:sym typeface="Lato"/>
               </a:defRPr>
             </a:lvl7pPr>
-            <a:lvl8pPr indent="-298450" lvl="7" marL="3657600">
+            <a:lvl8pPr marL="3657600" lvl="7" indent="-298450">
               <a:lnSpc>
                 <a:spcPct val="115000"/>
               </a:lnSpc>
@@ -6796,7 +6878,7 @@
                 <a:sym typeface="Lato"/>
               </a:defRPr>
             </a:lvl8pPr>
-            <a:lvl9pPr indent="-298450" lvl="8" marL="4114800">
+            <a:lvl9pPr marL="4114800" lvl="8" indent="-298450">
               <a:lnSpc>
                 <a:spcPct val="115000"/>
               </a:lnSpc>
@@ -6823,15 +6905,19 @@
               </a:defRPr>
             </a:lvl9pPr>
           </a:lstStyle>
-          <a:p/>
+          <a:p>
+            <a:endParaRPr/>
+          </a:p>
         </p:txBody>
       </p:sp>
       <p:sp>
         <p:nvSpPr>
           <p:cNvPr id="8" name="Google Shape;8;p1"/>
-          <p:cNvSpPr txBox="1"/>
+          <p:cNvSpPr txBox="1">
+            <a:spLocks noGrp="1"/>
+          </p:cNvSpPr>
           <p:nvPr>
-            <p:ph idx="12" type="sldNum"/>
+            <p:ph type="sldNum" idx="12"/>
           </p:nvPr>
         </p:nvSpPr>
         <p:spPr>
@@ -6848,7 +6934,7 @@
           </a:ln>
         </p:spPr>
         <p:txBody>
-          <a:bodyPr anchorCtr="0" anchor="ctr" bIns="91425" lIns="91425" spcFirstLastPara="1" rIns="91425" wrap="square" tIns="91425">
+          <a:bodyPr spcFirstLastPara="1" wrap="square" lIns="91425" tIns="91425" rIns="91425" bIns="91425" anchor="ctr" anchorCtr="0">
             <a:normAutofit/>
           </a:bodyPr>
           <a:lstStyle>
@@ -6962,7 +7048,7 @@
             </a:lvl9pPr>
           </a:lstStyle>
           <a:p>
-            <a:pPr indent="0" lvl="0" marL="0" rtl="0" algn="r">
+            <a:pPr marL="0" lvl="0" indent="0" algn="r" rtl="0">
               <a:spcBef>
                 <a:spcPts val="0"/>
               </a:spcBef>
@@ -6981,7 +7067,7 @@
       </p:sp>
     </p:spTree>
   </p:cSld>
-  <p:clrMap accent1="accent1" accent2="accent2" accent3="accent3" accent4="accent4" accent5="accent5" accent6="accent6" bg1="lt1" bg2="dk2" tx1="dk1" tx2="lt2" folHlink="folHlink" hlink="hlink"/>
+  <p:clrMap bg1="lt1" tx1="dk1" bg2="dk2" tx2="lt2" accent1="accent1" accent2="accent2" accent3="accent3" accent4="accent4" accent5="accent5" accent6="accent6" hlink="hlink" folHlink="folHlink"/>
   <p:sldLayoutIdLst>
     <p:sldLayoutId id="2147483648" r:id="rId1"/>
     <p:sldLayoutId id="2147483649" r:id="rId2"/>
@@ -6995,10 +7081,10 @@
     <p:sldLayoutId id="2147483657" r:id="rId10"/>
     <p:sldLayoutId id="2147483658" r:id="rId11"/>
   </p:sldLayoutIdLst>
-  <p:hf dt="0" ftr="0" hdr="0" sldNum="0"/>
+  <p:hf sldNum="0" hdr="0" ftr="0" dt="0"/>
   <p:txStyles>
     <p:titleStyle>
-      <a:defPPr lvl="0" marR="0" rtl="0" algn="l">
+      <a:defPPr marR="0" lvl="0" algn="l" rtl="0">
         <a:lnSpc>
           <a:spcPct val="100000"/>
         </a:lnSpc>
@@ -7009,7 +7095,7 @@
           <a:spcPts val="0"/>
         </a:spcAft>
       </a:defPPr>
-      <a:lvl1pPr lvl="0" marR="0" rtl="0" algn="l">
+      <a:lvl1pPr marR="0" lvl="0" algn="l" rtl="0">
         <a:lnSpc>
           <a:spcPct val="100000"/>
         </a:lnSpc>
@@ -7023,7 +7109,7 @@
           <a:srgbClr val="000000"/>
         </a:buClr>
         <a:buFont typeface="Arial"/>
-        <a:defRPr b="0" i="0" sz="1400" u="none" cap="none" strike="noStrike">
+        <a:defRPr sz="1400" b="0" i="0" u="none" strike="noStrike" cap="none">
           <a:solidFill>
             <a:srgbClr val="000000"/>
           </a:solidFill>
@@ -7033,7 +7119,7 @@
           <a:sym typeface="Arial"/>
         </a:defRPr>
       </a:lvl1pPr>
-      <a:lvl2pPr lvl="1" marR="0" rtl="0" algn="l">
+      <a:lvl2pPr marR="0" lvl="1" algn="l" rtl="0">
         <a:lnSpc>
           <a:spcPct val="100000"/>
         </a:lnSpc>
@@ -7047,7 +7133,7 @@
           <a:srgbClr val="000000"/>
         </a:buClr>
         <a:buFont typeface="Arial"/>
-        <a:defRPr b="0" i="0" sz="1400" u="none" cap="none" strike="noStrike">
+        <a:defRPr sz="1400" b="0" i="0" u="none" strike="noStrike" cap="none">
           <a:solidFill>
             <a:srgbClr val="000000"/>
           </a:solidFill>
@@ -7057,7 +7143,7 @@
           <a:sym typeface="Arial"/>
         </a:defRPr>
       </a:lvl2pPr>
-      <a:lvl3pPr lvl="2" marR="0" rtl="0" algn="l">
+      <a:lvl3pPr marR="0" lvl="2" algn="l" rtl="0">
         <a:lnSpc>
           <a:spcPct val="100000"/>
         </a:lnSpc>
@@ -7071,7 +7157,7 @@
           <a:srgbClr val="000000"/>
         </a:buClr>
         <a:buFont typeface="Arial"/>
-        <a:defRPr b="0" i="0" sz="1400" u="none" cap="none" strike="noStrike">
+        <a:defRPr sz="1400" b="0" i="0" u="none" strike="noStrike" cap="none">
           <a:solidFill>
             <a:srgbClr val="000000"/>
           </a:solidFill>
@@ -7081,7 +7167,7 @@
           <a:sym typeface="Arial"/>
         </a:defRPr>
       </a:lvl3pPr>
-      <a:lvl4pPr lvl="3" marR="0" rtl="0" algn="l">
+      <a:lvl4pPr marR="0" lvl="3" algn="l" rtl="0">
         <a:lnSpc>
           <a:spcPct val="100000"/>
         </a:lnSpc>
@@ -7095,7 +7181,7 @@
           <a:srgbClr val="000000"/>
         </a:buClr>
         <a:buFont typeface="Arial"/>
-        <a:defRPr b="0" i="0" sz="1400" u="none" cap="none" strike="noStrike">
+        <a:defRPr sz="1400" b="0" i="0" u="none" strike="noStrike" cap="none">
           <a:solidFill>
             <a:srgbClr val="000000"/>
           </a:solidFill>
@@ -7105,7 +7191,7 @@
           <a:sym typeface="Arial"/>
         </a:defRPr>
       </a:lvl4pPr>
-      <a:lvl5pPr lvl="4" marR="0" rtl="0" algn="l">
+      <a:lvl5pPr marR="0" lvl="4" algn="l" rtl="0">
         <a:lnSpc>
           <a:spcPct val="100000"/>
         </a:lnSpc>
@@ -7119,7 +7205,7 @@
           <a:srgbClr val="000000"/>
         </a:buClr>
         <a:buFont typeface="Arial"/>
-        <a:defRPr b="0" i="0" sz="1400" u="none" cap="none" strike="noStrike">
+        <a:defRPr sz="1400" b="0" i="0" u="none" strike="noStrike" cap="none">
           <a:solidFill>
             <a:srgbClr val="000000"/>
           </a:solidFill>
@@ -7129,7 +7215,7 @@
           <a:sym typeface="Arial"/>
         </a:defRPr>
       </a:lvl5pPr>
-      <a:lvl6pPr lvl="5" marR="0" rtl="0" algn="l">
+      <a:lvl6pPr marR="0" lvl="5" algn="l" rtl="0">
         <a:lnSpc>
           <a:spcPct val="100000"/>
         </a:lnSpc>
@@ -7143,7 +7229,7 @@
           <a:srgbClr val="000000"/>
         </a:buClr>
         <a:buFont typeface="Arial"/>
-        <a:defRPr b="0" i="0" sz="1400" u="none" cap="none" strike="noStrike">
+        <a:defRPr sz="1400" b="0" i="0" u="none" strike="noStrike" cap="none">
           <a:solidFill>
             <a:srgbClr val="000000"/>
           </a:solidFill>
@@ -7153,7 +7239,7 @@
           <a:sym typeface="Arial"/>
         </a:defRPr>
       </a:lvl6pPr>
-      <a:lvl7pPr lvl="6" marR="0" rtl="0" algn="l">
+      <a:lvl7pPr marR="0" lvl="6" algn="l" rtl="0">
         <a:lnSpc>
           <a:spcPct val="100000"/>
         </a:lnSpc>
@@ -7167,7 +7253,7 @@
           <a:srgbClr val="000000"/>
         </a:buClr>
         <a:buFont typeface="Arial"/>
-        <a:defRPr b="0" i="0" sz="1400" u="none" cap="none" strike="noStrike">
+        <a:defRPr sz="1400" b="0" i="0" u="none" strike="noStrike" cap="none">
           <a:solidFill>
             <a:srgbClr val="000000"/>
           </a:solidFill>
@@ -7177,7 +7263,7 @@
           <a:sym typeface="Arial"/>
         </a:defRPr>
       </a:lvl7pPr>
-      <a:lvl8pPr lvl="7" marR="0" rtl="0" algn="l">
+      <a:lvl8pPr marR="0" lvl="7" algn="l" rtl="0">
         <a:lnSpc>
           <a:spcPct val="100000"/>
         </a:lnSpc>
@@ -7191,7 +7277,7 @@
           <a:srgbClr val="000000"/>
         </a:buClr>
         <a:buFont typeface="Arial"/>
-        <a:defRPr b="0" i="0" sz="1400" u="none" cap="none" strike="noStrike">
+        <a:defRPr sz="1400" b="0" i="0" u="none" strike="noStrike" cap="none">
           <a:solidFill>
             <a:srgbClr val="000000"/>
           </a:solidFill>
@@ -7201,7 +7287,7 @@
           <a:sym typeface="Arial"/>
         </a:defRPr>
       </a:lvl8pPr>
-      <a:lvl9pPr lvl="8" marR="0" rtl="0" algn="l">
+      <a:lvl9pPr marR="0" lvl="8" algn="l" rtl="0">
         <a:lnSpc>
           <a:spcPct val="100000"/>
         </a:lnSpc>
@@ -7215,7 +7301,7 @@
           <a:srgbClr val="000000"/>
         </a:buClr>
         <a:buFont typeface="Arial"/>
-        <a:defRPr b="0" i="0" sz="1400" u="none" cap="none" strike="noStrike">
+        <a:defRPr sz="1400" b="0" i="0" u="none" strike="noStrike" cap="none">
           <a:solidFill>
             <a:srgbClr val="000000"/>
           </a:solidFill>
@@ -7227,7 +7313,7 @@
       </a:lvl9pPr>
     </p:titleStyle>
     <p:bodyStyle>
-      <a:defPPr lvl="0" marR="0" rtl="0" algn="l">
+      <a:defPPr marR="0" lvl="0" algn="l" rtl="0">
         <a:lnSpc>
           <a:spcPct val="100000"/>
         </a:lnSpc>
@@ -7238,7 +7324,7 @@
           <a:spcPts val="0"/>
         </a:spcAft>
       </a:defPPr>
-      <a:lvl1pPr lvl="0" marR="0" rtl="0" algn="l">
+      <a:lvl1pPr marR="0" lvl="0" algn="l" rtl="0">
         <a:lnSpc>
           <a:spcPct val="100000"/>
         </a:lnSpc>
@@ -7252,7 +7338,7 @@
           <a:srgbClr val="000000"/>
         </a:buClr>
         <a:buFont typeface="Arial"/>
-        <a:defRPr b="0" i="0" sz="1400" u="none" cap="none" strike="noStrike">
+        <a:defRPr sz="1400" b="0" i="0" u="none" strike="noStrike" cap="none">
           <a:solidFill>
             <a:srgbClr val="000000"/>
           </a:solidFill>
@@ -7262,7 +7348,7 @@
           <a:sym typeface="Arial"/>
         </a:defRPr>
       </a:lvl1pPr>
-      <a:lvl2pPr lvl="1" marR="0" rtl="0" algn="l">
+      <a:lvl2pPr marR="0" lvl="1" algn="l" rtl="0">
         <a:lnSpc>
           <a:spcPct val="100000"/>
         </a:lnSpc>
@@ -7276,7 +7362,7 @@
           <a:srgbClr val="000000"/>
         </a:buClr>
         <a:buFont typeface="Arial"/>
-        <a:defRPr b="0" i="0" sz="1400" u="none" cap="none" strike="noStrike">
+        <a:defRPr sz="1400" b="0" i="0" u="none" strike="noStrike" cap="none">
           <a:solidFill>
             <a:srgbClr val="000000"/>
           </a:solidFill>
@@ -7286,7 +7372,7 @@
           <a:sym typeface="Arial"/>
         </a:defRPr>
       </a:lvl2pPr>
-      <a:lvl3pPr lvl="2" marR="0" rtl="0" algn="l">
+      <a:lvl3pPr marR="0" lvl="2" algn="l" rtl="0">
         <a:lnSpc>
           <a:spcPct val="100000"/>
         </a:lnSpc>
@@ -7300,7 +7386,7 @@
           <a:srgbClr val="000000"/>
         </a:buClr>
         <a:buFont typeface="Arial"/>
-        <a:defRPr b="0" i="0" sz="1400" u="none" cap="none" strike="noStrike">
+        <a:defRPr sz="1400" b="0" i="0" u="none" strike="noStrike" cap="none">
           <a:solidFill>
             <a:srgbClr val="000000"/>
           </a:solidFill>
@@ -7310,7 +7396,7 @@
           <a:sym typeface="Arial"/>
         </a:defRPr>
       </a:lvl3pPr>
-      <a:lvl4pPr lvl="3" marR="0" rtl="0" algn="l">
+      <a:lvl4pPr marR="0" lvl="3" algn="l" rtl="0">
         <a:lnSpc>
           <a:spcPct val="100000"/>
         </a:lnSpc>
@@ -7324,7 +7410,7 @@
           <a:srgbClr val="000000"/>
         </a:buClr>
         <a:buFont typeface="Arial"/>
-        <a:defRPr b="0" i="0" sz="1400" u="none" cap="none" strike="noStrike">
+        <a:defRPr sz="1400" b="0" i="0" u="none" strike="noStrike" cap="none">
           <a:solidFill>
             <a:srgbClr val="000000"/>
           </a:solidFill>
@@ -7334,7 +7420,7 @@
           <a:sym typeface="Arial"/>
         </a:defRPr>
       </a:lvl4pPr>
-      <a:lvl5pPr lvl="4" marR="0" rtl="0" algn="l">
+      <a:lvl5pPr marR="0" lvl="4" algn="l" rtl="0">
         <a:lnSpc>
           <a:spcPct val="100000"/>
         </a:lnSpc>
@@ -7348,7 +7434,7 @@
           <a:srgbClr val="000000"/>
         </a:buClr>
         <a:buFont typeface="Arial"/>
-        <a:defRPr b="0" i="0" sz="1400" u="none" cap="none" strike="noStrike">
+        <a:defRPr sz="1400" b="0" i="0" u="none" strike="noStrike" cap="none">
           <a:solidFill>
             <a:srgbClr val="000000"/>
           </a:solidFill>
@@ -7358,7 +7444,7 @@
           <a:sym typeface="Arial"/>
         </a:defRPr>
       </a:lvl5pPr>
-      <a:lvl6pPr lvl="5" marR="0" rtl="0" algn="l">
+      <a:lvl6pPr marR="0" lvl="5" algn="l" rtl="0">
         <a:lnSpc>
           <a:spcPct val="100000"/>
         </a:lnSpc>
@@ -7372,7 +7458,7 @@
           <a:srgbClr val="000000"/>
         </a:buClr>
         <a:buFont typeface="Arial"/>
-        <a:defRPr b="0" i="0" sz="1400" u="none" cap="none" strike="noStrike">
+        <a:defRPr sz="1400" b="0" i="0" u="none" strike="noStrike" cap="none">
           <a:solidFill>
             <a:srgbClr val="000000"/>
           </a:solidFill>
@@ -7382,7 +7468,7 @@
           <a:sym typeface="Arial"/>
         </a:defRPr>
       </a:lvl6pPr>
-      <a:lvl7pPr lvl="6" marR="0" rtl="0" algn="l">
+      <a:lvl7pPr marR="0" lvl="6" algn="l" rtl="0">
         <a:lnSpc>
           <a:spcPct val="100000"/>
         </a:lnSpc>
@@ -7396,7 +7482,7 @@
           <a:srgbClr val="000000"/>
         </a:buClr>
         <a:buFont typeface="Arial"/>
-        <a:defRPr b="0" i="0" sz="1400" u="none" cap="none" strike="noStrike">
+        <a:defRPr sz="1400" b="0" i="0" u="none" strike="noStrike" cap="none">
           <a:solidFill>
             <a:srgbClr val="000000"/>
           </a:solidFill>
@@ -7406,7 +7492,7 @@
           <a:sym typeface="Arial"/>
         </a:defRPr>
       </a:lvl7pPr>
-      <a:lvl8pPr lvl="7" marR="0" rtl="0" algn="l">
+      <a:lvl8pPr marR="0" lvl="7" algn="l" rtl="0">
         <a:lnSpc>
           <a:spcPct val="100000"/>
         </a:lnSpc>
@@ -7420,7 +7506,7 @@
           <a:srgbClr val="000000"/>
         </a:buClr>
         <a:buFont typeface="Arial"/>
-        <a:defRPr b="0" i="0" sz="1400" u="none" cap="none" strike="noStrike">
+        <a:defRPr sz="1400" b="0" i="0" u="none" strike="noStrike" cap="none">
           <a:solidFill>
             <a:srgbClr val="000000"/>
           </a:solidFill>
@@ -7430,7 +7516,7 @@
           <a:sym typeface="Arial"/>
         </a:defRPr>
       </a:lvl8pPr>
-      <a:lvl9pPr lvl="8" marR="0" rtl="0" algn="l">
+      <a:lvl9pPr marR="0" lvl="8" algn="l" rtl="0">
         <a:lnSpc>
           <a:spcPct val="100000"/>
         </a:lnSpc>
@@ -7444,7 +7530,7 @@
           <a:srgbClr val="000000"/>
         </a:buClr>
         <a:buFont typeface="Arial"/>
-        <a:defRPr b="0" i="0" sz="1400" u="none" cap="none" strike="noStrike">
+        <a:defRPr sz="1400" b="0" i="0" u="none" strike="noStrike" cap="none">
           <a:solidFill>
             <a:srgbClr val="000000"/>
           </a:solidFill>
@@ -7456,7 +7542,7 @@
       </a:lvl9pPr>
     </p:bodyStyle>
     <p:otherStyle>
-      <a:defPPr lvl="0" marR="0" rtl="0" algn="l">
+      <a:defPPr marR="0" lvl="0" algn="l" rtl="0">
         <a:lnSpc>
           <a:spcPct val="100000"/>
         </a:lnSpc>
@@ -7467,7 +7553,7 @@
           <a:spcPts val="0"/>
         </a:spcAft>
       </a:defPPr>
-      <a:lvl1pPr lvl="0" marR="0" rtl="0" algn="l">
+      <a:lvl1pPr marR="0" lvl="0" algn="l" rtl="0">
         <a:lnSpc>
           <a:spcPct val="100000"/>
         </a:lnSpc>
@@ -7481,7 +7567,7 @@
           <a:srgbClr val="000000"/>
         </a:buClr>
         <a:buFont typeface="Arial"/>
-        <a:defRPr b="0" i="0" sz="1400" u="none" cap="none" strike="noStrike">
+        <a:defRPr sz="1400" b="0" i="0" u="none" strike="noStrike" cap="none">
           <a:solidFill>
             <a:srgbClr val="000000"/>
           </a:solidFill>
@@ -7491,7 +7577,7 @@
           <a:sym typeface="Arial"/>
         </a:defRPr>
       </a:lvl1pPr>
-      <a:lvl2pPr lvl="1" marR="0" rtl="0" algn="l">
+      <a:lvl2pPr marR="0" lvl="1" algn="l" rtl="0">
         <a:lnSpc>
           <a:spcPct val="100000"/>
         </a:lnSpc>
@@ -7505,7 +7591,7 @@
           <a:srgbClr val="000000"/>
         </a:buClr>
         <a:buFont typeface="Arial"/>
-        <a:defRPr b="0" i="0" sz="1400" u="none" cap="none" strike="noStrike">
+        <a:defRPr sz="1400" b="0" i="0" u="none" strike="noStrike" cap="none">
           <a:solidFill>
             <a:srgbClr val="000000"/>
           </a:solidFill>
@@ -7515,7 +7601,7 @@
           <a:sym typeface="Arial"/>
         </a:defRPr>
       </a:lvl2pPr>
-      <a:lvl3pPr lvl="2" marR="0" rtl="0" algn="l">
+      <a:lvl3pPr marR="0" lvl="2" algn="l" rtl="0">
         <a:lnSpc>
           <a:spcPct val="100000"/>
         </a:lnSpc>
@@ -7529,7 +7615,7 @@
           <a:srgbClr val="000000"/>
         </a:buClr>
         <a:buFont typeface="Arial"/>
-        <a:defRPr b="0" i="0" sz="1400" u="none" cap="none" strike="noStrike">
+        <a:defRPr sz="1400" b="0" i="0" u="none" strike="noStrike" cap="none">
           <a:solidFill>
             <a:srgbClr val="000000"/>
           </a:solidFill>
@@ -7539,7 +7625,7 @@
           <a:sym typeface="Arial"/>
         </a:defRPr>
       </a:lvl3pPr>
-      <a:lvl4pPr lvl="3" marR="0" rtl="0" algn="l">
+      <a:lvl4pPr marR="0" lvl="3" algn="l" rtl="0">
         <a:lnSpc>
           <a:spcPct val="100000"/>
         </a:lnSpc>
@@ -7553,7 +7639,7 @@
           <a:srgbClr val="000000"/>
         </a:buClr>
         <a:buFont typeface="Arial"/>
-        <a:defRPr b="0" i="0" sz="1400" u="none" cap="none" strike="noStrike">
+        <a:defRPr sz="1400" b="0" i="0" u="none" strike="noStrike" cap="none">
           <a:solidFill>
             <a:srgbClr val="000000"/>
           </a:solidFill>
@@ -7563,7 +7649,7 @@
           <a:sym typeface="Arial"/>
         </a:defRPr>
       </a:lvl4pPr>
-      <a:lvl5pPr lvl="4" marR="0" rtl="0" algn="l">
+      <a:lvl5pPr marR="0" lvl="4" algn="l" rtl="0">
         <a:lnSpc>
           <a:spcPct val="100000"/>
         </a:lnSpc>
@@ -7577,7 +7663,7 @@
           <a:srgbClr val="000000"/>
         </a:buClr>
         <a:buFont typeface="Arial"/>
-        <a:defRPr b="0" i="0" sz="1400" u="none" cap="none" strike="noStrike">
+        <a:defRPr sz="1400" b="0" i="0" u="none" strike="noStrike" cap="none">
           <a:solidFill>
             <a:srgbClr val="000000"/>
           </a:solidFill>
@@ -7587,7 +7673,7 @@
           <a:sym typeface="Arial"/>
         </a:defRPr>
       </a:lvl5pPr>
-      <a:lvl6pPr lvl="5" marR="0" rtl="0" algn="l">
+      <a:lvl6pPr marR="0" lvl="5" algn="l" rtl="0">
         <a:lnSpc>
           <a:spcPct val="100000"/>
         </a:lnSpc>
@@ -7601,7 +7687,7 @@
           <a:srgbClr val="000000"/>
         </a:buClr>
         <a:buFont typeface="Arial"/>
-        <a:defRPr b="0" i="0" sz="1400" u="none" cap="none" strike="noStrike">
+        <a:defRPr sz="1400" b="0" i="0" u="none" strike="noStrike" cap="none">
           <a:solidFill>
             <a:srgbClr val="000000"/>
           </a:solidFill>
@@ -7611,7 +7697,7 @@
           <a:sym typeface="Arial"/>
         </a:defRPr>
       </a:lvl6pPr>
-      <a:lvl7pPr lvl="6" marR="0" rtl="0" algn="l">
+      <a:lvl7pPr marR="0" lvl="6" algn="l" rtl="0">
         <a:lnSpc>
           <a:spcPct val="100000"/>
         </a:lnSpc>
@@ -7625,7 +7711,7 @@
           <a:srgbClr val="000000"/>
         </a:buClr>
         <a:buFont typeface="Arial"/>
-        <a:defRPr b="0" i="0" sz="1400" u="none" cap="none" strike="noStrike">
+        <a:defRPr sz="1400" b="0" i="0" u="none" strike="noStrike" cap="none">
           <a:solidFill>
             <a:srgbClr val="000000"/>
           </a:solidFill>
@@ -7635,7 +7721,7 @@
           <a:sym typeface="Arial"/>
         </a:defRPr>
       </a:lvl7pPr>
-      <a:lvl8pPr lvl="7" marR="0" rtl="0" algn="l">
+      <a:lvl8pPr marR="0" lvl="7" algn="l" rtl="0">
         <a:lnSpc>
           <a:spcPct val="100000"/>
         </a:lnSpc>
@@ -7649,7 +7735,7 @@
           <a:srgbClr val="000000"/>
         </a:buClr>
         <a:buFont typeface="Arial"/>
-        <a:defRPr b="0" i="0" sz="1400" u="none" cap="none" strike="noStrike">
+        <a:defRPr sz="1400" b="0" i="0" u="none" strike="noStrike" cap="none">
           <a:solidFill>
             <a:srgbClr val="000000"/>
           </a:solidFill>
@@ -7659,7 +7745,7 @@
           <a:sym typeface="Arial"/>
         </a:defRPr>
       </a:lvl8pPr>
-      <a:lvl9pPr lvl="8" marR="0" rtl="0" algn="l">
+      <a:lvl9pPr marR="0" lvl="8" algn="l" rtl="0">
         <a:lnSpc>
           <a:spcPct val="100000"/>
         </a:lnSpc>
@@ -7673,7 +7759,7 @@
           <a:srgbClr val="000000"/>
         </a:buClr>
         <a:buFont typeface="Arial"/>
-        <a:defRPr b="0" i="0" sz="1400" u="none" cap="none" strike="noStrike">
+        <a:defRPr sz="1400" b="0" i="0" u="none" strike="noStrike" cap="none">
           <a:solidFill>
             <a:srgbClr val="000000"/>
           </a:solidFill>
@@ -7689,11 +7775,11 @@
 </file>
 
 <file path=ppt/slides/slide1.xml><?xml version="1.0" encoding="utf-8"?>
-<p:sld xmlns:a="http://schemas.openxmlformats.org/drawingml/2006/main" xmlns:r="http://schemas.openxmlformats.org/officeDocument/2006/relationships" xmlns:mc="http://schemas.openxmlformats.org/markup-compatibility/2006" xmlns:mv="urn:schemas-microsoft-com:mac:vml" xmlns:p="http://schemas.openxmlformats.org/presentationml/2006/main" xmlns:c="http://schemas.openxmlformats.org/drawingml/2006/chart" xmlns:dgm="http://schemas.openxmlformats.org/drawingml/2006/diagram" xmlns:o="urn:schemas-microsoft-com:office:office" xmlns:v="urn:schemas-microsoft-com:vml" xmlns:pvml="urn:schemas-microsoft-com:office:powerpoint" xmlns:com="http://schemas.openxmlformats.org/drawingml/2006/compatibility" xmlns:p14="http://schemas.microsoft.com/office/powerpoint/2010/main" xmlns:p15="http://schemas.microsoft.com/office/powerpoint/2012/main" xmlns:ahyp="http://schemas.microsoft.com/office/drawing/2018/hyperlinkcolor">
+<p:sld xmlns:a="http://schemas.openxmlformats.org/drawingml/2006/main" xmlns:r="http://schemas.openxmlformats.org/officeDocument/2006/relationships" xmlns:p="http://schemas.openxmlformats.org/presentationml/2006/main">
   <p:cSld>
     <p:spTree>
       <p:nvGrpSpPr>
-        <p:cNvPr id="85" name="Shape 85"/>
+        <p:cNvPr id="1" name="Shape 85"/>
         <p:cNvGrpSpPr/>
         <p:nvPr/>
       </p:nvGrpSpPr>
@@ -7708,7 +7794,9 @@
       <p:sp>
         <p:nvSpPr>
           <p:cNvPr id="86" name="Google Shape;86;p13"/>
-          <p:cNvSpPr txBox="1"/>
+          <p:cNvSpPr txBox="1">
+            <a:spLocks noGrp="1"/>
+          </p:cNvSpPr>
           <p:nvPr>
             <p:ph type="ctrTitle"/>
           </p:nvPr>
@@ -7723,12 +7811,12 @@
           </a:prstGeom>
         </p:spPr>
         <p:txBody>
-          <a:bodyPr anchorCtr="0" anchor="t" bIns="91425" lIns="91425" spcFirstLastPara="1" rIns="91425" wrap="square" tIns="91425">
+          <a:bodyPr spcFirstLastPara="1" wrap="square" lIns="91425" tIns="91425" rIns="91425" bIns="91425" anchor="t" anchorCtr="0">
             <a:normAutofit/>
           </a:bodyPr>
           <a:lstStyle/>
           <a:p>
-            <a:pPr indent="0" lvl="0" marL="0" rtl="0" algn="l">
+            <a:pPr marL="0" lvl="0" indent="0" algn="l" rtl="0">
               <a:spcBef>
                 <a:spcPts val="0"/>
               </a:spcBef>
@@ -7748,9 +7836,11 @@
       <p:sp>
         <p:nvSpPr>
           <p:cNvPr id="87" name="Google Shape;87;p13"/>
-          <p:cNvSpPr txBox="1"/>
+          <p:cNvSpPr txBox="1">
+            <a:spLocks noGrp="1"/>
+          </p:cNvSpPr>
           <p:nvPr>
-            <p:ph idx="1" type="subTitle"/>
+            <p:ph type="subTitle" idx="1"/>
           </p:nvPr>
         </p:nvSpPr>
         <p:spPr>
@@ -7763,12 +7853,12 @@
           </a:prstGeom>
         </p:spPr>
         <p:txBody>
-          <a:bodyPr anchorCtr="0" anchor="t" bIns="91425" lIns="91425" spcFirstLastPara="1" rIns="91425" wrap="square" tIns="91425">
+          <a:bodyPr spcFirstLastPara="1" wrap="square" lIns="91425" tIns="91425" rIns="91425" bIns="91425" anchor="t" anchorCtr="0">
             <a:normAutofit/>
           </a:bodyPr>
           <a:lstStyle/>
           <a:p>
-            <a:pPr indent="0" lvl="0" marL="0" rtl="0" algn="l">
+            <a:pPr marL="0" lvl="0" indent="0" algn="l" rtl="0">
               <a:spcBef>
                 <a:spcPts val="0"/>
               </a:spcBef>
@@ -7794,11 +7884,11 @@
 </file>
 
 <file path=ppt/slides/slide2.xml><?xml version="1.0" encoding="utf-8"?>
-<p:sld xmlns:a="http://schemas.openxmlformats.org/drawingml/2006/main" xmlns:r="http://schemas.openxmlformats.org/officeDocument/2006/relationships" xmlns:mc="http://schemas.openxmlformats.org/markup-compatibility/2006" xmlns:mv="urn:schemas-microsoft-com:mac:vml" xmlns:p="http://schemas.openxmlformats.org/presentationml/2006/main" xmlns:c="http://schemas.openxmlformats.org/drawingml/2006/chart" xmlns:dgm="http://schemas.openxmlformats.org/drawingml/2006/diagram" xmlns:o="urn:schemas-microsoft-com:office:office" xmlns:v="urn:schemas-microsoft-com:vml" xmlns:pvml="urn:schemas-microsoft-com:office:powerpoint" xmlns:com="http://schemas.openxmlformats.org/drawingml/2006/compatibility" xmlns:p14="http://schemas.microsoft.com/office/powerpoint/2010/main" xmlns:p15="http://schemas.microsoft.com/office/powerpoint/2012/main" xmlns:ahyp="http://schemas.microsoft.com/office/drawing/2018/hyperlinkcolor">
+<p:sld xmlns:a="http://schemas.openxmlformats.org/drawingml/2006/main" xmlns:r="http://schemas.openxmlformats.org/officeDocument/2006/relationships" xmlns:p="http://schemas.openxmlformats.org/presentationml/2006/main">
   <p:cSld>
     <p:spTree>
       <p:nvGrpSpPr>
-        <p:cNvPr id="91" name="Shape 91"/>
+        <p:cNvPr id="1" name="Shape 91"/>
         <p:cNvGrpSpPr/>
         <p:nvPr/>
       </p:nvGrpSpPr>
@@ -7813,7 +7903,9 @@
       <p:sp>
         <p:nvSpPr>
           <p:cNvPr id="92" name="Google Shape;92;p14"/>
-          <p:cNvSpPr txBox="1"/>
+          <p:cNvSpPr txBox="1">
+            <a:spLocks noGrp="1"/>
+          </p:cNvSpPr>
           <p:nvPr>
             <p:ph type="title"/>
           </p:nvPr>
@@ -7828,12 +7920,12 @@
           </a:prstGeom>
         </p:spPr>
         <p:txBody>
-          <a:bodyPr anchorCtr="0" anchor="t" bIns="91425" lIns="91425" spcFirstLastPara="1" rIns="91425" wrap="square" tIns="91425">
+          <a:bodyPr spcFirstLastPara="1" wrap="square" lIns="91425" tIns="91425" rIns="91425" bIns="91425" anchor="t" anchorCtr="0">
             <a:normAutofit fontScale="90000"/>
           </a:bodyPr>
           <a:lstStyle/>
           <a:p>
-            <a:pPr indent="0" lvl="0" marL="0" rtl="0" algn="l">
+            <a:pPr marL="0" lvl="0" indent="0" algn="l" rtl="0">
               <a:spcBef>
                 <a:spcPts val="0"/>
               </a:spcBef>
@@ -7844,11 +7936,7 @@
             </a:pPr>
             <a:r>
               <a:rPr lang="en"/>
-              <a:t>E</a:t>
-            </a:r>
-            <a:r>
-              <a:rPr lang="en"/>
-              <a:t>quirectangular Approximation</a:t>
+              <a:t>Equirectangular Approximation</a:t>
             </a:r>
             <a:endParaRPr/>
           </a:p>
@@ -7919,11 +8007,11 @@
 </file>
 
 <file path=ppt/slides/slide3.xml><?xml version="1.0" encoding="utf-8"?>
-<p:sld xmlns:a="http://schemas.openxmlformats.org/drawingml/2006/main" xmlns:r="http://schemas.openxmlformats.org/officeDocument/2006/relationships" xmlns:mc="http://schemas.openxmlformats.org/markup-compatibility/2006" xmlns:mv="urn:schemas-microsoft-com:mac:vml" xmlns:p="http://schemas.openxmlformats.org/presentationml/2006/main" xmlns:c="http://schemas.openxmlformats.org/drawingml/2006/chart" xmlns:dgm="http://schemas.openxmlformats.org/drawingml/2006/diagram" xmlns:o="urn:schemas-microsoft-com:office:office" xmlns:v="urn:schemas-microsoft-com:vml" xmlns:pvml="urn:schemas-microsoft-com:office:powerpoint" xmlns:com="http://schemas.openxmlformats.org/drawingml/2006/compatibility" xmlns:p14="http://schemas.microsoft.com/office/powerpoint/2010/main" xmlns:p15="http://schemas.microsoft.com/office/powerpoint/2012/main" xmlns:ahyp="http://schemas.microsoft.com/office/drawing/2018/hyperlinkcolor">
+<p:sld xmlns:a="http://schemas.openxmlformats.org/drawingml/2006/main" xmlns:r="http://schemas.openxmlformats.org/officeDocument/2006/relationships" xmlns:p="http://schemas.openxmlformats.org/presentationml/2006/main">
   <p:cSld>
     <p:spTree>
       <p:nvGrpSpPr>
-        <p:cNvPr id="98" name="Shape 98"/>
+        <p:cNvPr id="1" name="Shape 98"/>
         <p:cNvGrpSpPr/>
         <p:nvPr/>
       </p:nvGrpSpPr>
@@ -7938,7 +8026,9 @@
       <p:sp>
         <p:nvSpPr>
           <p:cNvPr id="99" name="Google Shape;99;p15"/>
-          <p:cNvSpPr txBox="1"/>
+          <p:cNvSpPr txBox="1">
+            <a:spLocks noGrp="1"/>
+          </p:cNvSpPr>
           <p:nvPr>
             <p:ph type="title"/>
           </p:nvPr>
@@ -7953,12 +8043,12 @@
           </a:prstGeom>
         </p:spPr>
         <p:txBody>
-          <a:bodyPr anchorCtr="0" anchor="t" bIns="91425" lIns="91425" spcFirstLastPara="1" rIns="91425" wrap="square" tIns="91425">
+          <a:bodyPr spcFirstLastPara="1" wrap="square" lIns="91425" tIns="91425" rIns="91425" bIns="91425" anchor="t" anchorCtr="0">
             <a:normAutofit fontScale="90000"/>
           </a:bodyPr>
           <a:lstStyle/>
           <a:p>
-            <a:pPr indent="0" lvl="0" marL="0" rtl="0" algn="l">
+            <a:pPr marL="0" lvl="0" indent="0" algn="l" rtl="0">
               <a:spcBef>
                 <a:spcPts val="0"/>
               </a:spcBef>
@@ -7995,12 +8085,12 @@
           </a:ln>
         </p:spPr>
         <p:txBody>
-          <a:bodyPr anchorCtr="0" anchor="t" bIns="91425" lIns="91425" spcFirstLastPara="1" rIns="91425" wrap="square" tIns="91425">
+          <a:bodyPr spcFirstLastPara="1" wrap="square" lIns="91425" tIns="91425" rIns="91425" bIns="91425" anchor="t" anchorCtr="0">
             <a:spAutoFit/>
           </a:bodyPr>
           <a:lstStyle/>
           <a:p>
-            <a:pPr indent="0" lvl="0" marL="0" rtl="0" algn="l">
+            <a:pPr marL="0" lvl="0" indent="0" algn="l" rtl="0">
               <a:spcBef>
                 <a:spcPts val="0"/>
               </a:spcBef>
@@ -8009,9 +8099,6 @@
               </a:spcAft>
               <a:buNone/>
             </a:pPr>
-            <a:r>
-              <a:t/>
-            </a:r>
             <a:endParaRPr>
               <a:latin typeface="Lato"/>
               <a:ea typeface="Lato"/>
@@ -8020,7 +8107,7 @@
             </a:endParaRPr>
           </a:p>
           <a:p>
-            <a:pPr indent="-317500" lvl="0" marL="457200" rtl="0" algn="l">
+            <a:pPr marL="457200" lvl="0" indent="-317500" algn="l" rtl="0">
               <a:spcBef>
                 <a:spcPts val="0"/>
               </a:spcBef>
@@ -8055,7 +8142,7 @@
             </a:endParaRPr>
           </a:p>
           <a:p>
-            <a:pPr indent="-317500" lvl="0" marL="457200" rtl="0" algn="l">
+            <a:pPr marL="457200" lvl="0" indent="-317500" algn="l" rtl="0">
               <a:spcBef>
                 <a:spcPts val="0"/>
               </a:spcBef>
@@ -8125,7 +8212,7 @@
             </a:endParaRPr>
           </a:p>
           <a:p>
-            <a:pPr indent="-317500" lvl="0" marL="457200" rtl="0" algn="l">
+            <a:pPr marL="457200" lvl="0" indent="-317500" algn="l" rtl="0">
               <a:spcBef>
                 <a:spcPts val="0"/>
               </a:spcBef>
@@ -8160,7 +8247,7 @@
             </a:endParaRPr>
           </a:p>
           <a:p>
-            <a:pPr indent="-317500" lvl="0" marL="457200" rtl="0" algn="l">
+            <a:pPr marL="457200" lvl="0" indent="-317500" algn="l" rtl="0">
               <a:spcBef>
                 <a:spcPts val="0"/>
               </a:spcBef>
@@ -8226,11 +8313,11 @@
 </file>
 
 <file path=ppt/slides/slide4.xml><?xml version="1.0" encoding="utf-8"?>
-<p:sld xmlns:a="http://schemas.openxmlformats.org/drawingml/2006/main" xmlns:r="http://schemas.openxmlformats.org/officeDocument/2006/relationships" xmlns:mc="http://schemas.openxmlformats.org/markup-compatibility/2006" xmlns:mv="urn:schemas-microsoft-com:mac:vml" xmlns:p="http://schemas.openxmlformats.org/presentationml/2006/main" xmlns:c="http://schemas.openxmlformats.org/drawingml/2006/chart" xmlns:dgm="http://schemas.openxmlformats.org/drawingml/2006/diagram" xmlns:o="urn:schemas-microsoft-com:office:office" xmlns:v="urn:schemas-microsoft-com:vml" xmlns:pvml="urn:schemas-microsoft-com:office:powerpoint" xmlns:com="http://schemas.openxmlformats.org/drawingml/2006/compatibility" xmlns:p14="http://schemas.microsoft.com/office/powerpoint/2010/main" xmlns:p15="http://schemas.microsoft.com/office/powerpoint/2012/main" xmlns:ahyp="http://schemas.microsoft.com/office/drawing/2018/hyperlinkcolor">
+<p:sld xmlns:a="http://schemas.openxmlformats.org/drawingml/2006/main" xmlns:r="http://schemas.openxmlformats.org/officeDocument/2006/relationships" xmlns:p="http://schemas.openxmlformats.org/presentationml/2006/main">
   <p:cSld>
     <p:spTree>
       <p:nvGrpSpPr>
-        <p:cNvPr id="105" name="Shape 105"/>
+        <p:cNvPr id="1" name="Shape 105"/>
         <p:cNvGrpSpPr/>
         <p:nvPr/>
       </p:nvGrpSpPr>
@@ -8245,7 +8332,9 @@
       <p:sp>
         <p:nvSpPr>
           <p:cNvPr id="106" name="Google Shape;106;p16"/>
-          <p:cNvSpPr txBox="1"/>
+          <p:cNvSpPr txBox="1">
+            <a:spLocks noGrp="1"/>
+          </p:cNvSpPr>
           <p:nvPr>
             <p:ph type="title"/>
           </p:nvPr>
@@ -8260,12 +8349,12 @@
           </a:prstGeom>
         </p:spPr>
         <p:txBody>
-          <a:bodyPr anchorCtr="0" anchor="t" bIns="91425" lIns="91425" spcFirstLastPara="1" rIns="91425" wrap="square" tIns="91425">
+          <a:bodyPr spcFirstLastPara="1" wrap="square" lIns="91425" tIns="91425" rIns="91425" bIns="91425" anchor="t" anchorCtr="0">
             <a:normAutofit fontScale="90000"/>
           </a:bodyPr>
           <a:lstStyle/>
           <a:p>
-            <a:pPr indent="0" lvl="0" marL="0" rtl="0" algn="l">
+            <a:pPr marL="0" lvl="0" indent="0" algn="l" rtl="0">
               <a:spcBef>
                 <a:spcPts val="0"/>
               </a:spcBef>
@@ -8285,9 +8374,11 @@
       <p:sp>
         <p:nvSpPr>
           <p:cNvPr id="107" name="Google Shape;107;p16"/>
-          <p:cNvSpPr txBox="1"/>
+          <p:cNvSpPr txBox="1">
+            <a:spLocks noGrp="1"/>
+          </p:cNvSpPr>
           <p:nvPr>
-            <p:ph idx="1" type="body"/>
+            <p:ph type="body" idx="1"/>
           </p:nvPr>
         </p:nvSpPr>
         <p:spPr>
@@ -8300,12 +8391,12 @@
           </a:prstGeom>
         </p:spPr>
         <p:txBody>
-          <a:bodyPr anchorCtr="0" anchor="t" bIns="91425" lIns="91425" spcFirstLastPara="1" rIns="91425" wrap="square" tIns="91425">
+          <a:bodyPr spcFirstLastPara="1" wrap="square" lIns="91425" tIns="91425" rIns="91425" bIns="91425" anchor="t" anchorCtr="0">
             <a:normAutofit fontScale="85000" lnSpcReduction="10000"/>
           </a:bodyPr>
           <a:lstStyle/>
           <a:p>
-            <a:pPr indent="-298767" lvl="0" marL="457200" rtl="0" algn="l">
+            <a:pPr marL="457200" lvl="0" indent="-298767" algn="l" rtl="0">
               <a:spcBef>
                 <a:spcPts val="0"/>
               </a:spcBef>
@@ -8316,16 +8407,16 @@
               <a:buChar char="❏"/>
             </a:pPr>
             <a:r>
-              <a:rPr lang="en"/>
+              <a:rPr lang="en" dirty="0"/>
               <a:t>DFS with pruning</a:t>
             </a:r>
             <a:br>
-              <a:rPr lang="en"/>
+              <a:rPr lang="en" dirty="0"/>
             </a:br>
-            <a:endParaRPr/>
+            <a:endParaRPr dirty="0"/>
           </a:p>
           <a:p>
-            <a:pPr indent="-298767" lvl="0" marL="457200" rtl="0" algn="l">
+            <a:pPr marL="457200" lvl="0" indent="-298767" algn="l" rtl="0">
               <a:spcBef>
                 <a:spcPts val="0"/>
               </a:spcBef>
@@ -8336,45 +8427,33 @@
               <a:buChar char="❏"/>
             </a:pPr>
             <a:r>
-              <a:rPr lang="en"/>
+              <a:rPr lang="en" dirty="0"/>
               <a:t>Heuristic Search for better performance</a:t>
             </a:r>
             <a:br>
-              <a:rPr lang="en"/>
+              <a:rPr lang="en" dirty="0"/>
             </a:br>
             <a:r>
-              <a:rPr lang="en"/>
+              <a:rPr lang="en" dirty="0"/>
               <a:t>-&gt;Search the more promising subtree first</a:t>
             </a:r>
             <a:br>
-              <a:rPr lang="en"/>
+              <a:rPr lang="en" dirty="0"/>
             </a:br>
             <a:br>
-              <a:rPr lang="en"/>
+              <a:rPr lang="en" dirty="0"/>
             </a:br>
             <a:r>
-              <a:rPr lang="en"/>
-              <a:t>h(x) </a:t>
-            </a:r>
-            <a:r>
-              <a:rPr lang="en"/>
-              <a:t>calculates</a:t>
-            </a:r>
-            <a:r>
-              <a:rPr lang="en"/>
-              <a:t> the  </a:t>
-            </a:r>
-            <a:r>
-              <a:rPr lang="en"/>
-              <a:t>minimum distance to the subtree</a:t>
+              <a:rPr lang="en" dirty="0"/>
+              <a:t>h(x) calculates the  minimum distance to the subtree</a:t>
             </a:r>
             <a:br>
-              <a:rPr lang="en"/>
+              <a:rPr lang="en" dirty="0"/>
             </a:br>
-            <a:endParaRPr/>
+            <a:endParaRPr dirty="0"/>
           </a:p>
           <a:p>
-            <a:pPr indent="-298767" lvl="0" marL="457200" rtl="0" algn="l">
+            <a:pPr marL="457200" lvl="0" indent="-298767" algn="l" rtl="0">
               <a:spcBef>
                 <a:spcPts val="0"/>
               </a:spcBef>
@@ -8385,14 +8464,14 @@
               <a:buChar char="❏"/>
             </a:pPr>
             <a:r>
-              <a:rPr lang="en"/>
-              <a:t>Max heap to store </a:t>
+              <a:rPr lang="en" dirty="0"/>
+              <a:t>Max heap to store nearest K points</a:t>
             </a:r>
             <a:br>
-              <a:rPr lang="en"/>
+              <a:rPr lang="en" dirty="0"/>
             </a:br>
             <a:r>
-              <a:rPr lang="en" sz="900">
+              <a:rPr lang="en" sz="900" dirty="0">
                 <a:solidFill>
                   <a:srgbClr val="008000"/>
                 </a:solidFill>
@@ -8407,7 +8486,7 @@
               <a:t>// find the nearest K places for each query. pair: { distance, index }</a:t>
             </a:r>
             <a:br>
-              <a:rPr lang="en" sz="900">
+              <a:rPr lang="en" sz="900" dirty="0">
                 <a:solidFill>
                   <a:srgbClr val="008000"/>
                 </a:solidFill>
@@ -8421,7 +8500,7 @@
               </a:rPr>
             </a:br>
             <a:r>
-              <a:rPr lang="en" sz="900">
+              <a:rPr lang="en" sz="900" dirty="0" err="1">
                 <a:solidFill>
                   <a:srgbClr val="000000"/>
                 </a:solidFill>
@@ -8433,9 +8512,144 @@
                 <a:cs typeface="Courier New"/>
                 <a:sym typeface="Courier New"/>
               </a:rPr>
-              <a:t>priority_queue&lt;pair&lt;double, int&gt;, vector&lt;pair&lt;double, int&gt; &gt;, less&lt;pair&lt;double, int&gt; &gt; &gt; pq;</a:t>
+              <a:t>priority_queue</a:t>
             </a:r>
-            <a:endParaRPr/>
+            <a:r>
+              <a:rPr lang="en" sz="900" dirty="0">
+                <a:solidFill>
+                  <a:srgbClr val="000000"/>
+                </a:solidFill>
+                <a:highlight>
+                  <a:srgbClr val="FFFFFF"/>
+                </a:highlight>
+                <a:latin typeface="Courier New"/>
+                <a:ea typeface="Courier New"/>
+                <a:cs typeface="Courier New"/>
+                <a:sym typeface="Courier New"/>
+              </a:rPr>
+              <a:t>&lt;pair&lt;double, </a:t>
+            </a:r>
+            <a:r>
+              <a:rPr lang="en" sz="900" dirty="0" err="1">
+                <a:solidFill>
+                  <a:srgbClr val="000000"/>
+                </a:solidFill>
+                <a:highlight>
+                  <a:srgbClr val="FFFFFF"/>
+                </a:highlight>
+                <a:latin typeface="Courier New"/>
+                <a:ea typeface="Courier New"/>
+                <a:cs typeface="Courier New"/>
+                <a:sym typeface="Courier New"/>
+              </a:rPr>
+              <a:t>int</a:t>
+            </a:r>
+            <a:r>
+              <a:rPr lang="en" sz="900" dirty="0">
+                <a:solidFill>
+                  <a:srgbClr val="000000"/>
+                </a:solidFill>
+                <a:highlight>
+                  <a:srgbClr val="FFFFFF"/>
+                </a:highlight>
+                <a:latin typeface="Courier New"/>
+                <a:ea typeface="Courier New"/>
+                <a:cs typeface="Courier New"/>
+                <a:sym typeface="Courier New"/>
+              </a:rPr>
+              <a:t>&gt;, vector&lt;pair&lt;double, </a:t>
+            </a:r>
+            <a:r>
+              <a:rPr lang="en" sz="900" dirty="0" err="1">
+                <a:solidFill>
+                  <a:srgbClr val="000000"/>
+                </a:solidFill>
+                <a:highlight>
+                  <a:srgbClr val="FFFFFF"/>
+                </a:highlight>
+                <a:latin typeface="Courier New"/>
+                <a:ea typeface="Courier New"/>
+                <a:cs typeface="Courier New"/>
+                <a:sym typeface="Courier New"/>
+              </a:rPr>
+              <a:t>int</a:t>
+            </a:r>
+            <a:r>
+              <a:rPr lang="en" sz="900" dirty="0">
+                <a:solidFill>
+                  <a:srgbClr val="000000"/>
+                </a:solidFill>
+                <a:highlight>
+                  <a:srgbClr val="FFFFFF"/>
+                </a:highlight>
+                <a:latin typeface="Courier New"/>
+                <a:ea typeface="Courier New"/>
+                <a:cs typeface="Courier New"/>
+                <a:sym typeface="Courier New"/>
+              </a:rPr>
+              <a:t>&gt; &gt;, less&lt;pair&lt;double, </a:t>
+            </a:r>
+            <a:r>
+              <a:rPr lang="en" sz="900" dirty="0" err="1">
+                <a:solidFill>
+                  <a:srgbClr val="000000"/>
+                </a:solidFill>
+                <a:highlight>
+                  <a:srgbClr val="FFFFFF"/>
+                </a:highlight>
+                <a:latin typeface="Courier New"/>
+                <a:ea typeface="Courier New"/>
+                <a:cs typeface="Courier New"/>
+                <a:sym typeface="Courier New"/>
+              </a:rPr>
+              <a:t>int</a:t>
+            </a:r>
+            <a:r>
+              <a:rPr lang="en" sz="900" dirty="0">
+                <a:solidFill>
+                  <a:srgbClr val="000000"/>
+                </a:solidFill>
+                <a:highlight>
+                  <a:srgbClr val="FFFFFF"/>
+                </a:highlight>
+                <a:latin typeface="Courier New"/>
+                <a:ea typeface="Courier New"/>
+                <a:cs typeface="Courier New"/>
+                <a:sym typeface="Courier New"/>
+              </a:rPr>
+              <a:t>&gt; &gt; &gt; </a:t>
+            </a:r>
+            <a:r>
+              <a:rPr lang="en" sz="900" dirty="0" err="1">
+                <a:solidFill>
+                  <a:srgbClr val="000000"/>
+                </a:solidFill>
+                <a:highlight>
+                  <a:srgbClr val="FFFFFF"/>
+                </a:highlight>
+                <a:latin typeface="Courier New"/>
+                <a:ea typeface="Courier New"/>
+                <a:cs typeface="Courier New"/>
+                <a:sym typeface="Courier New"/>
+              </a:rPr>
+              <a:t>pq</a:t>
+            </a:r>
+            <a:r>
+              <a:rPr lang="en" sz="900" dirty="0">
+                <a:solidFill>
+                  <a:srgbClr val="000000"/>
+                </a:solidFill>
+                <a:highlight>
+                  <a:srgbClr val="FFFFFF"/>
+                </a:highlight>
+                <a:latin typeface="Courier New"/>
+                <a:ea typeface="Courier New"/>
+                <a:cs typeface="Courier New"/>
+                <a:sym typeface="Courier New"/>
+              </a:rPr>
+              <a:t>;</a:t>
+            </a:r>
+            <a:endParaRPr dirty="0"/>
           </a:p>
         </p:txBody>
       </p:sp>
@@ -8476,11 +8690,11 @@
 </file>
 
 <file path=ppt/slides/slide5.xml><?xml version="1.0" encoding="utf-8"?>
-<p:sld xmlns:a="http://schemas.openxmlformats.org/drawingml/2006/main" xmlns:r="http://schemas.openxmlformats.org/officeDocument/2006/relationships" xmlns:mc="http://schemas.openxmlformats.org/markup-compatibility/2006" xmlns:mv="urn:schemas-microsoft-com:mac:vml" xmlns:p="http://schemas.openxmlformats.org/presentationml/2006/main" xmlns:c="http://schemas.openxmlformats.org/drawingml/2006/chart" xmlns:dgm="http://schemas.openxmlformats.org/drawingml/2006/diagram" xmlns:o="urn:schemas-microsoft-com:office:office" xmlns:v="urn:schemas-microsoft-com:vml" xmlns:pvml="urn:schemas-microsoft-com:office:powerpoint" xmlns:com="http://schemas.openxmlformats.org/drawingml/2006/compatibility" xmlns:p14="http://schemas.microsoft.com/office/powerpoint/2010/main" xmlns:p15="http://schemas.microsoft.com/office/powerpoint/2012/main" xmlns:ahyp="http://schemas.microsoft.com/office/drawing/2018/hyperlinkcolor">
+<p:sld xmlns:a="http://schemas.openxmlformats.org/drawingml/2006/main" xmlns:r="http://schemas.openxmlformats.org/officeDocument/2006/relationships" xmlns:p="http://schemas.openxmlformats.org/presentationml/2006/main">
   <p:cSld>
     <p:spTree>
       <p:nvGrpSpPr>
-        <p:cNvPr id="112" name="Shape 112"/>
+        <p:cNvPr id="1" name="Shape 112"/>
         <p:cNvGrpSpPr/>
         <p:nvPr/>
       </p:nvGrpSpPr>
@@ -8495,7 +8709,9 @@
       <p:sp>
         <p:nvSpPr>
           <p:cNvPr id="113" name="Google Shape;113;p17"/>
-          <p:cNvSpPr txBox="1"/>
+          <p:cNvSpPr txBox="1">
+            <a:spLocks noGrp="1"/>
+          </p:cNvSpPr>
           <p:nvPr>
             <p:ph type="title"/>
           </p:nvPr>
@@ -8510,12 +8726,12 @@
           </a:prstGeom>
         </p:spPr>
         <p:txBody>
-          <a:bodyPr anchorCtr="0" anchor="t" bIns="91425" lIns="91425" spcFirstLastPara="1" rIns="91425" wrap="square" tIns="91425">
+          <a:bodyPr spcFirstLastPara="1" wrap="square" lIns="91425" tIns="91425" rIns="91425" bIns="91425" anchor="t" anchorCtr="0">
             <a:normAutofit fontScale="90000"/>
           </a:bodyPr>
           <a:lstStyle/>
           <a:p>
-            <a:pPr indent="0" lvl="0" marL="0" rtl="0" algn="l">
+            <a:pPr marL="0" lvl="0" indent="0" algn="l" rtl="0">
               <a:spcBef>
                 <a:spcPts val="0"/>
               </a:spcBef>
@@ -8569,11 +8785,11 @@
 </file>
 
 <file path=ppt/slides/slide6.xml><?xml version="1.0" encoding="utf-8"?>
-<p:sld xmlns:a="http://schemas.openxmlformats.org/drawingml/2006/main" xmlns:r="http://schemas.openxmlformats.org/officeDocument/2006/relationships" xmlns:mc="http://schemas.openxmlformats.org/markup-compatibility/2006" xmlns:mv="urn:schemas-microsoft-com:mac:vml" xmlns:p="http://schemas.openxmlformats.org/presentationml/2006/main" xmlns:c="http://schemas.openxmlformats.org/drawingml/2006/chart" xmlns:dgm="http://schemas.openxmlformats.org/drawingml/2006/diagram" xmlns:o="urn:schemas-microsoft-com:office:office" xmlns:v="urn:schemas-microsoft-com:vml" xmlns:pvml="urn:schemas-microsoft-com:office:powerpoint" xmlns:com="http://schemas.openxmlformats.org/drawingml/2006/compatibility" xmlns:p14="http://schemas.microsoft.com/office/powerpoint/2010/main" xmlns:p15="http://schemas.microsoft.com/office/powerpoint/2012/main" xmlns:ahyp="http://schemas.microsoft.com/office/drawing/2018/hyperlinkcolor">
+<p:sld xmlns:a="http://schemas.openxmlformats.org/drawingml/2006/main" xmlns:r="http://schemas.openxmlformats.org/officeDocument/2006/relationships" xmlns:p="http://schemas.openxmlformats.org/presentationml/2006/main">
   <p:cSld>
     <p:spTree>
       <p:nvGrpSpPr>
-        <p:cNvPr id="118" name="Shape 118"/>
+        <p:cNvPr id="1" name="Shape 118"/>
         <p:cNvGrpSpPr/>
         <p:nvPr/>
       </p:nvGrpSpPr>
@@ -8588,7 +8804,9 @@
       <p:sp>
         <p:nvSpPr>
           <p:cNvPr id="119" name="Google Shape;119;p18"/>
-          <p:cNvSpPr txBox="1"/>
+          <p:cNvSpPr txBox="1">
+            <a:spLocks noGrp="1"/>
+          </p:cNvSpPr>
           <p:nvPr>
             <p:ph type="title"/>
           </p:nvPr>
@@ -8603,12 +8821,12 @@
           </a:prstGeom>
         </p:spPr>
         <p:txBody>
-          <a:bodyPr anchorCtr="0" anchor="t" bIns="91425" lIns="91425" spcFirstLastPara="1" rIns="91425" wrap="square" tIns="91425">
+          <a:bodyPr spcFirstLastPara="1" wrap="square" lIns="91425" tIns="91425" rIns="91425" bIns="91425" anchor="t" anchorCtr="0">
             <a:normAutofit fontScale="90000"/>
           </a:bodyPr>
           <a:lstStyle/>
           <a:p>
-            <a:pPr indent="0" lvl="0" marL="0" rtl="0" algn="l">
+            <a:pPr marL="0" lvl="0" indent="0" algn="l" rtl="0">
               <a:spcBef>
                 <a:spcPts val="0"/>
               </a:spcBef>
@@ -8619,11 +8837,7 @@
             </a:pPr>
             <a:r>
               <a:rPr lang="en"/>
-              <a:t>GUI </a:t>
-            </a:r>
-            <a:r>
-              <a:rPr lang="en"/>
-              <a:t>Implementation</a:t>
+              <a:t>GUI Implementation</a:t>
             </a:r>
             <a:endParaRPr/>
           </a:p>
@@ -8632,9 +8846,11 @@
       <p:sp>
         <p:nvSpPr>
           <p:cNvPr id="120" name="Google Shape;120;p18"/>
-          <p:cNvSpPr txBox="1"/>
+          <p:cNvSpPr txBox="1">
+            <a:spLocks noGrp="1"/>
+          </p:cNvSpPr>
           <p:nvPr>
-            <p:ph idx="1" type="body"/>
+            <p:ph type="body" idx="1"/>
           </p:nvPr>
         </p:nvSpPr>
         <p:spPr>
@@ -8647,12 +8863,12 @@
           </a:prstGeom>
         </p:spPr>
         <p:txBody>
-          <a:bodyPr anchorCtr="0" anchor="t" bIns="91425" lIns="91425" spcFirstLastPara="1" rIns="91425" wrap="square" tIns="91425">
+          <a:bodyPr spcFirstLastPara="1" wrap="square" lIns="91425" tIns="91425" rIns="91425" bIns="91425" anchor="t" anchorCtr="0">
             <a:normAutofit/>
           </a:bodyPr>
           <a:lstStyle/>
           <a:p>
-            <a:pPr indent="-311150" lvl="0" marL="457200" rtl="0" algn="l">
+            <a:pPr marL="457200" lvl="0" indent="-311150" algn="l" rtl="0">
               <a:spcBef>
                 <a:spcPts val="0"/>
               </a:spcBef>
@@ -8669,7 +8885,7 @@
             <a:endParaRPr/>
           </a:p>
           <a:p>
-            <a:pPr indent="-311150" lvl="0" marL="457200" rtl="0" algn="l">
+            <a:pPr marL="457200" lvl="0" indent="-311150" algn="l" rtl="0">
               <a:spcBef>
                 <a:spcPts val="0"/>
               </a:spcBef>
@@ -8681,16 +8897,12 @@
             </a:pPr>
             <a:r>
               <a:rPr lang="en"/>
-              <a:t>Info window with Latitude and </a:t>
-            </a:r>
-            <a:r>
-              <a:rPr lang="en"/>
-              <a:t>Longitude</a:t>
+              <a:t>Info window with Latitude and Longitude</a:t>
             </a:r>
             <a:endParaRPr/>
           </a:p>
           <a:p>
-            <a:pPr indent="-311150" lvl="0" marL="457200" rtl="0" algn="l">
+            <a:pPr marL="457200" lvl="0" indent="-311150" algn="l" rtl="0">
               <a:spcBef>
                 <a:spcPts val="0"/>
               </a:spcBef>
@@ -8702,11 +8914,7 @@
             </a:pPr>
             <a:r>
               <a:rPr lang="en"/>
-              <a:t>Options to choose k from 1 to 10</a:t>
-            </a:r>
-            <a:r>
-              <a:rPr lang="en"/>
-              <a:t> </a:t>
+              <a:t>Options to choose k from 1 to 10 </a:t>
             </a:r>
             <a:endParaRPr/>
           </a:p>
@@ -8721,11 +8929,11 @@
 </file>
 
 <file path=ppt/slides/slide7.xml><?xml version="1.0" encoding="utf-8"?>
-<p:sld xmlns:a="http://schemas.openxmlformats.org/drawingml/2006/main" xmlns:r="http://schemas.openxmlformats.org/officeDocument/2006/relationships" xmlns:mc="http://schemas.openxmlformats.org/markup-compatibility/2006" xmlns:mv="urn:schemas-microsoft-com:mac:vml" xmlns:p="http://schemas.openxmlformats.org/presentationml/2006/main" xmlns:c="http://schemas.openxmlformats.org/drawingml/2006/chart" xmlns:dgm="http://schemas.openxmlformats.org/drawingml/2006/diagram" xmlns:o="urn:schemas-microsoft-com:office:office" xmlns:v="urn:schemas-microsoft-com:vml" xmlns:pvml="urn:schemas-microsoft-com:office:powerpoint" xmlns:com="http://schemas.openxmlformats.org/drawingml/2006/compatibility" xmlns:p14="http://schemas.microsoft.com/office/powerpoint/2010/main" xmlns:p15="http://schemas.microsoft.com/office/powerpoint/2012/main" xmlns:ahyp="http://schemas.microsoft.com/office/drawing/2018/hyperlinkcolor">
+<p:sld xmlns:a="http://schemas.openxmlformats.org/drawingml/2006/main" xmlns:r="http://schemas.openxmlformats.org/officeDocument/2006/relationships" xmlns:p="http://schemas.openxmlformats.org/presentationml/2006/main">
   <p:cSld>
     <p:spTree>
       <p:nvGrpSpPr>
-        <p:cNvPr id="124" name="Shape 124"/>
+        <p:cNvPr id="1" name="Shape 124"/>
         <p:cNvGrpSpPr/>
         <p:nvPr/>
       </p:nvGrpSpPr>
@@ -8740,7 +8948,9 @@
       <p:sp>
         <p:nvSpPr>
           <p:cNvPr id="125" name="Google Shape;125;p19"/>
-          <p:cNvSpPr txBox="1"/>
+          <p:cNvSpPr txBox="1">
+            <a:spLocks noGrp="1"/>
+          </p:cNvSpPr>
           <p:nvPr>
             <p:ph type="title"/>
           </p:nvPr>
@@ -8755,12 +8965,12 @@
           </a:prstGeom>
         </p:spPr>
         <p:txBody>
-          <a:bodyPr anchorCtr="0" anchor="t" bIns="91425" lIns="91425" spcFirstLastPara="1" rIns="91425" wrap="square" tIns="91425">
+          <a:bodyPr spcFirstLastPara="1" wrap="square" lIns="91425" tIns="91425" rIns="91425" bIns="91425" anchor="t" anchorCtr="0">
             <a:normAutofit fontScale="90000"/>
           </a:bodyPr>
           <a:lstStyle/>
           <a:p>
-            <a:pPr indent="0" lvl="0" marL="0" rtl="0" algn="l">
+            <a:pPr marL="0" lvl="0" indent="0" algn="l" rtl="0">
               <a:spcBef>
                 <a:spcPts val="0"/>
               </a:spcBef>
@@ -8813,8 +9023,71 @@
 </p:sld>
 </file>
 
+<file path=ppt/slides/slide8.xml><?xml version="1.0" encoding="utf-8"?>
+<p:sld xmlns:a="http://schemas.openxmlformats.org/drawingml/2006/main" xmlns:r="http://schemas.openxmlformats.org/officeDocument/2006/relationships" xmlns:p="http://schemas.openxmlformats.org/presentationml/2006/main">
+  <p:cSld>
+    <p:spTree>
+      <p:nvGrpSpPr>
+        <p:cNvPr id="1" name=""/>
+        <p:cNvGrpSpPr/>
+        <p:nvPr/>
+      </p:nvGrpSpPr>
+      <p:grpSpPr>
+        <a:xfrm>
+          <a:off x="0" y="0"/>
+          <a:ext cx="0" cy="0"/>
+          <a:chOff x="0" y="0"/>
+          <a:chExt cx="0" cy="0"/>
+        </a:xfrm>
+      </p:grpSpPr>
+      <p:sp>
+        <p:nvSpPr>
+          <p:cNvPr id="3" name="Text Placeholder 2">
+            <a:extLst>
+              <a:ext uri="{FF2B5EF4-FFF2-40B4-BE49-F238E27FC236}">
+                <a16:creationId xmlns:a16="http://schemas.microsoft.com/office/drawing/2014/main" id="{CE2C2CA6-A255-F949-BDD4-762AA15E52FF}"/>
+              </a:ext>
+            </a:extLst>
+          </p:cNvPr>
+          <p:cNvSpPr>
+            <a:spLocks noGrp="1"/>
+          </p:cNvSpPr>
+          <p:nvPr>
+            <p:ph type="body" idx="1"/>
+          </p:nvPr>
+        </p:nvSpPr>
+        <p:spPr/>
+        <p:txBody>
+          <a:bodyPr>
+            <a:normAutofit/>
+          </a:bodyPr>
+          <a:lstStyle/>
+          <a:p>
+            <a:pPr marL="146050" indent="0" algn="ctr">
+              <a:buNone/>
+            </a:pPr>
+            <a:r>
+              <a:rPr lang="en-US" sz="3200" dirty="0"/>
+              <a:t>Thank you</a:t>
+            </a:r>
+          </a:p>
+        </p:txBody>
+      </p:sp>
+    </p:spTree>
+    <p:extLst>
+      <p:ext uri="{BB962C8B-B14F-4D97-AF65-F5344CB8AC3E}">
+        <p14:creationId xmlns:p14="http://schemas.microsoft.com/office/powerpoint/2010/main" val="1447063141"/>
+      </p:ext>
+    </p:extLst>
+  </p:cSld>
+  <p:clrMapOvr>
+    <a:masterClrMapping/>
+  </p:clrMapOvr>
+</p:sld>
+</file>
+
 <file path=ppt/theme/theme1.xml><?xml version="1.0" encoding="utf-8"?>
-<a:theme xmlns:a="http://schemas.openxmlformats.org/drawingml/2006/main" xmlns:r="http://schemas.openxmlformats.org/officeDocument/2006/relationships" name="Streamline">
+<a:theme xmlns:a="http://schemas.openxmlformats.org/drawingml/2006/main" name="Streamline">
   <a:themeElements>
     <a:clrScheme name="Streamline">
       <a:dk1>
@@ -9089,11 +9362,13 @@
       </a:bgFillStyleLst>
     </a:fmtScheme>
   </a:themeElements>
+  <a:objectDefaults/>
+  <a:extraClrSchemeLst/>
 </a:theme>
 </file>
 
 <file path=ppt/theme/theme2.xml><?xml version="1.0" encoding="utf-8"?>
-<a:theme xmlns:a="http://schemas.openxmlformats.org/drawingml/2006/main" xmlns:r="http://schemas.openxmlformats.org/officeDocument/2006/relationships">
+<a:theme xmlns:a="http://schemas.openxmlformats.org/drawingml/2006/main">
   <a:themeElements>
     <a:clrScheme name="Default">
       <a:dk1>
@@ -9368,5 +9643,7 @@
       </a:bgFillStyleLst>
     </a:fmtScheme>
   </a:themeElements>
+  <a:objectDefaults/>
+  <a:extraClrSchemeLst/>
 </a:theme>
 </file>